--- a/04-configmaps-und-secrets/deeptalk-04.pptx
+++ b/04-configmaps-und-secrets/deeptalk-04.pptx
@@ -5,46 +5,48 @@
     <p:sldMasterId id="2147483648" r:id="rId1"/>
   </p:sldMasterIdLst>
   <p:notesMasterIdLst>
-    <p:notesMasterId r:id="rId12"/>
+    <p:notesMasterId r:id="rId14"/>
   </p:notesMasterIdLst>
   <p:handoutMasterIdLst>
-    <p:handoutMasterId r:id="rId13"/>
+    <p:handoutMasterId r:id="rId15"/>
   </p:handoutMasterIdLst>
   <p:sldIdLst>
     <p:sldId id="471" r:id="rId2"/>
     <p:sldId id="496" r:id="rId3"/>
     <p:sldId id="497" r:id="rId4"/>
-    <p:sldId id="528" r:id="rId5"/>
-    <p:sldId id="529" r:id="rId6"/>
-    <p:sldId id="530" r:id="rId7"/>
-    <p:sldId id="509" r:id="rId8"/>
-    <p:sldId id="499" r:id="rId9"/>
-    <p:sldId id="508" r:id="rId10"/>
-    <p:sldId id="495" r:id="rId11"/>
+    <p:sldId id="531" r:id="rId5"/>
+    <p:sldId id="532" r:id="rId6"/>
+    <p:sldId id="528" r:id="rId7"/>
+    <p:sldId id="529" r:id="rId8"/>
+    <p:sldId id="530" r:id="rId9"/>
+    <p:sldId id="509" r:id="rId10"/>
+    <p:sldId id="499" r:id="rId11"/>
+    <p:sldId id="508" r:id="rId12"/>
+    <p:sldId id="495" r:id="rId13"/>
   </p:sldIdLst>
   <p:sldSz cx="9144000" cy="5715000" type="screen16x10"/>
   <p:notesSz cx="7099300" cy="10234613"/>
   <p:embeddedFontLst>
     <p:embeddedFont>
       <p:font typeface="Calibri" panose="020F0502020204030204" pitchFamily="34" charset="0"/>
-      <p:regular r:id="rId14"/>
-      <p:bold r:id="rId14"/>
-      <p:italic r:id="rId14"/>
-      <p:boldItalic r:id="rId14"/>
+      <p:regular r:id="rId16"/>
+      <p:bold r:id="rId16"/>
+      <p:italic r:id="rId16"/>
+      <p:boldItalic r:id="rId16"/>
     </p:embeddedFont>
     <p:embeddedFont>
       <p:font typeface="Helvetica" pitchFamily="2" charset="0"/>
-      <p:regular r:id="rId14"/>
-      <p:bold r:id="rId14"/>
-      <p:italic r:id="rId14"/>
-      <p:boldItalic r:id="rId14"/>
+      <p:regular r:id="rId16"/>
+      <p:bold r:id="rId16"/>
+      <p:italic r:id="rId16"/>
+      <p:boldItalic r:id="rId16"/>
     </p:embeddedFont>
     <p:embeddedFont>
       <p:font typeface="Verdana" panose="020B0604030504040204" pitchFamily="34" charset="0"/>
-      <p:regular r:id="rId14"/>
-      <p:bold r:id="rId14"/>
-      <p:italic r:id="rId14"/>
-      <p:boldItalic r:id="rId14"/>
+      <p:regular r:id="rId16"/>
+      <p:bold r:id="rId16"/>
+      <p:italic r:id="rId16"/>
+      <p:boldItalic r:id="rId16"/>
     </p:embeddedFont>
   </p:embeddedFontLst>
   <p:defaultTextStyle>
@@ -1201,7 +1203,7 @@
     </p:spTree>
     <p:extLst>
       <p:ext uri="{BB962C8B-B14F-4D97-AF65-F5344CB8AC3E}">
-        <p14:creationId xmlns:p14="http://schemas.microsoft.com/office/powerpoint/2010/main" val="4110080689"/>
+        <p14:creationId xmlns:p14="http://schemas.microsoft.com/office/powerpoint/2010/main" val="1656368060"/>
       </p:ext>
     </p:extLst>
   </p:cSld>
@@ -1297,7 +1299,7 @@
     </p:spTree>
     <p:extLst>
       <p:ext uri="{BB962C8B-B14F-4D97-AF65-F5344CB8AC3E}">
-        <p14:creationId xmlns:p14="http://schemas.microsoft.com/office/powerpoint/2010/main" val="478657989"/>
+        <p14:creationId xmlns:p14="http://schemas.microsoft.com/office/powerpoint/2010/main" val="1247623124"/>
       </p:ext>
     </p:extLst>
   </p:cSld>
@@ -1393,7 +1395,7 @@
     </p:spTree>
     <p:extLst>
       <p:ext uri="{BB962C8B-B14F-4D97-AF65-F5344CB8AC3E}">
-        <p14:creationId xmlns:p14="http://schemas.microsoft.com/office/powerpoint/2010/main" val="1988012244"/>
+        <p14:creationId xmlns:p14="http://schemas.microsoft.com/office/powerpoint/2010/main" val="4110080689"/>
       </p:ext>
     </p:extLst>
   </p:cSld>
@@ -1489,7 +1491,7 @@
     </p:spTree>
     <p:extLst>
       <p:ext uri="{BB962C8B-B14F-4D97-AF65-F5344CB8AC3E}">
-        <p14:creationId xmlns:p14="http://schemas.microsoft.com/office/powerpoint/2010/main" val="1492651428"/>
+        <p14:creationId xmlns:p14="http://schemas.microsoft.com/office/powerpoint/2010/main" val="478657989"/>
       </p:ext>
     </p:extLst>
   </p:cSld>
@@ -1577,6 +1579,198 @@
                 <a:defRPr/>
               </a:pPr>
               <a:t>8</a:t>
+            </a:fld>
+            <a:endParaRPr lang="de-DE"/>
+          </a:p>
+        </p:txBody>
+      </p:sp>
+    </p:spTree>
+    <p:extLst>
+      <p:ext uri="{BB962C8B-B14F-4D97-AF65-F5344CB8AC3E}">
+        <p14:creationId xmlns:p14="http://schemas.microsoft.com/office/powerpoint/2010/main" val="1988012244"/>
+      </p:ext>
+    </p:extLst>
+  </p:cSld>
+  <p:clrMapOvr>
+    <a:masterClrMapping/>
+  </p:clrMapOvr>
+</p:notes>
+</file>
+
+<file path=ppt/notesSlides/notesSlide8.xml><?xml version="1.0" encoding="utf-8"?>
+<p:notes xmlns:a="http://schemas.openxmlformats.org/drawingml/2006/main" xmlns:r="http://schemas.openxmlformats.org/officeDocument/2006/relationships" xmlns:p="http://schemas.openxmlformats.org/presentationml/2006/main">
+  <p:cSld>
+    <p:spTree>
+      <p:nvGrpSpPr>
+        <p:cNvPr id="1" name=""/>
+        <p:cNvGrpSpPr/>
+        <p:nvPr/>
+      </p:nvGrpSpPr>
+      <p:grpSpPr>
+        <a:xfrm>
+          <a:off x="0" y="0"/>
+          <a:ext cx="0" cy="0"/>
+          <a:chOff x="0" y="0"/>
+          <a:chExt cx="0" cy="0"/>
+        </a:xfrm>
+      </p:grpSpPr>
+      <p:sp>
+        <p:nvSpPr>
+          <p:cNvPr id="2" name="Folienbildplatzhalter 1"/>
+          <p:cNvSpPr>
+            <a:spLocks noGrp="1" noRot="1" noChangeAspect="1"/>
+          </p:cNvSpPr>
+          <p:nvPr>
+            <p:ph type="sldImg"/>
+          </p:nvPr>
+        </p:nvSpPr>
+        <p:spPr/>
+      </p:sp>
+      <p:sp>
+        <p:nvSpPr>
+          <p:cNvPr id="3" name="Notizenplatzhalter 2"/>
+          <p:cNvSpPr>
+            <a:spLocks noGrp="1"/>
+          </p:cNvSpPr>
+          <p:nvPr>
+            <p:ph type="body" idx="1"/>
+          </p:nvPr>
+        </p:nvSpPr>
+        <p:spPr/>
+        <p:txBody>
+          <a:bodyPr/>
+          <a:lstStyle/>
+          <a:p>
+            <a:r>
+              <a:rPr lang="de-DE" dirty="0">
+                <a:hlinkClick r:id="rId3"/>
+              </a:rPr>
+              <a:t>https://www.docker.com/resources/what-container</a:t>
+            </a:r>
+            <a:endParaRPr lang="de-DE" dirty="0"/>
+          </a:p>
+        </p:txBody>
+      </p:sp>
+      <p:sp>
+        <p:nvSpPr>
+          <p:cNvPr id="4" name="Foliennummernplatzhalter 3"/>
+          <p:cNvSpPr>
+            <a:spLocks noGrp="1"/>
+          </p:cNvSpPr>
+          <p:nvPr>
+            <p:ph type="sldNum" sz="quarter" idx="5"/>
+          </p:nvPr>
+        </p:nvSpPr>
+        <p:spPr/>
+        <p:txBody>
+          <a:bodyPr/>
+          <a:lstStyle/>
+          <a:p>
+            <a:pPr>
+              <a:defRPr/>
+            </a:pPr>
+            <a:fld id="{4D8C3D32-0CEC-4E75-98FF-2FBD233904A7}" type="slidenum">
+              <a:rPr lang="de-DE" smtClean="0"/>
+              <a:pPr>
+                <a:defRPr/>
+              </a:pPr>
+              <a:t>9</a:t>
+            </a:fld>
+            <a:endParaRPr lang="de-DE"/>
+          </a:p>
+        </p:txBody>
+      </p:sp>
+    </p:spTree>
+    <p:extLst>
+      <p:ext uri="{BB962C8B-B14F-4D97-AF65-F5344CB8AC3E}">
+        <p14:creationId xmlns:p14="http://schemas.microsoft.com/office/powerpoint/2010/main" val="1492651428"/>
+      </p:ext>
+    </p:extLst>
+  </p:cSld>
+  <p:clrMapOvr>
+    <a:masterClrMapping/>
+  </p:clrMapOvr>
+</p:notes>
+</file>
+
+<file path=ppt/notesSlides/notesSlide9.xml><?xml version="1.0" encoding="utf-8"?>
+<p:notes xmlns:a="http://schemas.openxmlformats.org/drawingml/2006/main" xmlns:r="http://schemas.openxmlformats.org/officeDocument/2006/relationships" xmlns:p="http://schemas.openxmlformats.org/presentationml/2006/main">
+  <p:cSld>
+    <p:spTree>
+      <p:nvGrpSpPr>
+        <p:cNvPr id="1" name=""/>
+        <p:cNvGrpSpPr/>
+        <p:nvPr/>
+      </p:nvGrpSpPr>
+      <p:grpSpPr>
+        <a:xfrm>
+          <a:off x="0" y="0"/>
+          <a:ext cx="0" cy="0"/>
+          <a:chOff x="0" y="0"/>
+          <a:chExt cx="0" cy="0"/>
+        </a:xfrm>
+      </p:grpSpPr>
+      <p:sp>
+        <p:nvSpPr>
+          <p:cNvPr id="2" name="Folienbildplatzhalter 1"/>
+          <p:cNvSpPr>
+            <a:spLocks noGrp="1" noRot="1" noChangeAspect="1"/>
+          </p:cNvSpPr>
+          <p:nvPr>
+            <p:ph type="sldImg"/>
+          </p:nvPr>
+        </p:nvSpPr>
+        <p:spPr/>
+      </p:sp>
+      <p:sp>
+        <p:nvSpPr>
+          <p:cNvPr id="3" name="Notizenplatzhalter 2"/>
+          <p:cNvSpPr>
+            <a:spLocks noGrp="1"/>
+          </p:cNvSpPr>
+          <p:nvPr>
+            <p:ph type="body" idx="1"/>
+          </p:nvPr>
+        </p:nvSpPr>
+        <p:spPr/>
+        <p:txBody>
+          <a:bodyPr/>
+          <a:lstStyle/>
+          <a:p>
+            <a:r>
+              <a:rPr lang="de-DE" dirty="0">
+                <a:hlinkClick r:id="rId3"/>
+              </a:rPr>
+              <a:t>https://www.docker.com/resources/what-container</a:t>
+            </a:r>
+            <a:endParaRPr lang="de-DE" dirty="0"/>
+          </a:p>
+        </p:txBody>
+      </p:sp>
+      <p:sp>
+        <p:nvSpPr>
+          <p:cNvPr id="4" name="Foliennummernplatzhalter 3"/>
+          <p:cNvSpPr>
+            <a:spLocks noGrp="1"/>
+          </p:cNvSpPr>
+          <p:nvPr>
+            <p:ph type="sldNum" sz="quarter" idx="5"/>
+          </p:nvPr>
+        </p:nvSpPr>
+        <p:spPr/>
+        <p:txBody>
+          <a:bodyPr/>
+          <a:lstStyle/>
+          <a:p>
+            <a:pPr>
+              <a:defRPr/>
+            </a:pPr>
+            <a:fld id="{4D8C3D32-0CEC-4E75-98FF-2FBD233904A7}" type="slidenum">
+              <a:rPr lang="de-DE" smtClean="0"/>
+              <a:pPr>
+                <a:defRPr/>
+              </a:pPr>
+              <a:t>10</a:t>
             </a:fld>
             <a:endParaRPr lang="de-DE"/>
           </a:p>
@@ -4400,6 +4594,366 @@
           <p:cNvPr id="2" name="Titel 1">
             <a:extLst>
               <a:ext uri="{FF2B5EF4-FFF2-40B4-BE49-F238E27FC236}">
+                <a16:creationId xmlns:a16="http://schemas.microsoft.com/office/drawing/2014/main" id="{63E74088-BB91-574B-9695-A0121785026E}"/>
+              </a:ext>
+            </a:extLst>
+          </p:cNvPr>
+          <p:cNvSpPr>
+            <a:spLocks noGrp="1"/>
+          </p:cNvSpPr>
+          <p:nvPr>
+            <p:ph type="title"/>
+          </p:nvPr>
+        </p:nvSpPr>
+        <p:spPr/>
+        <p:txBody>
+          <a:bodyPr/>
+          <a:lstStyle/>
+          <a:p>
+            <a:r>
+              <a:rPr lang="de-DE" dirty="0" err="1"/>
+              <a:t>Misc</a:t>
+            </a:r>
+            <a:endParaRPr lang="de-DE" dirty="0"/>
+          </a:p>
+        </p:txBody>
+      </p:sp>
+      <p:sp>
+        <p:nvSpPr>
+          <p:cNvPr id="3" name="Inhaltsplatzhalter 2">
+            <a:extLst>
+              <a:ext uri="{FF2B5EF4-FFF2-40B4-BE49-F238E27FC236}">
+                <a16:creationId xmlns:a16="http://schemas.microsoft.com/office/drawing/2014/main" id="{0EEB0F87-B7B4-B946-A3AA-B4CFBE864340}"/>
+              </a:ext>
+            </a:extLst>
+          </p:cNvPr>
+          <p:cNvSpPr>
+            <a:spLocks noGrp="1"/>
+          </p:cNvSpPr>
+          <p:nvPr>
+            <p:ph idx="1"/>
+          </p:nvPr>
+        </p:nvSpPr>
+        <p:spPr/>
+        <p:txBody>
+          <a:bodyPr>
+            <a:normAutofit fontScale="85000" lnSpcReduction="20000"/>
+          </a:bodyPr>
+          <a:lstStyle/>
+          <a:p>
+            <a:r>
+              <a:rPr lang="de-DE" b="1" dirty="0"/>
+              <a:t>Materialien zum Talk</a:t>
+            </a:r>
+          </a:p>
+          <a:p>
+            <a:r>
+              <a:rPr lang="de-DE" dirty="0">
+                <a:hlinkClick r:id="rId3"/>
+              </a:rPr>
+              <a:t>https://github.com/grothesk/deeptalk</a:t>
+            </a:r>
+            <a:endParaRPr lang="de-DE" dirty="0"/>
+          </a:p>
+          <a:p>
+            <a:endParaRPr lang="de-DE" dirty="0"/>
+          </a:p>
+          <a:p>
+            <a:r>
+              <a:rPr lang="de-DE" b="1" dirty="0"/>
+              <a:t>Weiterführendes</a:t>
+            </a:r>
+          </a:p>
+          <a:p>
+            <a:r>
+              <a:rPr lang="de-DE" dirty="0" err="1"/>
+              <a:t>Celery</a:t>
+            </a:r>
+            <a:r>
+              <a:rPr lang="de-DE" dirty="0"/>
+              <a:t> </a:t>
+            </a:r>
+            <a:r>
+              <a:rPr lang="de-DE" dirty="0">
+                <a:sym typeface="Wingdings" pitchFamily="2" charset="2"/>
+              </a:rPr>
+              <a:t> </a:t>
+            </a:r>
+            <a:r>
+              <a:rPr lang="de-DE" dirty="0"/>
+              <a:t>Asynchron in Python: </a:t>
+            </a:r>
+            <a:r>
+              <a:rPr lang="de-DE" dirty="0">
+                <a:hlinkClick r:id="rId4"/>
+              </a:rPr>
+              <a:t>https://docs.celeryproject.org</a:t>
+            </a:r>
+            <a:endParaRPr lang="de-DE" dirty="0"/>
+          </a:p>
+          <a:p>
+            <a:r>
+              <a:rPr lang="de-DE" dirty="0"/>
+              <a:t>Django </a:t>
+            </a:r>
+            <a:r>
+              <a:rPr lang="de-DE" dirty="0">
+                <a:sym typeface="Wingdings" pitchFamily="2" charset="2"/>
+              </a:rPr>
+              <a:t> Alternative zu </a:t>
+            </a:r>
+            <a:r>
+              <a:rPr lang="de-DE" dirty="0" err="1">
+                <a:sym typeface="Wingdings" pitchFamily="2" charset="2"/>
+              </a:rPr>
+              <a:t>Flask</a:t>
+            </a:r>
+            <a:r>
+              <a:rPr lang="de-DE" dirty="0">
+                <a:sym typeface="Wingdings" pitchFamily="2" charset="2"/>
+              </a:rPr>
+              <a:t>: </a:t>
+            </a:r>
+            <a:r>
+              <a:rPr lang="de-DE" dirty="0">
+                <a:hlinkClick r:id="rId5"/>
+              </a:rPr>
+              <a:t>https://www.djangoproject.com</a:t>
+            </a:r>
+            <a:endParaRPr lang="de-DE" dirty="0"/>
+          </a:p>
+          <a:p>
+            <a:r>
+              <a:rPr lang="de-DE" dirty="0" err="1"/>
+              <a:t>Skaffold</a:t>
+            </a:r>
+            <a:r>
+              <a:rPr lang="de-DE" dirty="0"/>
+              <a:t> </a:t>
+            </a:r>
+            <a:r>
+              <a:rPr lang="de-DE" dirty="0">
+                <a:sym typeface="Wingdings" pitchFamily="2" charset="2"/>
+              </a:rPr>
+              <a:t> Entwicklung von k8s-Anwendungen: </a:t>
+            </a:r>
+            <a:r>
+              <a:rPr lang="de-DE" dirty="0">
+                <a:hlinkClick r:id="rId6"/>
+              </a:rPr>
+              <a:t>https://skaffold.dev</a:t>
+            </a:r>
+            <a:endParaRPr lang="de-DE" dirty="0"/>
+          </a:p>
+          <a:p>
+            <a:endParaRPr lang="de-DE" dirty="0"/>
+          </a:p>
+          <a:p>
+            <a:r>
+              <a:rPr lang="de-DE" b="1" dirty="0"/>
+              <a:t>Feedback , Anregungen, Themenvorschläge</a:t>
+            </a:r>
+          </a:p>
+          <a:p>
+            <a:r>
+              <a:rPr lang="de-DE" dirty="0">
+                <a:hlinkClick r:id="rId7"/>
+              </a:rPr>
+              <a:t>florian.boldt@deepshore.de</a:t>
+            </a:r>
+            <a:endParaRPr lang="de-DE" dirty="0"/>
+          </a:p>
+          <a:p>
+            <a:r>
+              <a:rPr lang="de-DE" dirty="0">
+                <a:hlinkClick r:id="rId8"/>
+              </a:rPr>
+              <a:t>malte.groth@deepshore.de</a:t>
+            </a:r>
+            <a:endParaRPr lang="de-DE" dirty="0"/>
+          </a:p>
+          <a:p>
+            <a:r>
+              <a:rPr lang="de-DE" dirty="0">
+                <a:hlinkClick r:id="rId9"/>
+              </a:rPr>
+              <a:t>frederic.born@deepshore.de</a:t>
+            </a:r>
+            <a:endParaRPr lang="de-DE" dirty="0"/>
+          </a:p>
+          <a:p>
+            <a:endParaRPr lang="de-DE" dirty="0"/>
+          </a:p>
+          <a:p>
+            <a:endParaRPr lang="de-DE" dirty="0"/>
+          </a:p>
+          <a:p>
+            <a:endParaRPr lang="de-DE" dirty="0"/>
+          </a:p>
+        </p:txBody>
+      </p:sp>
+    </p:spTree>
+    <p:extLst>
+      <p:ext uri="{BB962C8B-B14F-4D97-AF65-F5344CB8AC3E}">
+        <p14:creationId xmlns:p14="http://schemas.microsoft.com/office/powerpoint/2010/main" val="1579135088"/>
+      </p:ext>
+    </p:extLst>
+  </p:cSld>
+  <p:clrMapOvr>
+    <a:masterClrMapping/>
+  </p:clrMapOvr>
+</p:sld>
+</file>
+
+<file path=ppt/slides/slide11.xml><?xml version="1.0" encoding="utf-8"?>
+<p:sld xmlns:a="http://schemas.openxmlformats.org/drawingml/2006/main" xmlns:r="http://schemas.openxmlformats.org/officeDocument/2006/relationships" xmlns:p="http://schemas.openxmlformats.org/presentationml/2006/main">
+  <p:cSld>
+    <p:spTree>
+      <p:nvGrpSpPr>
+        <p:cNvPr id="1" name=""/>
+        <p:cNvGrpSpPr/>
+        <p:nvPr/>
+      </p:nvGrpSpPr>
+      <p:grpSpPr>
+        <a:xfrm>
+          <a:off x="0" y="0"/>
+          <a:ext cx="0" cy="0"/>
+          <a:chOff x="0" y="0"/>
+          <a:chExt cx="0" cy="0"/>
+        </a:xfrm>
+      </p:grpSpPr>
+      <p:sp>
+        <p:nvSpPr>
+          <p:cNvPr id="2" name="Titel 1">
+            <a:extLst>
+              <a:ext uri="{FF2B5EF4-FFF2-40B4-BE49-F238E27FC236}">
+                <a16:creationId xmlns:a16="http://schemas.microsoft.com/office/drawing/2014/main" id="{693F10F7-6A72-7443-9D29-766F88D4FE7E}"/>
+              </a:ext>
+            </a:extLst>
+          </p:cNvPr>
+          <p:cNvSpPr>
+            <a:spLocks noGrp="1"/>
+          </p:cNvSpPr>
+          <p:nvPr>
+            <p:ph type="title"/>
+          </p:nvPr>
+        </p:nvSpPr>
+        <p:spPr/>
+        <p:txBody>
+          <a:bodyPr/>
+          <a:lstStyle/>
+          <a:p>
+            <a:r>
+              <a:rPr lang="de-DE" dirty="0"/>
+              <a:t>Ausblick</a:t>
+            </a:r>
+          </a:p>
+        </p:txBody>
+      </p:sp>
+      <p:sp>
+        <p:nvSpPr>
+          <p:cNvPr id="3" name="Inhaltsplatzhalter 2">
+            <a:extLst>
+              <a:ext uri="{FF2B5EF4-FFF2-40B4-BE49-F238E27FC236}">
+                <a16:creationId xmlns:a16="http://schemas.microsoft.com/office/drawing/2014/main" id="{86FD58D8-14F3-0B49-A927-BE31094219CF}"/>
+              </a:ext>
+            </a:extLst>
+          </p:cNvPr>
+          <p:cNvSpPr>
+            <a:spLocks noGrp="1"/>
+          </p:cNvSpPr>
+          <p:nvPr>
+            <p:ph idx="1"/>
+          </p:nvPr>
+        </p:nvSpPr>
+        <p:spPr/>
+        <p:txBody>
+          <a:bodyPr/>
+          <a:lstStyle/>
+          <a:p>
+            <a:pPr marL="360">
+              <a:spcBef>
+                <a:spcPts val="799"/>
+              </a:spcBef>
+            </a:pPr>
+            <a:r>
+              <a:rPr lang="de-DE" spc="-1" dirty="0">
+                <a:solidFill>
+                  <a:srgbClr val="000000"/>
+                </a:solidFill>
+                <a:latin typeface="Verdana"/>
+              </a:rPr>
+              <a:t>Persistenz in </a:t>
+            </a:r>
+            <a:r>
+              <a:rPr lang="de-DE" spc="-1" dirty="0" err="1">
+                <a:solidFill>
+                  <a:srgbClr val="000000"/>
+                </a:solidFill>
+                <a:latin typeface="Verdana"/>
+              </a:rPr>
+              <a:t>Kubernetes</a:t>
+            </a:r>
+            <a:r>
+              <a:rPr lang="de-DE" spc="-1" dirty="0">
+                <a:solidFill>
+                  <a:srgbClr val="000000"/>
+                </a:solidFill>
+                <a:latin typeface="Verdana"/>
+              </a:rPr>
+              <a:t>:</a:t>
+            </a:r>
+          </a:p>
+          <a:p>
+            <a:pPr marL="360">
+              <a:spcBef>
+                <a:spcPts val="799"/>
+              </a:spcBef>
+            </a:pPr>
+            <a:endParaRPr lang="de-DE" spc="-1" dirty="0">
+              <a:solidFill>
+                <a:srgbClr val="000000"/>
+              </a:solidFill>
+              <a:latin typeface="Verdana"/>
+            </a:endParaRPr>
+          </a:p>
+        </p:txBody>
+      </p:sp>
+    </p:spTree>
+    <p:extLst>
+      <p:ext uri="{BB962C8B-B14F-4D97-AF65-F5344CB8AC3E}">
+        <p14:creationId xmlns:p14="http://schemas.microsoft.com/office/powerpoint/2010/main" val="1036390888"/>
+      </p:ext>
+    </p:extLst>
+  </p:cSld>
+  <p:clrMapOvr>
+    <a:masterClrMapping/>
+  </p:clrMapOvr>
+</p:sld>
+</file>
+
+<file path=ppt/slides/slide12.xml><?xml version="1.0" encoding="utf-8"?>
+<p:sld xmlns:a="http://schemas.openxmlformats.org/drawingml/2006/main" xmlns:r="http://schemas.openxmlformats.org/officeDocument/2006/relationships" xmlns:p="http://schemas.openxmlformats.org/presentationml/2006/main">
+  <p:cSld>
+    <p:spTree>
+      <p:nvGrpSpPr>
+        <p:cNvPr id="1" name=""/>
+        <p:cNvGrpSpPr/>
+        <p:nvPr/>
+      </p:nvGrpSpPr>
+      <p:grpSpPr>
+        <a:xfrm>
+          <a:off x="0" y="0"/>
+          <a:ext cx="0" cy="0"/>
+          <a:chOff x="0" y="0"/>
+          <a:chExt cx="0" cy="0"/>
+        </a:xfrm>
+      </p:grpSpPr>
+      <p:sp>
+        <p:nvSpPr>
+          <p:cNvPr id="2" name="Titel 1">
+            <a:extLst>
+              <a:ext uri="{FF2B5EF4-FFF2-40B4-BE49-F238E27FC236}">
                 <a16:creationId xmlns:a16="http://schemas.microsoft.com/office/drawing/2014/main" id="{AB86CD89-439C-2346-8F13-A8BE9C864884}"/>
               </a:ext>
             </a:extLst>
@@ -4543,7 +5097,7 @@
           <a:p>
             <a:r>
               <a:rPr lang="de-DE" dirty="0"/>
-              <a:t>Anwendung</a:t>
+              <a:t>Beispiele aus der Praxis</a:t>
             </a:r>
           </a:p>
           <a:p>
@@ -4780,11 +5334,11 @@
           <a:p>
             <a:r>
               <a:rPr lang="de-DE" dirty="0" err="1"/>
-              <a:t>ConfigMaps</a:t>
+              <a:t>Grafana</a:t>
             </a:r>
             <a:r>
               <a:rPr lang="de-DE" dirty="0"/>
-              <a:t> erzeugen</a:t>
+              <a:t> konfigurieren</a:t>
             </a:r>
           </a:p>
         </p:txBody>
@@ -4813,80 +5367,8 @@
           <a:lstStyle/>
           <a:p>
             <a:r>
-              <a:rPr lang="de-DE" b="1" dirty="0" err="1"/>
-              <a:t>kubectl</a:t>
-            </a:r>
-            <a:r>
-              <a:rPr lang="de-DE" b="1" dirty="0"/>
-              <a:t> </a:t>
-            </a:r>
-            <a:r>
-              <a:rPr lang="de-DE" b="1" dirty="0" err="1"/>
-              <a:t>create</a:t>
-            </a:r>
-            <a:r>
-              <a:rPr lang="de-DE" b="1" dirty="0"/>
-              <a:t> </a:t>
-            </a:r>
-            <a:r>
-              <a:rPr lang="de-DE" b="1" dirty="0" err="1"/>
-              <a:t>configmap</a:t>
-            </a:r>
-            <a:endParaRPr lang="de-DE" b="1" dirty="0"/>
-          </a:p>
-          <a:p>
-            <a:pPr marL="285750" indent="-285750">
-              <a:buFont typeface="Arial" panose="020B0604020202020204" pitchFamily="34" charset="0"/>
-              <a:buChar char="•"/>
-            </a:pPr>
-            <a:r>
               <a:rPr lang="de-DE" dirty="0" err="1"/>
-              <a:t>Literals</a:t>
-            </a:r>
-            <a:endParaRPr lang="de-DE" dirty="0"/>
-          </a:p>
-          <a:p>
-            <a:pPr marL="285750" indent="-285750">
-              <a:buFont typeface="Arial" panose="020B0604020202020204" pitchFamily="34" charset="0"/>
-              <a:buChar char="•"/>
-            </a:pPr>
-            <a:r>
-              <a:rPr lang="de-DE" dirty="0"/>
-              <a:t>Files</a:t>
-            </a:r>
-          </a:p>
-          <a:p>
-            <a:pPr marL="285750" indent="-285750">
-              <a:buFont typeface="Arial" panose="020B0604020202020204" pitchFamily="34" charset="0"/>
-              <a:buChar char="•"/>
-            </a:pPr>
-            <a:r>
-              <a:rPr lang="de-DE" dirty="0" err="1"/>
-              <a:t>Directories</a:t>
-            </a:r>
-            <a:endParaRPr lang="de-DE" dirty="0"/>
-          </a:p>
-          <a:p>
-            <a:pPr marL="285750" indent="-285750">
-              <a:buFont typeface="Arial" panose="020B0604020202020204" pitchFamily="34" charset="0"/>
-              <a:buChar char="•"/>
-            </a:pPr>
-            <a:endParaRPr lang="de-DE" dirty="0"/>
-          </a:p>
-          <a:p>
-            <a:r>
-              <a:rPr lang="de-DE" b="1" dirty="0"/>
-              <a:t>Generatoren</a:t>
-            </a:r>
-          </a:p>
-          <a:p>
-            <a:pPr marL="285750" indent="-285750">
-              <a:buFont typeface="Arial" panose="020B0604020202020204" pitchFamily="34" charset="0"/>
-              <a:buChar char="•"/>
-            </a:pPr>
-            <a:r>
-              <a:rPr lang="de-DE" dirty="0" err="1"/>
-              <a:t>kustomization.yaml</a:t>
+              <a:t>Blablabla</a:t>
             </a:r>
             <a:endParaRPr lang="de-DE" dirty="0"/>
           </a:p>
@@ -4895,7 +5377,7 @@
     </p:spTree>
     <p:extLst>
       <p:ext uri="{BB962C8B-B14F-4D97-AF65-F5344CB8AC3E}">
-        <p14:creationId xmlns:p14="http://schemas.microsoft.com/office/powerpoint/2010/main" val="1015194288"/>
+        <p14:creationId xmlns:p14="http://schemas.microsoft.com/office/powerpoint/2010/main" val="3223301392"/>
       </p:ext>
     </p:extLst>
   </p:cSld>
@@ -4945,12 +5427,17 @@
           <a:p>
             <a:r>
               <a:rPr lang="de-DE" dirty="0" err="1"/>
-              <a:t>Secrets</a:t>
+              <a:t>ConfigMap</a:t>
             </a:r>
             <a:r>
               <a:rPr lang="de-DE" dirty="0"/>
-              <a:t> erzeugen</a:t>
-            </a:r>
+              <a:t> </a:t>
+            </a:r>
+            <a:r>
+              <a:rPr lang="de-DE" dirty="0" err="1"/>
+              <a:t>mounten</a:t>
+            </a:r>
+            <a:endParaRPr lang="de-DE" dirty="0"/>
           </a:p>
         </p:txBody>
       </p:sp>
@@ -4978,82 +5465,9 @@
           <a:lstStyle/>
           <a:p>
             <a:r>
-              <a:rPr lang="de-DE" b="1" dirty="0"/>
-              <a:t>siehe </a:t>
-            </a:r>
-            <a:r>
-              <a:rPr lang="de-DE" b="1" dirty="0" err="1"/>
-              <a:t>ConfigMaps</a:t>
-            </a:r>
-            <a:endParaRPr lang="de-DE" b="1" dirty="0"/>
-          </a:p>
-          <a:p>
-            <a:endParaRPr lang="de-DE" b="1" dirty="0"/>
-          </a:p>
-          <a:p>
-            <a:r>
-              <a:rPr lang="de-DE" b="1" dirty="0" err="1"/>
-              <a:t>kubectl</a:t>
-            </a:r>
-            <a:r>
-              <a:rPr lang="de-DE" b="1" dirty="0"/>
-              <a:t> </a:t>
-            </a:r>
-            <a:r>
-              <a:rPr lang="de-DE" b="1" dirty="0" err="1"/>
-              <a:t>create</a:t>
-            </a:r>
-            <a:r>
-              <a:rPr lang="de-DE" b="1" dirty="0"/>
-              <a:t> </a:t>
-            </a:r>
-            <a:r>
-              <a:rPr lang="de-DE" b="1" dirty="0" err="1"/>
-              <a:t>secret</a:t>
-            </a:r>
-            <a:r>
-              <a:rPr lang="de-DE" b="1" dirty="0"/>
-              <a:t> &lt;type&gt;</a:t>
-            </a:r>
-          </a:p>
-          <a:p>
-            <a:pPr marL="285750" indent="-285750">
-              <a:buFont typeface="Arial" panose="020B0604020202020204" pitchFamily="34" charset="0"/>
-              <a:buChar char="•"/>
-            </a:pPr>
-            <a:r>
               <a:rPr lang="de-DE" dirty="0" err="1"/>
-              <a:t>generic</a:t>
-            </a:r>
-            <a:endParaRPr lang="de-DE" dirty="0"/>
-          </a:p>
-          <a:p>
-            <a:pPr marL="285750" indent="-285750">
-              <a:buFont typeface="Arial" panose="020B0604020202020204" pitchFamily="34" charset="0"/>
-              <a:buChar char="•"/>
-            </a:pPr>
-            <a:r>
-              <a:rPr lang="de-DE" dirty="0" err="1"/>
-              <a:t>tls</a:t>
-            </a:r>
-            <a:endParaRPr lang="de-DE" dirty="0"/>
-          </a:p>
-          <a:p>
-            <a:pPr marL="285750" indent="-285750">
-              <a:buFont typeface="Arial" panose="020B0604020202020204" pitchFamily="34" charset="0"/>
-              <a:buChar char="•"/>
-            </a:pPr>
-            <a:r>
-              <a:rPr lang="de-DE" dirty="0" err="1"/>
-              <a:t>docker-registry</a:t>
-            </a:r>
-            <a:endParaRPr lang="de-DE" dirty="0"/>
-          </a:p>
-          <a:p>
-            <a:pPr marL="285750" indent="-285750">
-              <a:buFont typeface="Arial" panose="020B0604020202020204" pitchFamily="34" charset="0"/>
-              <a:buChar char="•"/>
-            </a:pPr>
+              <a:t>Blablabla</a:t>
+            </a:r>
             <a:endParaRPr lang="de-DE" dirty="0"/>
           </a:p>
         </p:txBody>
@@ -5061,7 +5475,7 @@
     </p:spTree>
     <p:extLst>
       <p:ext uri="{BB962C8B-B14F-4D97-AF65-F5344CB8AC3E}">
-        <p14:creationId xmlns:p14="http://schemas.microsoft.com/office/powerpoint/2010/main" val="2398007689"/>
+        <p14:creationId xmlns:p14="http://schemas.microsoft.com/office/powerpoint/2010/main" val="3933550168"/>
       </p:ext>
     </p:extLst>
   </p:cSld>
@@ -5110,14 +5524,13 @@
           <a:lstStyle/>
           <a:p>
             <a:r>
+              <a:rPr lang="de-DE" dirty="0" err="1"/>
+              <a:t>ConfigMaps</a:t>
+            </a:r>
+            <a:r>
               <a:rPr lang="de-DE" dirty="0"/>
-              <a:t>Umgang mit </a:t>
-            </a:r>
-            <a:r>
-              <a:rPr lang="de-DE" dirty="0" err="1"/>
-              <a:t>Secrets</a:t>
-            </a:r>
-            <a:endParaRPr lang="de-DE" dirty="0"/>
+              <a:t> erzeugen</a:t>
+            </a:r>
           </a:p>
         </p:txBody>
       </p:sp>
@@ -5144,18 +5557,90 @@
           </a:bodyPr>
           <a:lstStyle/>
           <a:p>
+            <a:r>
+              <a:rPr lang="de-DE" b="1" dirty="0" err="1"/>
+              <a:t>kubectl</a:t>
+            </a:r>
+            <a:r>
+              <a:rPr lang="de-DE" b="1" dirty="0"/>
+              <a:t> </a:t>
+            </a:r>
+            <a:r>
+              <a:rPr lang="de-DE" b="1" dirty="0" err="1"/>
+              <a:t>create</a:t>
+            </a:r>
+            <a:r>
+              <a:rPr lang="de-DE" b="1" dirty="0"/>
+              <a:t> </a:t>
+            </a:r>
+            <a:r>
+              <a:rPr lang="de-DE" b="1" dirty="0" err="1"/>
+              <a:t>configmap</a:t>
+            </a:r>
+            <a:endParaRPr lang="de-DE" b="1" dirty="0"/>
+          </a:p>
+          <a:p>
+            <a:pPr marL="285750" indent="-285750">
+              <a:buFont typeface="Arial" panose="020B0604020202020204" pitchFamily="34" charset="0"/>
+              <a:buChar char="•"/>
+            </a:pPr>
+            <a:r>
+              <a:rPr lang="de-DE" dirty="0" err="1"/>
+              <a:t>Literals</a:t>
+            </a:r>
+            <a:endParaRPr lang="de-DE" dirty="0"/>
+          </a:p>
+          <a:p>
+            <a:pPr marL="285750" indent="-285750">
+              <a:buFont typeface="Arial" panose="020B0604020202020204" pitchFamily="34" charset="0"/>
+              <a:buChar char="•"/>
+            </a:pPr>
+            <a:r>
+              <a:rPr lang="de-DE" dirty="0"/>
+              <a:t>Files</a:t>
+            </a:r>
+          </a:p>
+          <a:p>
+            <a:pPr marL="285750" indent="-285750">
+              <a:buFont typeface="Arial" panose="020B0604020202020204" pitchFamily="34" charset="0"/>
+              <a:buChar char="•"/>
+            </a:pPr>
+            <a:r>
+              <a:rPr lang="de-DE" dirty="0" err="1"/>
+              <a:t>Directories</a:t>
+            </a:r>
+            <a:endParaRPr lang="de-DE" dirty="0"/>
+          </a:p>
+          <a:p>
             <a:pPr marL="285750" indent="-285750">
               <a:buFont typeface="Arial" panose="020B0604020202020204" pitchFamily="34" charset="0"/>
               <a:buChar char="•"/>
             </a:pPr>
             <a:endParaRPr lang="de-DE" dirty="0"/>
           </a:p>
+          <a:p>
+            <a:r>
+              <a:rPr lang="de-DE" b="1" dirty="0"/>
+              <a:t>Generatoren</a:t>
+            </a:r>
+          </a:p>
+          <a:p>
+            <a:pPr marL="285750" indent="-285750">
+              <a:buFont typeface="Arial" panose="020B0604020202020204" pitchFamily="34" charset="0"/>
+              <a:buChar char="•"/>
+            </a:pPr>
+            <a:r>
+              <a:rPr lang="de-DE" dirty="0" err="1"/>
+              <a:t>kustomization.yaml</a:t>
+            </a:r>
+            <a:endParaRPr lang="de-DE" dirty="0"/>
+          </a:p>
         </p:txBody>
       </p:sp>
     </p:spTree>
     <p:extLst>
       <p:ext uri="{BB962C8B-B14F-4D97-AF65-F5344CB8AC3E}">
-        <p14:creationId xmlns:p14="http://schemas.microsoft.com/office/powerpoint/2010/main" val="4065652997"/>
+        <p14:creationId xmlns:p14="http://schemas.microsoft.com/office/powerpoint/2010/main" val="1015194288"/>
       </p:ext>
     </p:extLst>
   </p:cSld>
@@ -5205,9 +5690,12 @@
           <a:p>
             <a:r>
               <a:rPr lang="de-DE" dirty="0" err="1"/>
-              <a:t>Takeaways</a:t>
-            </a:r>
-            <a:endParaRPr lang="de-DE" dirty="0"/>
+              <a:t>Secrets</a:t>
+            </a:r>
+            <a:r>
+              <a:rPr lang="de-DE" dirty="0"/>
+              <a:t> erzeugen</a:t>
+            </a:r>
           </a:p>
         </p:txBody>
       </p:sp>
@@ -5234,63 +5722,64 @@
           </a:bodyPr>
           <a:lstStyle/>
           <a:p>
+            <a:r>
+              <a:rPr lang="de-DE" b="1" dirty="0"/>
+              <a:t>siehe </a:t>
+            </a:r>
+            <a:r>
+              <a:rPr lang="de-DE" b="1" dirty="0" err="1"/>
+              <a:t>ConfigMaps</a:t>
+            </a:r>
+            <a:endParaRPr lang="de-DE" b="1" dirty="0"/>
+          </a:p>
+          <a:p>
+            <a:r>
+              <a:rPr lang="de-DE" dirty="0">
+                <a:sym typeface="Wingdings" pitchFamily="2" charset="2"/>
+              </a:rPr>
+              <a:t> keine Manifeste</a:t>
+            </a:r>
+            <a:endParaRPr lang="de-DE" dirty="0"/>
+          </a:p>
+          <a:p>
+            <a:endParaRPr lang="de-DE" b="1" dirty="0"/>
+          </a:p>
+          <a:p>
+            <a:r>
+              <a:rPr lang="de-DE" b="1" dirty="0" err="1"/>
+              <a:t>kubectl</a:t>
+            </a:r>
+            <a:r>
+              <a:rPr lang="de-DE" b="1" dirty="0"/>
+              <a:t> </a:t>
+            </a:r>
+            <a:r>
+              <a:rPr lang="de-DE" b="1" dirty="0" err="1"/>
+              <a:t>create</a:t>
+            </a:r>
+            <a:r>
+              <a:rPr lang="de-DE" b="1" dirty="0"/>
+              <a:t> </a:t>
+            </a:r>
+            <a:r>
+              <a:rPr lang="de-DE" b="1" dirty="0" err="1"/>
+              <a:t>secret</a:t>
+            </a:r>
+            <a:r>
+              <a:rPr lang="de-DE" b="1" dirty="0"/>
+              <a:t> &lt;type&gt;</a:t>
+            </a:r>
+          </a:p>
+          <a:p>
             <a:pPr marL="285750" indent="-285750">
               <a:buFont typeface="Arial" panose="020B0604020202020204" pitchFamily="34" charset="0"/>
               <a:buChar char="•"/>
             </a:pPr>
             <a:r>
-              <a:rPr lang="de-DE" dirty="0"/>
-              <a:t>Schritte in den k8s-Cluster:</a:t>
-            </a:r>
-          </a:p>
-          <a:p>
-            <a:pPr marL="552450" lvl="1" indent="-285750">
-              <a:buFont typeface="Arial" panose="020B0604020202020204" pitchFamily="34" charset="0"/>
-              <a:buChar char="•"/>
-            </a:pPr>
-            <a:r>
-              <a:rPr lang="de-DE" dirty="0"/>
-              <a:t>Architektur der App muss geeignet sein (</a:t>
-            </a:r>
-            <a:r>
               <a:rPr lang="de-DE" dirty="0" err="1"/>
-              <a:t>Microservices</a:t>
-            </a:r>
-            <a:r>
-              <a:rPr lang="de-DE" dirty="0"/>
-              <a:t>)</a:t>
-            </a:r>
-          </a:p>
-          <a:p>
-            <a:pPr marL="552450" lvl="1" indent="-285750">
-              <a:buFont typeface="Arial" panose="020B0604020202020204" pitchFamily="34" charset="0"/>
-              <a:buChar char="•"/>
-            </a:pPr>
-            <a:r>
-              <a:rPr lang="de-DE" dirty="0" err="1"/>
-              <a:t>Containerisierung</a:t>
+              <a:t>generic</a:t>
             </a:r>
             <a:endParaRPr lang="de-DE" dirty="0"/>
-          </a:p>
-          <a:p>
-            <a:pPr marL="552450" lvl="1" indent="-285750">
-              <a:buFont typeface="Arial" panose="020B0604020202020204" pitchFamily="34" charset="0"/>
-              <a:buChar char="•"/>
-            </a:pPr>
-            <a:r>
-              <a:rPr lang="de-DE" dirty="0"/>
-              <a:t>Bereitstellung der Container</a:t>
-            </a:r>
-          </a:p>
-          <a:p>
-            <a:pPr marL="552450" lvl="1" indent="-285750">
-              <a:buFont typeface="Arial" panose="020B0604020202020204" pitchFamily="34" charset="0"/>
-              <a:buChar char="•"/>
-            </a:pPr>
-            <a:r>
-              <a:rPr lang="de-DE" dirty="0"/>
-              <a:t>Ressourcen definieren</a:t>
-            </a:r>
           </a:p>
           <a:p>
             <a:pPr marL="285750" indent="-285750">
@@ -5298,9 +5787,10 @@
               <a:buChar char="•"/>
             </a:pPr>
             <a:r>
-              <a:rPr lang="de-DE" dirty="0"/>
-              <a:t>Best Practices vereinfachen Entwicklung von Manifesten</a:t>
-            </a:r>
+              <a:rPr lang="de-DE" dirty="0" err="1"/>
+              <a:t>tls</a:t>
+            </a:r>
+            <a:endParaRPr lang="de-DE" dirty="0"/>
           </a:p>
           <a:p>
             <a:pPr marL="285750" indent="-285750">
@@ -5309,28 +5799,15 @@
             </a:pPr>
             <a:r>
               <a:rPr lang="de-DE" dirty="0" err="1"/>
-              <a:t>Grafana</a:t>
-            </a:r>
-            <a:r>
-              <a:rPr lang="de-DE" dirty="0"/>
-              <a:t> kann komfortabel konfiguriert werden (</a:t>
-            </a:r>
-            <a:r>
-              <a:rPr lang="de-DE" dirty="0" err="1"/>
-              <a:t>ConfigMap</a:t>
-            </a:r>
-            <a:r>
-              <a:rPr lang="de-DE" dirty="0"/>
-              <a:t>)</a:t>
-            </a:r>
-          </a:p>
-          <a:p>
+              <a:t>docker-registry</a:t>
+            </a:r>
             <a:endParaRPr lang="de-DE" dirty="0"/>
           </a:p>
           <a:p>
-            <a:endParaRPr lang="de-DE" dirty="0"/>
-          </a:p>
-          <a:p>
+            <a:pPr marL="285750" indent="-285750">
+              <a:buFont typeface="Arial" panose="020B0604020202020204" pitchFamily="34" charset="0"/>
+              <a:buChar char="•"/>
+            </a:pPr>
             <a:endParaRPr lang="de-DE" dirty="0"/>
           </a:p>
         </p:txBody>
@@ -5338,7 +5815,7 @@
     </p:spTree>
     <p:extLst>
       <p:ext uri="{BB962C8B-B14F-4D97-AF65-F5344CB8AC3E}">
-        <p14:creationId xmlns:p14="http://schemas.microsoft.com/office/powerpoint/2010/main" val="3615434718"/>
+        <p14:creationId xmlns:p14="http://schemas.microsoft.com/office/powerpoint/2010/main" val="2398007689"/>
       </p:ext>
     </p:extLst>
   </p:cSld>
@@ -5387,8 +5864,12 @@
           <a:lstStyle/>
           <a:p>
             <a:r>
+              <a:rPr lang="de-DE" dirty="0"/>
+              <a:t>Umgang mit </a:t>
+            </a:r>
+            <a:r>
               <a:rPr lang="de-DE" dirty="0" err="1"/>
-              <a:t>Misc</a:t>
+              <a:t>Secrets</a:t>
             </a:r>
             <a:endParaRPr lang="de-DE" dirty="0"/>
           </a:p>
@@ -5413,157 +5894,14 @@
         <p:spPr/>
         <p:txBody>
           <a:bodyPr>
-            <a:normAutofit fontScale="85000" lnSpcReduction="20000"/>
+            <a:normAutofit/>
           </a:bodyPr>
           <a:lstStyle/>
           <a:p>
-            <a:r>
-              <a:rPr lang="de-DE" b="1" dirty="0"/>
-              <a:t>Materialien zum Talk</a:t>
-            </a:r>
-          </a:p>
-          <a:p>
-            <a:r>
-              <a:rPr lang="de-DE" dirty="0">
-                <a:hlinkClick r:id="rId3"/>
-              </a:rPr>
-              <a:t>https://github.com/grothesk/deeptalk</a:t>
-            </a:r>
-            <a:endParaRPr lang="de-DE" dirty="0"/>
-          </a:p>
-          <a:p>
-            <a:endParaRPr lang="de-DE" dirty="0"/>
-          </a:p>
-          <a:p>
-            <a:r>
-              <a:rPr lang="de-DE" b="1" dirty="0"/>
-              <a:t>Weiterführendes</a:t>
-            </a:r>
-          </a:p>
-          <a:p>
-            <a:r>
-              <a:rPr lang="de-DE" dirty="0" err="1"/>
-              <a:t>Celery</a:t>
-            </a:r>
-            <a:r>
-              <a:rPr lang="de-DE" dirty="0"/>
-              <a:t> </a:t>
-            </a:r>
-            <a:r>
-              <a:rPr lang="de-DE" dirty="0">
-                <a:sym typeface="Wingdings" pitchFamily="2" charset="2"/>
-              </a:rPr>
-              <a:t> </a:t>
-            </a:r>
-            <a:r>
-              <a:rPr lang="de-DE" dirty="0"/>
-              <a:t>Asynchron in Python: </a:t>
-            </a:r>
-            <a:r>
-              <a:rPr lang="de-DE" dirty="0">
-                <a:hlinkClick r:id="rId4"/>
-              </a:rPr>
-              <a:t>https://docs.celeryproject.org</a:t>
-            </a:r>
-            <a:endParaRPr lang="de-DE" dirty="0"/>
-          </a:p>
-          <a:p>
-            <a:r>
-              <a:rPr lang="de-DE" dirty="0"/>
-              <a:t>Django </a:t>
-            </a:r>
-            <a:r>
-              <a:rPr lang="de-DE" dirty="0">
-                <a:sym typeface="Wingdings" pitchFamily="2" charset="2"/>
-              </a:rPr>
-              <a:t> Alternative zu </a:t>
-            </a:r>
-            <a:r>
-              <a:rPr lang="de-DE" dirty="0" err="1">
-                <a:sym typeface="Wingdings" pitchFamily="2" charset="2"/>
-              </a:rPr>
-              <a:t>Flask</a:t>
-            </a:r>
-            <a:r>
-              <a:rPr lang="de-DE" dirty="0">
-                <a:sym typeface="Wingdings" pitchFamily="2" charset="2"/>
-              </a:rPr>
-              <a:t>: </a:t>
-            </a:r>
-            <a:r>
-              <a:rPr lang="de-DE" dirty="0">
-                <a:hlinkClick r:id="rId5"/>
-              </a:rPr>
-              <a:t>https://www.djangoproject.com</a:t>
-            </a:r>
-            <a:endParaRPr lang="de-DE" dirty="0"/>
-          </a:p>
-          <a:p>
-            <a:r>
-              <a:rPr lang="de-DE" dirty="0" err="1"/>
-              <a:t>Skaffold</a:t>
-            </a:r>
-            <a:r>
-              <a:rPr lang="de-DE" dirty="0"/>
-              <a:t> </a:t>
-            </a:r>
-            <a:r>
-              <a:rPr lang="de-DE" dirty="0">
-                <a:sym typeface="Wingdings" pitchFamily="2" charset="2"/>
-              </a:rPr>
-              <a:t> Entwicklung von k8s-Anwendungen: </a:t>
-            </a:r>
-            <a:r>
-              <a:rPr lang="de-DE" dirty="0">
-                <a:hlinkClick r:id="rId6"/>
-              </a:rPr>
-              <a:t>https://skaffold.dev</a:t>
-            </a:r>
-            <a:endParaRPr lang="de-DE" dirty="0"/>
-          </a:p>
-          <a:p>
-            <a:endParaRPr lang="de-DE" dirty="0"/>
-          </a:p>
-          <a:p>
-            <a:r>
-              <a:rPr lang="de-DE" b="1" dirty="0"/>
-              <a:t>Feedback , Anregungen, Themenvorschläge</a:t>
-            </a:r>
-          </a:p>
-          <a:p>
-            <a:r>
-              <a:rPr lang="de-DE" dirty="0">
-                <a:hlinkClick r:id="rId7"/>
-              </a:rPr>
-              <a:t>florian.boldt@deepshore.de</a:t>
-            </a:r>
-            <a:endParaRPr lang="de-DE" dirty="0"/>
-          </a:p>
-          <a:p>
-            <a:r>
-              <a:rPr lang="de-DE" dirty="0">
-                <a:hlinkClick r:id="rId8"/>
-              </a:rPr>
-              <a:t>malte.groth@deepshore.de</a:t>
-            </a:r>
-            <a:endParaRPr lang="de-DE" dirty="0"/>
-          </a:p>
-          <a:p>
-            <a:r>
-              <a:rPr lang="de-DE" dirty="0">
-                <a:hlinkClick r:id="rId9"/>
-              </a:rPr>
-              <a:t>frederic.born@deepshore.de</a:t>
-            </a:r>
-            <a:endParaRPr lang="de-DE" dirty="0"/>
-          </a:p>
-          <a:p>
-            <a:endParaRPr lang="de-DE" dirty="0"/>
-          </a:p>
-          <a:p>
-            <a:endParaRPr lang="de-DE" dirty="0"/>
-          </a:p>
-          <a:p>
+            <a:pPr marL="285750" indent="-285750">
+              <a:buFont typeface="Arial" panose="020B0604020202020204" pitchFamily="34" charset="0"/>
+              <a:buChar char="•"/>
+            </a:pPr>
             <a:endParaRPr lang="de-DE" dirty="0"/>
           </a:p>
         </p:txBody>
@@ -5571,7 +5909,7 @@
     </p:spTree>
     <p:extLst>
       <p:ext uri="{BB962C8B-B14F-4D97-AF65-F5344CB8AC3E}">
-        <p14:creationId xmlns:p14="http://schemas.microsoft.com/office/powerpoint/2010/main" val="1579135088"/>
+        <p14:creationId xmlns:p14="http://schemas.microsoft.com/office/powerpoint/2010/main" val="4065652997"/>
       </p:ext>
     </p:extLst>
   </p:cSld>
@@ -5603,7 +5941,7 @@
           <p:cNvPr id="2" name="Titel 1">
             <a:extLst>
               <a:ext uri="{FF2B5EF4-FFF2-40B4-BE49-F238E27FC236}">
-                <a16:creationId xmlns:a16="http://schemas.microsoft.com/office/drawing/2014/main" id="{693F10F7-6A72-7443-9D29-766F88D4FE7E}"/>
+                <a16:creationId xmlns:a16="http://schemas.microsoft.com/office/drawing/2014/main" id="{63E74088-BB91-574B-9695-A0121785026E}"/>
               </a:ext>
             </a:extLst>
           </p:cNvPr>
@@ -5620,9 +5958,10 @@
           <a:lstStyle/>
           <a:p>
             <a:r>
-              <a:rPr lang="de-DE" dirty="0"/>
-              <a:t>Ausblick</a:t>
-            </a:r>
+              <a:rPr lang="de-DE" dirty="0" err="1"/>
+              <a:t>Takeaways</a:t>
+            </a:r>
+            <a:endParaRPr lang="de-DE" dirty="0"/>
           </a:p>
         </p:txBody>
       </p:sp>
@@ -5631,7 +5970,7 @@
           <p:cNvPr id="3" name="Inhaltsplatzhalter 2">
             <a:extLst>
               <a:ext uri="{FF2B5EF4-FFF2-40B4-BE49-F238E27FC236}">
-                <a16:creationId xmlns:a16="http://schemas.microsoft.com/office/drawing/2014/main" id="{86FD58D8-14F3-0B49-A927-BE31094219CF}"/>
+                <a16:creationId xmlns:a16="http://schemas.microsoft.com/office/drawing/2014/main" id="{0EEB0F87-B7B4-B946-A3AA-B4CFBE864340}"/>
               </a:ext>
             </a:extLst>
           </p:cNvPr>
@@ -5644,61 +5983,97 @@
         </p:nvSpPr>
         <p:spPr/>
         <p:txBody>
-          <a:bodyPr/>
+          <a:bodyPr>
+            <a:normAutofit/>
+          </a:bodyPr>
           <a:lstStyle/>
           <a:p>
-            <a:pPr marL="360">
-              <a:spcBef>
-                <a:spcPts val="799"/>
-              </a:spcBef>
+            <a:pPr marL="285750" indent="-285750">
+              <a:buFont typeface="Arial" panose="020B0604020202020204" pitchFamily="34" charset="0"/>
+              <a:buChar char="•"/>
             </a:pPr>
             <a:r>
-              <a:rPr lang="de-DE" spc="-1" dirty="0">
-                <a:solidFill>
-                  <a:srgbClr val="000000"/>
-                </a:solidFill>
-                <a:latin typeface="Verdana"/>
-              </a:rPr>
-              <a:t>Persistenz in </a:t>
-            </a:r>
-            <a:r>
-              <a:rPr lang="de-DE" spc="-1" dirty="0" err="1">
-                <a:solidFill>
-                  <a:srgbClr val="000000"/>
-                </a:solidFill>
-                <a:latin typeface="Verdana"/>
-              </a:rPr>
-              <a:t>Kubernetes</a:t>
-            </a:r>
-            <a:r>
-              <a:rPr lang="de-DE" spc="-1" dirty="0">
-                <a:solidFill>
-                  <a:srgbClr val="000000"/>
-                </a:solidFill>
-                <a:latin typeface="Verdana"/>
-              </a:rPr>
-              <a:t>:</a:t>
-            </a:r>
-          </a:p>
-          <a:p>
-            <a:pPr marL="360">
-              <a:spcBef>
-                <a:spcPts val="799"/>
-              </a:spcBef>
+              <a:rPr lang="de-DE" dirty="0" err="1"/>
+              <a:t>Konfi</a:t>
+            </a:r>
+            <a:endParaRPr lang="de-DE" dirty="0"/>
+          </a:p>
+          <a:p>
+            <a:pPr marL="552450" lvl="1" indent="-285750">
+              <a:buFont typeface="Arial" panose="020B0604020202020204" pitchFamily="34" charset="0"/>
+              <a:buChar char="•"/>
             </a:pPr>
-            <a:endParaRPr lang="de-DE" spc="-1" dirty="0">
-              <a:solidFill>
-                <a:srgbClr val="000000"/>
-              </a:solidFill>
-              <a:latin typeface="Verdana"/>
-            </a:endParaRPr>
+            <a:r>
+              <a:rPr lang="de-DE" dirty="0"/>
+              <a:t>Architektur der App muss geeignet sein (</a:t>
+            </a:r>
+            <a:r>
+              <a:rPr lang="de-DE" dirty="0" err="1"/>
+              <a:t>Microservices</a:t>
+            </a:r>
+            <a:r>
+              <a:rPr lang="de-DE" dirty="0"/>
+              <a:t>)</a:t>
+            </a:r>
+          </a:p>
+          <a:p>
+            <a:pPr marL="552450" lvl="1" indent="-285750">
+              <a:buFont typeface="Arial" panose="020B0604020202020204" pitchFamily="34" charset="0"/>
+              <a:buChar char="•"/>
+            </a:pPr>
+            <a:r>
+              <a:rPr lang="de-DE" dirty="0" err="1"/>
+              <a:t>Containerisierung</a:t>
+            </a:r>
+            <a:endParaRPr lang="de-DE" dirty="0"/>
+          </a:p>
+          <a:p>
+            <a:pPr marL="285750" indent="-285750">
+              <a:buFont typeface="Arial" panose="020B0604020202020204" pitchFamily="34" charset="0"/>
+              <a:buChar char="•"/>
+            </a:pPr>
+            <a:r>
+              <a:rPr lang="de-DE" dirty="0"/>
+              <a:t>Best Practices vereinfachen Entwicklung von Manifesten</a:t>
+            </a:r>
+          </a:p>
+          <a:p>
+            <a:pPr marL="285750" indent="-285750">
+              <a:buFont typeface="Arial" panose="020B0604020202020204" pitchFamily="34" charset="0"/>
+              <a:buChar char="•"/>
+            </a:pPr>
+            <a:r>
+              <a:rPr lang="de-DE" dirty="0" err="1"/>
+              <a:t>Grafana</a:t>
+            </a:r>
+            <a:r>
+              <a:rPr lang="de-DE" dirty="0"/>
+              <a:t> kann komfortabel konfiguriert werden (</a:t>
+            </a:r>
+            <a:r>
+              <a:rPr lang="de-DE" dirty="0" err="1"/>
+              <a:t>ConfigMap</a:t>
+            </a:r>
+            <a:r>
+              <a:rPr lang="de-DE" dirty="0"/>
+              <a:t>)</a:t>
+            </a:r>
+          </a:p>
+          <a:p>
+            <a:endParaRPr lang="de-DE" dirty="0"/>
+          </a:p>
+          <a:p>
+            <a:endParaRPr lang="de-DE" dirty="0"/>
+          </a:p>
+          <a:p>
+            <a:endParaRPr lang="de-DE" dirty="0"/>
           </a:p>
         </p:txBody>
       </p:sp>
     </p:spTree>
     <p:extLst>
       <p:ext uri="{BB962C8B-B14F-4D97-AF65-F5344CB8AC3E}">
-        <p14:creationId xmlns:p14="http://schemas.microsoft.com/office/powerpoint/2010/main" val="1036390888"/>
+        <p14:creationId xmlns:p14="http://schemas.microsoft.com/office/powerpoint/2010/main" val="3615434718"/>
       </p:ext>
     </p:extLst>
   </p:cSld>

--- a/04-configmaps-und-secrets/deeptalk-04.pptx
+++ b/04-configmaps-und-secrets/deeptalk-04.pptx
@@ -5,48 +5,51 @@
     <p:sldMasterId id="2147483648" r:id="rId1"/>
   </p:sldMasterIdLst>
   <p:notesMasterIdLst>
-    <p:notesMasterId r:id="rId14"/>
+    <p:notesMasterId r:id="rId17"/>
   </p:notesMasterIdLst>
   <p:handoutMasterIdLst>
-    <p:handoutMasterId r:id="rId15"/>
+    <p:handoutMasterId r:id="rId18"/>
   </p:handoutMasterIdLst>
   <p:sldIdLst>
     <p:sldId id="471" r:id="rId2"/>
     <p:sldId id="496" r:id="rId3"/>
     <p:sldId id="497" r:id="rId4"/>
     <p:sldId id="531" r:id="rId5"/>
-    <p:sldId id="532" r:id="rId6"/>
-    <p:sldId id="528" r:id="rId7"/>
-    <p:sldId id="529" r:id="rId8"/>
-    <p:sldId id="530" r:id="rId9"/>
-    <p:sldId id="509" r:id="rId10"/>
-    <p:sldId id="499" r:id="rId11"/>
-    <p:sldId id="508" r:id="rId12"/>
-    <p:sldId id="495" r:id="rId13"/>
+    <p:sldId id="536" r:id="rId6"/>
+    <p:sldId id="534" r:id="rId7"/>
+    <p:sldId id="538" r:id="rId8"/>
+    <p:sldId id="537" r:id="rId9"/>
+    <p:sldId id="528" r:id="rId10"/>
+    <p:sldId id="529" r:id="rId11"/>
+    <p:sldId id="530" r:id="rId12"/>
+    <p:sldId id="509" r:id="rId13"/>
+    <p:sldId id="499" r:id="rId14"/>
+    <p:sldId id="508" r:id="rId15"/>
+    <p:sldId id="495" r:id="rId16"/>
   </p:sldIdLst>
   <p:sldSz cx="9144000" cy="5715000" type="screen16x10"/>
   <p:notesSz cx="7099300" cy="10234613"/>
   <p:embeddedFontLst>
     <p:embeddedFont>
       <p:font typeface="Calibri" panose="020F0502020204030204" pitchFamily="34" charset="0"/>
-      <p:regular r:id="rId16"/>
-      <p:bold r:id="rId16"/>
-      <p:italic r:id="rId16"/>
-      <p:boldItalic r:id="rId16"/>
+      <p:regular r:id="rId19"/>
+      <p:bold r:id="rId19"/>
+      <p:italic r:id="rId19"/>
+      <p:boldItalic r:id="rId19"/>
     </p:embeddedFont>
     <p:embeddedFont>
       <p:font typeface="Helvetica" pitchFamily="2" charset="0"/>
-      <p:regular r:id="rId16"/>
-      <p:bold r:id="rId16"/>
-      <p:italic r:id="rId16"/>
-      <p:boldItalic r:id="rId16"/>
+      <p:regular r:id="rId19"/>
+      <p:bold r:id="rId19"/>
+      <p:italic r:id="rId19"/>
+      <p:boldItalic r:id="rId19"/>
     </p:embeddedFont>
     <p:embeddedFont>
       <p:font typeface="Verdana" panose="020B0604030504040204" pitchFamily="34" charset="0"/>
-      <p:regular r:id="rId16"/>
-      <p:bold r:id="rId16"/>
-      <p:italic r:id="rId16"/>
-      <p:boldItalic r:id="rId16"/>
+      <p:regular r:id="rId19"/>
+      <p:bold r:id="rId19"/>
+      <p:italic r:id="rId19"/>
+      <p:boldItalic r:id="rId19"/>
     </p:embeddedFont>
   </p:embeddedFontLst>
   <p:defaultTextStyle>
@@ -1021,6 +1024,294 @@
 </p:notes>
 </file>
 
+<file path=ppt/notesSlides/notesSlide10.xml><?xml version="1.0" encoding="utf-8"?>
+<p:notes xmlns:a="http://schemas.openxmlformats.org/drawingml/2006/main" xmlns:r="http://schemas.openxmlformats.org/officeDocument/2006/relationships" xmlns:p="http://schemas.openxmlformats.org/presentationml/2006/main">
+  <p:cSld>
+    <p:spTree>
+      <p:nvGrpSpPr>
+        <p:cNvPr id="1" name=""/>
+        <p:cNvGrpSpPr/>
+        <p:nvPr/>
+      </p:nvGrpSpPr>
+      <p:grpSpPr>
+        <a:xfrm>
+          <a:off x="0" y="0"/>
+          <a:ext cx="0" cy="0"/>
+          <a:chOff x="0" y="0"/>
+          <a:chExt cx="0" cy="0"/>
+        </a:xfrm>
+      </p:grpSpPr>
+      <p:sp>
+        <p:nvSpPr>
+          <p:cNvPr id="2" name="Folienbildplatzhalter 1"/>
+          <p:cNvSpPr>
+            <a:spLocks noGrp="1" noRot="1" noChangeAspect="1"/>
+          </p:cNvSpPr>
+          <p:nvPr>
+            <p:ph type="sldImg"/>
+          </p:nvPr>
+        </p:nvSpPr>
+        <p:spPr/>
+      </p:sp>
+      <p:sp>
+        <p:nvSpPr>
+          <p:cNvPr id="3" name="Notizenplatzhalter 2"/>
+          <p:cNvSpPr>
+            <a:spLocks noGrp="1"/>
+          </p:cNvSpPr>
+          <p:nvPr>
+            <p:ph type="body" idx="1"/>
+          </p:nvPr>
+        </p:nvSpPr>
+        <p:spPr/>
+        <p:txBody>
+          <a:bodyPr/>
+          <a:lstStyle/>
+          <a:p>
+            <a:r>
+              <a:rPr lang="de-DE" dirty="0">
+                <a:hlinkClick r:id="rId3"/>
+              </a:rPr>
+              <a:t>https://www.docker.com/resources/what-container</a:t>
+            </a:r>
+            <a:endParaRPr lang="de-DE" dirty="0"/>
+          </a:p>
+        </p:txBody>
+      </p:sp>
+      <p:sp>
+        <p:nvSpPr>
+          <p:cNvPr id="4" name="Foliennummernplatzhalter 3"/>
+          <p:cNvSpPr>
+            <a:spLocks noGrp="1"/>
+          </p:cNvSpPr>
+          <p:nvPr>
+            <p:ph type="sldNum" sz="quarter" idx="5"/>
+          </p:nvPr>
+        </p:nvSpPr>
+        <p:spPr/>
+        <p:txBody>
+          <a:bodyPr/>
+          <a:lstStyle/>
+          <a:p>
+            <a:pPr>
+              <a:defRPr/>
+            </a:pPr>
+            <a:fld id="{4D8C3D32-0CEC-4E75-98FF-2FBD233904A7}" type="slidenum">
+              <a:rPr lang="de-DE" smtClean="0"/>
+              <a:pPr>
+                <a:defRPr/>
+              </a:pPr>
+              <a:t>11</a:t>
+            </a:fld>
+            <a:endParaRPr lang="de-DE"/>
+          </a:p>
+        </p:txBody>
+      </p:sp>
+    </p:spTree>
+    <p:extLst>
+      <p:ext uri="{BB962C8B-B14F-4D97-AF65-F5344CB8AC3E}">
+        <p14:creationId xmlns:p14="http://schemas.microsoft.com/office/powerpoint/2010/main" val="1988012244"/>
+      </p:ext>
+    </p:extLst>
+  </p:cSld>
+  <p:clrMapOvr>
+    <a:masterClrMapping/>
+  </p:clrMapOvr>
+</p:notes>
+</file>
+
+<file path=ppt/notesSlides/notesSlide11.xml><?xml version="1.0" encoding="utf-8"?>
+<p:notes xmlns:a="http://schemas.openxmlformats.org/drawingml/2006/main" xmlns:r="http://schemas.openxmlformats.org/officeDocument/2006/relationships" xmlns:p="http://schemas.openxmlformats.org/presentationml/2006/main">
+  <p:cSld>
+    <p:spTree>
+      <p:nvGrpSpPr>
+        <p:cNvPr id="1" name=""/>
+        <p:cNvGrpSpPr/>
+        <p:nvPr/>
+      </p:nvGrpSpPr>
+      <p:grpSpPr>
+        <a:xfrm>
+          <a:off x="0" y="0"/>
+          <a:ext cx="0" cy="0"/>
+          <a:chOff x="0" y="0"/>
+          <a:chExt cx="0" cy="0"/>
+        </a:xfrm>
+      </p:grpSpPr>
+      <p:sp>
+        <p:nvSpPr>
+          <p:cNvPr id="2" name="Folienbildplatzhalter 1"/>
+          <p:cNvSpPr>
+            <a:spLocks noGrp="1" noRot="1" noChangeAspect="1"/>
+          </p:cNvSpPr>
+          <p:nvPr>
+            <p:ph type="sldImg"/>
+          </p:nvPr>
+        </p:nvSpPr>
+        <p:spPr/>
+      </p:sp>
+      <p:sp>
+        <p:nvSpPr>
+          <p:cNvPr id="3" name="Notizenplatzhalter 2"/>
+          <p:cNvSpPr>
+            <a:spLocks noGrp="1"/>
+          </p:cNvSpPr>
+          <p:nvPr>
+            <p:ph type="body" idx="1"/>
+          </p:nvPr>
+        </p:nvSpPr>
+        <p:spPr/>
+        <p:txBody>
+          <a:bodyPr/>
+          <a:lstStyle/>
+          <a:p>
+            <a:r>
+              <a:rPr lang="de-DE" dirty="0">
+                <a:hlinkClick r:id="rId3"/>
+              </a:rPr>
+              <a:t>https://www.docker.com/resources/what-container</a:t>
+            </a:r>
+            <a:endParaRPr lang="de-DE" dirty="0"/>
+          </a:p>
+        </p:txBody>
+      </p:sp>
+      <p:sp>
+        <p:nvSpPr>
+          <p:cNvPr id="4" name="Foliennummernplatzhalter 3"/>
+          <p:cNvSpPr>
+            <a:spLocks noGrp="1"/>
+          </p:cNvSpPr>
+          <p:nvPr>
+            <p:ph type="sldNum" sz="quarter" idx="5"/>
+          </p:nvPr>
+        </p:nvSpPr>
+        <p:spPr/>
+        <p:txBody>
+          <a:bodyPr/>
+          <a:lstStyle/>
+          <a:p>
+            <a:pPr>
+              <a:defRPr/>
+            </a:pPr>
+            <a:fld id="{4D8C3D32-0CEC-4E75-98FF-2FBD233904A7}" type="slidenum">
+              <a:rPr lang="de-DE" smtClean="0"/>
+              <a:pPr>
+                <a:defRPr/>
+              </a:pPr>
+              <a:t>12</a:t>
+            </a:fld>
+            <a:endParaRPr lang="de-DE"/>
+          </a:p>
+        </p:txBody>
+      </p:sp>
+    </p:spTree>
+    <p:extLst>
+      <p:ext uri="{BB962C8B-B14F-4D97-AF65-F5344CB8AC3E}">
+        <p14:creationId xmlns:p14="http://schemas.microsoft.com/office/powerpoint/2010/main" val="1492651428"/>
+      </p:ext>
+    </p:extLst>
+  </p:cSld>
+  <p:clrMapOvr>
+    <a:masterClrMapping/>
+  </p:clrMapOvr>
+</p:notes>
+</file>
+
+<file path=ppt/notesSlides/notesSlide12.xml><?xml version="1.0" encoding="utf-8"?>
+<p:notes xmlns:a="http://schemas.openxmlformats.org/drawingml/2006/main" xmlns:r="http://schemas.openxmlformats.org/officeDocument/2006/relationships" xmlns:p="http://schemas.openxmlformats.org/presentationml/2006/main">
+  <p:cSld>
+    <p:spTree>
+      <p:nvGrpSpPr>
+        <p:cNvPr id="1" name=""/>
+        <p:cNvGrpSpPr/>
+        <p:nvPr/>
+      </p:nvGrpSpPr>
+      <p:grpSpPr>
+        <a:xfrm>
+          <a:off x="0" y="0"/>
+          <a:ext cx="0" cy="0"/>
+          <a:chOff x="0" y="0"/>
+          <a:chExt cx="0" cy="0"/>
+        </a:xfrm>
+      </p:grpSpPr>
+      <p:sp>
+        <p:nvSpPr>
+          <p:cNvPr id="2" name="Folienbildplatzhalter 1"/>
+          <p:cNvSpPr>
+            <a:spLocks noGrp="1" noRot="1" noChangeAspect="1"/>
+          </p:cNvSpPr>
+          <p:nvPr>
+            <p:ph type="sldImg"/>
+          </p:nvPr>
+        </p:nvSpPr>
+        <p:spPr/>
+      </p:sp>
+      <p:sp>
+        <p:nvSpPr>
+          <p:cNvPr id="3" name="Notizenplatzhalter 2"/>
+          <p:cNvSpPr>
+            <a:spLocks noGrp="1"/>
+          </p:cNvSpPr>
+          <p:nvPr>
+            <p:ph type="body" idx="1"/>
+          </p:nvPr>
+        </p:nvSpPr>
+        <p:spPr/>
+        <p:txBody>
+          <a:bodyPr/>
+          <a:lstStyle/>
+          <a:p>
+            <a:r>
+              <a:rPr lang="de-DE" dirty="0">
+                <a:hlinkClick r:id="rId3"/>
+              </a:rPr>
+              <a:t>https://www.docker.com/resources/what-container</a:t>
+            </a:r>
+            <a:endParaRPr lang="de-DE" dirty="0"/>
+          </a:p>
+        </p:txBody>
+      </p:sp>
+      <p:sp>
+        <p:nvSpPr>
+          <p:cNvPr id="4" name="Foliennummernplatzhalter 3"/>
+          <p:cNvSpPr>
+            <a:spLocks noGrp="1"/>
+          </p:cNvSpPr>
+          <p:nvPr>
+            <p:ph type="sldNum" sz="quarter" idx="5"/>
+          </p:nvPr>
+        </p:nvSpPr>
+        <p:spPr/>
+        <p:txBody>
+          <a:bodyPr/>
+          <a:lstStyle/>
+          <a:p>
+            <a:pPr>
+              <a:defRPr/>
+            </a:pPr>
+            <a:fld id="{4D8C3D32-0CEC-4E75-98FF-2FBD233904A7}" type="slidenum">
+              <a:rPr lang="de-DE" smtClean="0"/>
+              <a:pPr>
+                <a:defRPr/>
+              </a:pPr>
+              <a:t>13</a:t>
+            </a:fld>
+            <a:endParaRPr lang="de-DE"/>
+          </a:p>
+        </p:txBody>
+      </p:sp>
+    </p:spTree>
+    <p:extLst>
+      <p:ext uri="{BB962C8B-B14F-4D97-AF65-F5344CB8AC3E}">
+        <p14:creationId xmlns:p14="http://schemas.microsoft.com/office/powerpoint/2010/main" val="646348872"/>
+      </p:ext>
+    </p:extLst>
+  </p:cSld>
+  <p:clrMapOvr>
+    <a:masterClrMapping/>
+  </p:clrMapOvr>
+</p:notes>
+</file>
+
 <file path=ppt/notesSlides/notesSlide2.xml><?xml version="1.0" encoding="utf-8"?>
 <p:notes xmlns:a="http://schemas.openxmlformats.org/drawingml/2006/main" xmlns:r="http://schemas.openxmlformats.org/officeDocument/2006/relationships" xmlns:p="http://schemas.openxmlformats.org/presentationml/2006/main">
   <p:cSld>
@@ -1299,7 +1590,7 @@
     </p:spTree>
     <p:extLst>
       <p:ext uri="{BB962C8B-B14F-4D97-AF65-F5344CB8AC3E}">
-        <p14:creationId xmlns:p14="http://schemas.microsoft.com/office/powerpoint/2010/main" val="1247623124"/>
+        <p14:creationId xmlns:p14="http://schemas.microsoft.com/office/powerpoint/2010/main" val="1997193544"/>
       </p:ext>
     </p:extLst>
   </p:cSld>
@@ -1395,7 +1686,7 @@
     </p:spTree>
     <p:extLst>
       <p:ext uri="{BB962C8B-B14F-4D97-AF65-F5344CB8AC3E}">
-        <p14:creationId xmlns:p14="http://schemas.microsoft.com/office/powerpoint/2010/main" val="4110080689"/>
+        <p14:creationId xmlns:p14="http://schemas.microsoft.com/office/powerpoint/2010/main" val="4167669448"/>
       </p:ext>
     </p:extLst>
   </p:cSld>
@@ -1491,7 +1782,7 @@
     </p:spTree>
     <p:extLst>
       <p:ext uri="{BB962C8B-B14F-4D97-AF65-F5344CB8AC3E}">
-        <p14:creationId xmlns:p14="http://schemas.microsoft.com/office/powerpoint/2010/main" val="478657989"/>
+        <p14:creationId xmlns:p14="http://schemas.microsoft.com/office/powerpoint/2010/main" val="2430851618"/>
       </p:ext>
     </p:extLst>
   </p:cSld>
@@ -1587,7 +1878,7 @@
     </p:spTree>
     <p:extLst>
       <p:ext uri="{BB962C8B-B14F-4D97-AF65-F5344CB8AC3E}">
-        <p14:creationId xmlns:p14="http://schemas.microsoft.com/office/powerpoint/2010/main" val="1988012244"/>
+        <p14:creationId xmlns:p14="http://schemas.microsoft.com/office/powerpoint/2010/main" val="1677379968"/>
       </p:ext>
     </p:extLst>
   </p:cSld>
@@ -1683,7 +1974,7 @@
     </p:spTree>
     <p:extLst>
       <p:ext uri="{BB962C8B-B14F-4D97-AF65-F5344CB8AC3E}">
-        <p14:creationId xmlns:p14="http://schemas.microsoft.com/office/powerpoint/2010/main" val="1492651428"/>
+        <p14:creationId xmlns:p14="http://schemas.microsoft.com/office/powerpoint/2010/main" val="4110080689"/>
       </p:ext>
     </p:extLst>
   </p:cSld>
@@ -1779,7 +2070,7 @@
     </p:spTree>
     <p:extLst>
       <p:ext uri="{BB962C8B-B14F-4D97-AF65-F5344CB8AC3E}">
-        <p14:creationId xmlns:p14="http://schemas.microsoft.com/office/powerpoint/2010/main" val="646348872"/>
+        <p14:creationId xmlns:p14="http://schemas.microsoft.com/office/powerpoint/2010/main" val="478657989"/>
       </p:ext>
     </p:extLst>
   </p:cSld>
@@ -4612,9 +4903,12 @@
           <a:p>
             <a:r>
               <a:rPr lang="de-DE" dirty="0" err="1"/>
-              <a:t>Misc</a:t>
-            </a:r>
-            <a:endParaRPr lang="de-DE" dirty="0"/>
+              <a:t>Secrets</a:t>
+            </a:r>
+            <a:r>
+              <a:rPr lang="de-DE" dirty="0"/>
+              <a:t> erzeugen</a:t>
+            </a:r>
           </a:p>
         </p:txBody>
       </p:sp>
@@ -4637,157 +4931,87 @@
         <p:spPr/>
         <p:txBody>
           <a:bodyPr>
-            <a:normAutofit fontScale="85000" lnSpcReduction="20000"/>
+            <a:normAutofit/>
           </a:bodyPr>
           <a:lstStyle/>
           <a:p>
             <a:r>
               <a:rPr lang="de-DE" b="1" dirty="0"/>
-              <a:t>Materialien zum Talk</a:t>
-            </a:r>
-          </a:p>
-          <a:p>
-            <a:r>
-              <a:rPr lang="de-DE" dirty="0">
-                <a:hlinkClick r:id="rId3"/>
-              </a:rPr>
-              <a:t>https://github.com/grothesk/deeptalk</a:t>
+              <a:t>siehe </a:t>
+            </a:r>
+            <a:r>
+              <a:rPr lang="de-DE" b="1" dirty="0" err="1"/>
+              <a:t>ConfigMaps</a:t>
+            </a:r>
+            <a:endParaRPr lang="de-DE" b="1" dirty="0"/>
+          </a:p>
+          <a:p>
+            <a:endParaRPr lang="de-DE" b="1" dirty="0"/>
+          </a:p>
+          <a:p>
+            <a:r>
+              <a:rPr lang="de-DE" b="1" dirty="0" err="1"/>
+              <a:t>kubectl</a:t>
+            </a:r>
+            <a:r>
+              <a:rPr lang="de-DE" b="1" dirty="0"/>
+              <a:t> </a:t>
+            </a:r>
+            <a:r>
+              <a:rPr lang="de-DE" b="1" dirty="0" err="1"/>
+              <a:t>create</a:t>
+            </a:r>
+            <a:r>
+              <a:rPr lang="de-DE" b="1" dirty="0"/>
+              <a:t> </a:t>
+            </a:r>
+            <a:r>
+              <a:rPr lang="de-DE" b="1" dirty="0" err="1"/>
+              <a:t>secret</a:t>
+            </a:r>
+            <a:r>
+              <a:rPr lang="de-DE" b="1" dirty="0"/>
+              <a:t> &lt;type&gt;</a:t>
+            </a:r>
+          </a:p>
+          <a:p>
+            <a:pPr marL="285750" indent="-285750">
+              <a:buFont typeface="Arial" panose="020B0604020202020204" pitchFamily="34" charset="0"/>
+              <a:buChar char="•"/>
+            </a:pPr>
+            <a:r>
+              <a:rPr lang="de-DE" dirty="0" err="1"/>
+              <a:t>generic</a:t>
             </a:r>
             <a:endParaRPr lang="de-DE" dirty="0"/>
           </a:p>
           <a:p>
+            <a:pPr marL="285750" indent="-285750">
+              <a:buFont typeface="Arial" panose="020B0604020202020204" pitchFamily="34" charset="0"/>
+              <a:buChar char="•"/>
+            </a:pPr>
+            <a:r>
+              <a:rPr lang="de-DE" dirty="0" err="1"/>
+              <a:t>tls</a:t>
+            </a:r>
             <a:endParaRPr lang="de-DE" dirty="0"/>
           </a:p>
           <a:p>
-            <a:r>
-              <a:rPr lang="de-DE" b="1" dirty="0"/>
-              <a:t>Weiterführendes</a:t>
-            </a:r>
-          </a:p>
-          <a:p>
+            <a:pPr marL="285750" indent="-285750">
+              <a:buFont typeface="Arial" panose="020B0604020202020204" pitchFamily="34" charset="0"/>
+              <a:buChar char="•"/>
+            </a:pPr>
             <a:r>
               <a:rPr lang="de-DE" dirty="0" err="1"/>
-              <a:t>Celery</a:t>
-            </a:r>
-            <a:r>
-              <a:rPr lang="de-DE" dirty="0"/>
-              <a:t> </a:t>
-            </a:r>
-            <a:r>
-              <a:rPr lang="de-DE" dirty="0">
-                <a:sym typeface="Wingdings" pitchFamily="2" charset="2"/>
-              </a:rPr>
-              <a:t> </a:t>
-            </a:r>
-            <a:r>
-              <a:rPr lang="de-DE" dirty="0"/>
-              <a:t>Asynchron in Python: </a:t>
-            </a:r>
-            <a:r>
-              <a:rPr lang="de-DE" dirty="0">
-                <a:hlinkClick r:id="rId4"/>
-              </a:rPr>
-              <a:t>https://docs.celeryproject.org</a:t>
+              <a:t>docker-registry</a:t>
             </a:r>
             <a:endParaRPr lang="de-DE" dirty="0"/>
           </a:p>
           <a:p>
-            <a:r>
-              <a:rPr lang="de-DE" dirty="0"/>
-              <a:t>Django </a:t>
-            </a:r>
-            <a:r>
-              <a:rPr lang="de-DE" dirty="0">
-                <a:sym typeface="Wingdings" pitchFamily="2" charset="2"/>
-              </a:rPr>
-              <a:t> Alternative zu </a:t>
-            </a:r>
-            <a:r>
-              <a:rPr lang="de-DE" dirty="0" err="1">
-                <a:sym typeface="Wingdings" pitchFamily="2" charset="2"/>
-              </a:rPr>
-              <a:t>Flask</a:t>
-            </a:r>
-            <a:r>
-              <a:rPr lang="de-DE" dirty="0">
-                <a:sym typeface="Wingdings" pitchFamily="2" charset="2"/>
-              </a:rPr>
-              <a:t>: </a:t>
-            </a:r>
-            <a:r>
-              <a:rPr lang="de-DE" dirty="0">
-                <a:hlinkClick r:id="rId5"/>
-              </a:rPr>
-              <a:t>https://www.djangoproject.com</a:t>
-            </a:r>
-            <a:endParaRPr lang="de-DE" dirty="0"/>
-          </a:p>
-          <a:p>
-            <a:r>
-              <a:rPr lang="de-DE" dirty="0" err="1"/>
-              <a:t>Skaffold</a:t>
-            </a:r>
-            <a:r>
-              <a:rPr lang="de-DE" dirty="0"/>
-              <a:t> </a:t>
-            </a:r>
-            <a:r>
-              <a:rPr lang="de-DE" dirty="0">
-                <a:sym typeface="Wingdings" pitchFamily="2" charset="2"/>
-              </a:rPr>
-              <a:t> Entwicklung von k8s-Anwendungen: </a:t>
-            </a:r>
-            <a:r>
-              <a:rPr lang="de-DE" dirty="0">
-                <a:hlinkClick r:id="rId6"/>
-              </a:rPr>
-              <a:t>https://skaffold.dev</a:t>
-            </a:r>
-            <a:endParaRPr lang="de-DE" dirty="0"/>
-          </a:p>
-          <a:p>
-            <a:endParaRPr lang="de-DE" dirty="0"/>
-          </a:p>
-          <a:p>
-            <a:r>
-              <a:rPr lang="de-DE" b="1" dirty="0"/>
-              <a:t>Feedback , Anregungen, Themenvorschläge</a:t>
-            </a:r>
-          </a:p>
-          <a:p>
-            <a:r>
-              <a:rPr lang="de-DE" dirty="0">
-                <a:hlinkClick r:id="rId7"/>
-              </a:rPr>
-              <a:t>florian.boldt@deepshore.de</a:t>
-            </a:r>
-            <a:endParaRPr lang="de-DE" dirty="0"/>
-          </a:p>
-          <a:p>
-            <a:r>
-              <a:rPr lang="de-DE" dirty="0">
-                <a:hlinkClick r:id="rId8"/>
-              </a:rPr>
-              <a:t>malte.groth@deepshore.de</a:t>
-            </a:r>
-            <a:endParaRPr lang="de-DE" dirty="0"/>
-          </a:p>
-          <a:p>
-            <a:r>
-              <a:rPr lang="de-DE" dirty="0">
-                <a:hlinkClick r:id="rId9"/>
-              </a:rPr>
-              <a:t>frederic.born@deepshore.de</a:t>
-            </a:r>
-            <a:endParaRPr lang="de-DE" dirty="0"/>
-          </a:p>
-          <a:p>
-            <a:endParaRPr lang="de-DE" dirty="0"/>
-          </a:p>
-          <a:p>
-            <a:endParaRPr lang="de-DE" dirty="0"/>
-          </a:p>
-          <a:p>
+            <a:pPr marL="285750" indent="-285750">
+              <a:buFont typeface="Arial" panose="020B0604020202020204" pitchFamily="34" charset="0"/>
+              <a:buChar char="•"/>
+            </a:pPr>
             <a:endParaRPr lang="de-DE" dirty="0"/>
           </a:p>
         </p:txBody>
@@ -4795,7 +5019,7 @@
     </p:spTree>
     <p:extLst>
       <p:ext uri="{BB962C8B-B14F-4D97-AF65-F5344CB8AC3E}">
-        <p14:creationId xmlns:p14="http://schemas.microsoft.com/office/powerpoint/2010/main" val="1579135088"/>
+        <p14:creationId xmlns:p14="http://schemas.microsoft.com/office/powerpoint/2010/main" val="2398007689"/>
       </p:ext>
     </p:extLst>
   </p:cSld>
@@ -4827,6 +5051,466 @@
           <p:cNvPr id="2" name="Titel 1">
             <a:extLst>
               <a:ext uri="{FF2B5EF4-FFF2-40B4-BE49-F238E27FC236}">
+                <a16:creationId xmlns:a16="http://schemas.microsoft.com/office/drawing/2014/main" id="{63E74088-BB91-574B-9695-A0121785026E}"/>
+              </a:ext>
+            </a:extLst>
+          </p:cNvPr>
+          <p:cNvSpPr>
+            <a:spLocks noGrp="1"/>
+          </p:cNvSpPr>
+          <p:nvPr>
+            <p:ph type="title"/>
+          </p:nvPr>
+        </p:nvSpPr>
+        <p:spPr/>
+        <p:txBody>
+          <a:bodyPr/>
+          <a:lstStyle/>
+          <a:p>
+            <a:r>
+              <a:rPr lang="de-DE" dirty="0"/>
+              <a:t>Umgang mit </a:t>
+            </a:r>
+            <a:r>
+              <a:rPr lang="de-DE" dirty="0" err="1"/>
+              <a:t>Secrets</a:t>
+            </a:r>
+            <a:endParaRPr lang="de-DE" dirty="0"/>
+          </a:p>
+        </p:txBody>
+      </p:sp>
+      <p:sp>
+        <p:nvSpPr>
+          <p:cNvPr id="3" name="Inhaltsplatzhalter 2">
+            <a:extLst>
+              <a:ext uri="{FF2B5EF4-FFF2-40B4-BE49-F238E27FC236}">
+                <a16:creationId xmlns:a16="http://schemas.microsoft.com/office/drawing/2014/main" id="{0EEB0F87-B7B4-B946-A3AA-B4CFBE864340}"/>
+              </a:ext>
+            </a:extLst>
+          </p:cNvPr>
+          <p:cNvSpPr>
+            <a:spLocks noGrp="1"/>
+          </p:cNvSpPr>
+          <p:nvPr>
+            <p:ph idx="1"/>
+          </p:nvPr>
+        </p:nvSpPr>
+        <p:spPr/>
+        <p:txBody>
+          <a:bodyPr>
+            <a:normAutofit/>
+          </a:bodyPr>
+          <a:lstStyle/>
+          <a:p>
+            <a:pPr marL="285750" indent="-285750">
+              <a:buFont typeface="Arial" panose="020B0604020202020204" pitchFamily="34" charset="0"/>
+              <a:buChar char="•"/>
+            </a:pPr>
+            <a:r>
+              <a:rPr lang="de-DE" dirty="0"/>
+              <a:t>nicht in VCS hochladen</a:t>
+            </a:r>
+          </a:p>
+          <a:p>
+            <a:pPr marL="285750" indent="-285750">
+              <a:buFont typeface="Arial" panose="020B0604020202020204" pitchFamily="34" charset="0"/>
+              <a:buChar char="•"/>
+            </a:pPr>
+            <a:r>
+              <a:rPr lang="de-DE" dirty="0"/>
+              <a:t>nicht in Logs ausgeben</a:t>
+            </a:r>
+          </a:p>
+          <a:p>
+            <a:pPr marL="285750" indent="-285750">
+              <a:buFont typeface="Arial" panose="020B0604020202020204" pitchFamily="34" charset="0"/>
+              <a:buChar char="•"/>
+            </a:pPr>
+            <a:r>
+              <a:rPr lang="de-DE" dirty="0"/>
+              <a:t>sorgfältige Vergabe von Zugriffsrechten: z.B. Zugriff auf </a:t>
+            </a:r>
+            <a:r>
+              <a:rPr lang="de-DE" dirty="0" err="1"/>
+              <a:t>Pod</a:t>
+            </a:r>
+            <a:r>
+              <a:rPr lang="de-DE" dirty="0"/>
+              <a:t> ermöglicht Auslesen von </a:t>
+            </a:r>
+            <a:r>
+              <a:rPr lang="de-DE" dirty="0" err="1"/>
+              <a:t>Secrets</a:t>
+            </a:r>
+            <a:endParaRPr lang="de-DE" dirty="0"/>
+          </a:p>
+          <a:p>
+            <a:pPr marL="285750" indent="-285750">
+              <a:buFont typeface="Arial" panose="020B0604020202020204" pitchFamily="34" charset="0"/>
+              <a:buChar char="•"/>
+            </a:pPr>
+            <a:r>
+              <a:rPr lang="de-DE" dirty="0"/>
+              <a:t>…</a:t>
+            </a:r>
+          </a:p>
+          <a:p>
+            <a:pPr marL="285750" indent="-285750">
+              <a:buFont typeface="Arial" panose="020B0604020202020204" pitchFamily="34" charset="0"/>
+              <a:buChar char="•"/>
+            </a:pPr>
+            <a:endParaRPr lang="de-DE" dirty="0"/>
+          </a:p>
+          <a:p>
+            <a:pPr marL="285750" indent="-285750">
+              <a:buFont typeface="Arial" panose="020B0604020202020204" pitchFamily="34" charset="0"/>
+              <a:buChar char="•"/>
+            </a:pPr>
+            <a:endParaRPr lang="de-DE" dirty="0"/>
+          </a:p>
+        </p:txBody>
+      </p:sp>
+    </p:spTree>
+    <p:extLst>
+      <p:ext uri="{BB962C8B-B14F-4D97-AF65-F5344CB8AC3E}">
+        <p14:creationId xmlns:p14="http://schemas.microsoft.com/office/powerpoint/2010/main" val="4065652997"/>
+      </p:ext>
+    </p:extLst>
+  </p:cSld>
+  <p:clrMapOvr>
+    <a:masterClrMapping/>
+  </p:clrMapOvr>
+</p:sld>
+</file>
+
+<file path=ppt/slides/slide12.xml><?xml version="1.0" encoding="utf-8"?>
+<p:sld xmlns:a="http://schemas.openxmlformats.org/drawingml/2006/main" xmlns:r="http://schemas.openxmlformats.org/officeDocument/2006/relationships" xmlns:p="http://schemas.openxmlformats.org/presentationml/2006/main">
+  <p:cSld>
+    <p:spTree>
+      <p:nvGrpSpPr>
+        <p:cNvPr id="1" name=""/>
+        <p:cNvGrpSpPr/>
+        <p:nvPr/>
+      </p:nvGrpSpPr>
+      <p:grpSpPr>
+        <a:xfrm>
+          <a:off x="0" y="0"/>
+          <a:ext cx="0" cy="0"/>
+          <a:chOff x="0" y="0"/>
+          <a:chExt cx="0" cy="0"/>
+        </a:xfrm>
+      </p:grpSpPr>
+      <p:sp>
+        <p:nvSpPr>
+          <p:cNvPr id="2" name="Titel 1">
+            <a:extLst>
+              <a:ext uri="{FF2B5EF4-FFF2-40B4-BE49-F238E27FC236}">
+                <a16:creationId xmlns:a16="http://schemas.microsoft.com/office/drawing/2014/main" id="{63E74088-BB91-574B-9695-A0121785026E}"/>
+              </a:ext>
+            </a:extLst>
+          </p:cNvPr>
+          <p:cNvSpPr>
+            <a:spLocks noGrp="1"/>
+          </p:cNvSpPr>
+          <p:nvPr>
+            <p:ph type="title"/>
+          </p:nvPr>
+        </p:nvSpPr>
+        <p:spPr/>
+        <p:txBody>
+          <a:bodyPr/>
+          <a:lstStyle/>
+          <a:p>
+            <a:r>
+              <a:rPr lang="de-DE" dirty="0" err="1"/>
+              <a:t>Takeaways</a:t>
+            </a:r>
+            <a:endParaRPr lang="de-DE" dirty="0"/>
+          </a:p>
+        </p:txBody>
+      </p:sp>
+      <p:sp>
+        <p:nvSpPr>
+          <p:cNvPr id="3" name="Inhaltsplatzhalter 2">
+            <a:extLst>
+              <a:ext uri="{FF2B5EF4-FFF2-40B4-BE49-F238E27FC236}">
+                <a16:creationId xmlns:a16="http://schemas.microsoft.com/office/drawing/2014/main" id="{0EEB0F87-B7B4-B946-A3AA-B4CFBE864340}"/>
+              </a:ext>
+            </a:extLst>
+          </p:cNvPr>
+          <p:cNvSpPr>
+            <a:spLocks noGrp="1"/>
+          </p:cNvSpPr>
+          <p:nvPr>
+            <p:ph idx="1"/>
+          </p:nvPr>
+        </p:nvSpPr>
+        <p:spPr/>
+        <p:txBody>
+          <a:bodyPr>
+            <a:normAutofit/>
+          </a:bodyPr>
+          <a:lstStyle/>
+          <a:p>
+            <a:pPr marL="285750" indent="-285750">
+              <a:buFont typeface="Arial" panose="020B0604020202020204" pitchFamily="34" charset="0"/>
+              <a:buChar char="•"/>
+            </a:pPr>
+            <a:r>
+              <a:rPr lang="de-DE" dirty="0" err="1"/>
+              <a:t>Blabla</a:t>
+            </a:r>
+            <a:endParaRPr lang="de-DE" dirty="0"/>
+          </a:p>
+          <a:p>
+            <a:endParaRPr lang="de-DE" dirty="0"/>
+          </a:p>
+          <a:p>
+            <a:endParaRPr lang="de-DE" dirty="0"/>
+          </a:p>
+        </p:txBody>
+      </p:sp>
+    </p:spTree>
+    <p:extLst>
+      <p:ext uri="{BB962C8B-B14F-4D97-AF65-F5344CB8AC3E}">
+        <p14:creationId xmlns:p14="http://schemas.microsoft.com/office/powerpoint/2010/main" val="3615434718"/>
+      </p:ext>
+    </p:extLst>
+  </p:cSld>
+  <p:clrMapOvr>
+    <a:masterClrMapping/>
+  </p:clrMapOvr>
+</p:sld>
+</file>
+
+<file path=ppt/slides/slide13.xml><?xml version="1.0" encoding="utf-8"?>
+<p:sld xmlns:a="http://schemas.openxmlformats.org/drawingml/2006/main" xmlns:r="http://schemas.openxmlformats.org/officeDocument/2006/relationships" xmlns:p="http://schemas.openxmlformats.org/presentationml/2006/main">
+  <p:cSld>
+    <p:spTree>
+      <p:nvGrpSpPr>
+        <p:cNvPr id="1" name=""/>
+        <p:cNvGrpSpPr/>
+        <p:nvPr/>
+      </p:nvGrpSpPr>
+      <p:grpSpPr>
+        <a:xfrm>
+          <a:off x="0" y="0"/>
+          <a:ext cx="0" cy="0"/>
+          <a:chOff x="0" y="0"/>
+          <a:chExt cx="0" cy="0"/>
+        </a:xfrm>
+      </p:grpSpPr>
+      <p:sp>
+        <p:nvSpPr>
+          <p:cNvPr id="2" name="Titel 1">
+            <a:extLst>
+              <a:ext uri="{FF2B5EF4-FFF2-40B4-BE49-F238E27FC236}">
+                <a16:creationId xmlns:a16="http://schemas.microsoft.com/office/drawing/2014/main" id="{63E74088-BB91-574B-9695-A0121785026E}"/>
+              </a:ext>
+            </a:extLst>
+          </p:cNvPr>
+          <p:cNvSpPr>
+            <a:spLocks noGrp="1"/>
+          </p:cNvSpPr>
+          <p:nvPr>
+            <p:ph type="title"/>
+          </p:nvPr>
+        </p:nvSpPr>
+        <p:spPr/>
+        <p:txBody>
+          <a:bodyPr/>
+          <a:lstStyle/>
+          <a:p>
+            <a:r>
+              <a:rPr lang="de-DE" dirty="0" err="1"/>
+              <a:t>Misc</a:t>
+            </a:r>
+            <a:endParaRPr lang="de-DE" dirty="0"/>
+          </a:p>
+        </p:txBody>
+      </p:sp>
+      <p:sp>
+        <p:nvSpPr>
+          <p:cNvPr id="3" name="Inhaltsplatzhalter 2">
+            <a:extLst>
+              <a:ext uri="{FF2B5EF4-FFF2-40B4-BE49-F238E27FC236}">
+                <a16:creationId xmlns:a16="http://schemas.microsoft.com/office/drawing/2014/main" id="{0EEB0F87-B7B4-B946-A3AA-B4CFBE864340}"/>
+              </a:ext>
+            </a:extLst>
+          </p:cNvPr>
+          <p:cNvSpPr>
+            <a:spLocks noGrp="1"/>
+          </p:cNvSpPr>
+          <p:nvPr>
+            <p:ph idx="1"/>
+          </p:nvPr>
+        </p:nvSpPr>
+        <p:spPr/>
+        <p:txBody>
+          <a:bodyPr>
+            <a:normAutofit fontScale="77500" lnSpcReduction="20000"/>
+          </a:bodyPr>
+          <a:lstStyle/>
+          <a:p>
+            <a:r>
+              <a:rPr lang="de-DE" b="1" dirty="0"/>
+              <a:t>Materialien zum Talk - NEU</a:t>
+            </a:r>
+          </a:p>
+          <a:p>
+            <a:r>
+              <a:rPr lang="de-DE" dirty="0">
+                <a:hlinkClick r:id="rId3"/>
+              </a:rPr>
+              <a:t>https://github.com/deepshore/deeptalk</a:t>
+            </a:r>
+            <a:endParaRPr lang="de-DE" dirty="0"/>
+          </a:p>
+          <a:p>
+            <a:endParaRPr lang="de-DE" dirty="0"/>
+          </a:p>
+          <a:p>
+            <a:r>
+              <a:rPr lang="de-DE" b="1" dirty="0"/>
+              <a:t>Weiterführendes</a:t>
+            </a:r>
+          </a:p>
+          <a:p>
+            <a:r>
+              <a:rPr lang="de-DE" dirty="0" err="1"/>
+              <a:t>Postgres</a:t>
+            </a:r>
+            <a:r>
+              <a:rPr lang="de-DE" dirty="0"/>
+              <a:t>: </a:t>
+            </a:r>
+            <a:r>
+              <a:rPr lang="de-DE" dirty="0">
+                <a:hlinkClick r:id="rId4"/>
+              </a:rPr>
+              <a:t>https://www.postgresql.org/</a:t>
+            </a:r>
+            <a:endParaRPr lang="de-DE" dirty="0"/>
+          </a:p>
+          <a:p>
+            <a:r>
+              <a:rPr lang="de-DE" dirty="0" err="1"/>
+              <a:t>Grafana</a:t>
+            </a:r>
+            <a:r>
+              <a:rPr lang="de-DE" dirty="0"/>
+              <a:t>: </a:t>
+            </a:r>
+            <a:r>
+              <a:rPr lang="de-DE" dirty="0">
+                <a:sym typeface="Wingdings" pitchFamily="2" charset="2"/>
+                <a:hlinkClick r:id="rId5"/>
+              </a:rPr>
+              <a:t>https://grafana.com/docs/grafana/latest/administration/provisioning/</a:t>
+            </a:r>
+            <a:endParaRPr lang="de-DE" dirty="0">
+              <a:sym typeface="Wingdings" pitchFamily="2" charset="2"/>
+            </a:endParaRPr>
+          </a:p>
+          <a:p>
+            <a:r>
+              <a:rPr lang="de-DE" dirty="0" err="1"/>
+              <a:t>Kubernetes</a:t>
+            </a:r>
+            <a:r>
+              <a:rPr lang="de-DE" dirty="0"/>
+              <a:t>: </a:t>
+            </a:r>
+            <a:r>
+              <a:rPr lang="de-DE" dirty="0">
+                <a:hlinkClick r:id="rId6"/>
+              </a:rPr>
+              <a:t>https://kubernetes.io/docs/home/</a:t>
+            </a:r>
+            <a:endParaRPr lang="de-DE" dirty="0"/>
+          </a:p>
+          <a:p>
+            <a:endParaRPr lang="de-DE" dirty="0"/>
+          </a:p>
+          <a:p>
+            <a:r>
+              <a:rPr lang="de-DE" b="1" dirty="0"/>
+              <a:t>Feedback , Anregungen, Themenvorschläge</a:t>
+            </a:r>
+          </a:p>
+          <a:p>
+            <a:r>
+              <a:rPr lang="de-DE" dirty="0">
+                <a:hlinkClick r:id="rId7"/>
+              </a:rPr>
+              <a:t>florian.boldt@deepshore.de</a:t>
+            </a:r>
+            <a:endParaRPr lang="de-DE" dirty="0"/>
+          </a:p>
+          <a:p>
+            <a:r>
+              <a:rPr lang="de-DE" dirty="0">
+                <a:hlinkClick r:id="rId8"/>
+              </a:rPr>
+              <a:t>malte.groth@deepshore.de</a:t>
+            </a:r>
+            <a:endParaRPr lang="de-DE" dirty="0"/>
+          </a:p>
+          <a:p>
+            <a:r>
+              <a:rPr lang="de-DE" dirty="0">
+                <a:hlinkClick r:id="rId9"/>
+              </a:rPr>
+              <a:t>frederic.born@deepshore.de</a:t>
+            </a:r>
+            <a:endParaRPr lang="de-DE" dirty="0"/>
+          </a:p>
+          <a:p>
+            <a:endParaRPr lang="de-DE" dirty="0"/>
+          </a:p>
+          <a:p>
+            <a:endParaRPr lang="de-DE" dirty="0"/>
+          </a:p>
+          <a:p>
+            <a:endParaRPr lang="de-DE" dirty="0"/>
+          </a:p>
+        </p:txBody>
+      </p:sp>
+    </p:spTree>
+    <p:extLst>
+      <p:ext uri="{BB962C8B-B14F-4D97-AF65-F5344CB8AC3E}">
+        <p14:creationId xmlns:p14="http://schemas.microsoft.com/office/powerpoint/2010/main" val="1579135088"/>
+      </p:ext>
+    </p:extLst>
+  </p:cSld>
+  <p:clrMapOvr>
+    <a:masterClrMapping/>
+  </p:clrMapOvr>
+</p:sld>
+</file>
+
+<file path=ppt/slides/slide14.xml><?xml version="1.0" encoding="utf-8"?>
+<p:sld xmlns:a="http://schemas.openxmlformats.org/drawingml/2006/main" xmlns:r="http://schemas.openxmlformats.org/officeDocument/2006/relationships" xmlns:p="http://schemas.openxmlformats.org/presentationml/2006/main">
+  <p:cSld>
+    <p:spTree>
+      <p:nvGrpSpPr>
+        <p:cNvPr id="1" name=""/>
+        <p:cNvGrpSpPr/>
+        <p:nvPr/>
+      </p:nvGrpSpPr>
+      <p:grpSpPr>
+        <a:xfrm>
+          <a:off x="0" y="0"/>
+          <a:ext cx="0" cy="0"/>
+          <a:chOff x="0" y="0"/>
+          <a:chExt cx="0" cy="0"/>
+        </a:xfrm>
+      </p:grpSpPr>
+      <p:sp>
+        <p:nvSpPr>
+          <p:cNvPr id="2" name="Titel 1">
+            <a:extLst>
+              <a:ext uri="{FF2B5EF4-FFF2-40B4-BE49-F238E27FC236}">
                 <a16:creationId xmlns:a16="http://schemas.microsoft.com/office/drawing/2014/main" id="{693F10F7-6A72-7443-9D29-766F88D4FE7E}"/>
               </a:ext>
             </a:extLst>
@@ -4883,7 +5567,7 @@
                 </a:solidFill>
                 <a:latin typeface="Verdana"/>
               </a:rPr>
-              <a:t>Persistenz in </a:t>
+              <a:t>Nächster Talk: Persistenz in </a:t>
             </a:r>
             <a:r>
               <a:rPr lang="de-DE" spc="-1" dirty="0" err="1">
@@ -4894,6 +5578,32 @@
               </a:rPr>
               <a:t>Kubernetes</a:t>
             </a:r>
+            <a:endParaRPr lang="de-DE" spc="-1" dirty="0">
+              <a:solidFill>
+                <a:srgbClr val="000000"/>
+              </a:solidFill>
+              <a:latin typeface="Verdana"/>
+            </a:endParaRPr>
+          </a:p>
+          <a:p>
+            <a:pPr marL="360">
+              <a:spcBef>
+                <a:spcPts val="799"/>
+              </a:spcBef>
+            </a:pPr>
+            <a:endParaRPr lang="de-DE" spc="-1" dirty="0">
+              <a:solidFill>
+                <a:srgbClr val="000000"/>
+              </a:solidFill>
+              <a:latin typeface="Verdana"/>
+            </a:endParaRPr>
+          </a:p>
+          <a:p>
+            <a:pPr marL="360">
+              <a:spcBef>
+                <a:spcPts val="799"/>
+              </a:spcBef>
+            </a:pPr>
             <a:r>
               <a:rPr lang="de-DE" spc="-1" dirty="0">
                 <a:solidFill>
@@ -4901,8 +5611,72 @@
                 </a:solidFill>
                 <a:latin typeface="Verdana"/>
               </a:rPr>
-              <a:t>:</a:t>
-            </a:r>
+              <a:t>Anknüpfungspunkte:</a:t>
+            </a:r>
+          </a:p>
+          <a:p>
+            <a:pPr marL="360">
+              <a:spcBef>
+                <a:spcPts val="799"/>
+              </a:spcBef>
+            </a:pPr>
+            <a:r>
+              <a:rPr lang="de-DE" spc="-1" dirty="0" err="1">
+                <a:solidFill>
+                  <a:srgbClr val="000000"/>
+                </a:solidFill>
+                <a:latin typeface="Verdana"/>
+              </a:rPr>
+              <a:t>Volumes</a:t>
+            </a:r>
+            <a:endParaRPr lang="de-DE" spc="-1" dirty="0">
+              <a:solidFill>
+                <a:srgbClr val="000000"/>
+              </a:solidFill>
+              <a:latin typeface="Verdana"/>
+            </a:endParaRPr>
+          </a:p>
+          <a:p>
+            <a:pPr marL="360">
+              <a:spcBef>
+                <a:spcPts val="799"/>
+              </a:spcBef>
+            </a:pPr>
+            <a:r>
+              <a:rPr lang="de-DE" spc="-1" dirty="0">
+                <a:solidFill>
+                  <a:srgbClr val="000000"/>
+                </a:solidFill>
+                <a:latin typeface="Verdana"/>
+              </a:rPr>
+              <a:t>Datenbanken</a:t>
+            </a:r>
+          </a:p>
+          <a:p>
+            <a:pPr marL="360">
+              <a:spcBef>
+                <a:spcPts val="799"/>
+              </a:spcBef>
+            </a:pPr>
+            <a:endParaRPr lang="de-DE" spc="-1" dirty="0">
+              <a:solidFill>
+                <a:srgbClr val="000000"/>
+              </a:solidFill>
+              <a:latin typeface="Verdana"/>
+            </a:endParaRPr>
+          </a:p>
+          <a:p>
+            <a:pPr marL="360">
+              <a:spcBef>
+                <a:spcPts val="799"/>
+              </a:spcBef>
+            </a:pPr>
+            <a:endParaRPr lang="de-DE" spc="-1" dirty="0">
+              <a:solidFill>
+                <a:srgbClr val="000000"/>
+              </a:solidFill>
+              <a:latin typeface="Verdana"/>
+            </a:endParaRPr>
           </a:p>
           <a:p>
             <a:pPr marL="360">
@@ -4932,7 +5706,7 @@
 </p:sld>
 </file>
 
-<file path=ppt/slides/slide12.xml><?xml version="1.0" encoding="utf-8"?>
+<file path=ppt/slides/slide15.xml><?xml version="1.0" encoding="utf-8"?>
 <p:sld xmlns:a="http://schemas.openxmlformats.org/drawingml/2006/main" xmlns:r="http://schemas.openxmlformats.org/officeDocument/2006/relationships" xmlns:p="http://schemas.openxmlformats.org/presentationml/2006/main">
   <p:cSld>
     <p:spTree>
@@ -5338,7 +6112,7 @@
             </a:r>
             <a:r>
               <a:rPr lang="de-DE" dirty="0"/>
-              <a:t> konfigurieren</a:t>
+              <a:t> vorkonfigurieren</a:t>
             </a:r>
           </a:p>
         </p:txBody>
@@ -5362,14 +6136,329 @@
         <p:spPr/>
         <p:txBody>
           <a:bodyPr>
-            <a:normAutofit/>
+            <a:normAutofit lnSpcReduction="10000"/>
           </a:bodyPr>
           <a:lstStyle/>
           <a:p>
-            <a:r>
-              <a:rPr lang="de-DE" dirty="0" err="1"/>
-              <a:t>Blablabla</a:t>
-            </a:r>
+            <a:pPr>
+              <a:spcBef>
+                <a:spcPts val="799"/>
+              </a:spcBef>
+            </a:pPr>
+            <a:r>
+              <a:rPr lang="de-DE" b="1" spc="-1" dirty="0" err="1">
+                <a:solidFill>
+                  <a:srgbClr val="000000"/>
+                </a:solidFill>
+                <a:latin typeface="Verdana"/>
+                <a:ea typeface="Verdana"/>
+              </a:rPr>
+              <a:t>Grafana</a:t>
+            </a:r>
+            <a:endParaRPr lang="de-DE" spc="-1" dirty="0">
+              <a:latin typeface="Arial"/>
+            </a:endParaRPr>
+          </a:p>
+          <a:p>
+            <a:pPr marL="1440">
+              <a:spcBef>
+                <a:spcPts val="799"/>
+              </a:spcBef>
+            </a:pPr>
+            <a:r>
+              <a:rPr lang="en-GB" spc="-1" dirty="0" err="1">
+                <a:solidFill>
+                  <a:srgbClr val="000000"/>
+                </a:solidFill>
+                <a:latin typeface="Verdana"/>
+                <a:ea typeface="Verdana"/>
+              </a:rPr>
+              <a:t>Webanwendung</a:t>
+            </a:r>
+            <a:r>
+              <a:rPr lang="en-GB" spc="-1" dirty="0">
+                <a:solidFill>
+                  <a:srgbClr val="000000"/>
+                </a:solidFill>
+                <a:latin typeface="Verdana"/>
+                <a:ea typeface="Verdana"/>
+              </a:rPr>
+              <a:t> </a:t>
+            </a:r>
+            <a:r>
+              <a:rPr lang="en-GB" spc="-1" dirty="0" err="1">
+                <a:solidFill>
+                  <a:srgbClr val="000000"/>
+                </a:solidFill>
+                <a:latin typeface="Verdana"/>
+                <a:ea typeface="Verdana"/>
+              </a:rPr>
+              <a:t>für</a:t>
+            </a:r>
+            <a:r>
+              <a:rPr lang="en-GB" spc="-1" dirty="0">
+                <a:solidFill>
+                  <a:srgbClr val="000000"/>
+                </a:solidFill>
+                <a:latin typeface="Verdana"/>
+                <a:ea typeface="Verdana"/>
+              </a:rPr>
+              <a:t> </a:t>
+            </a:r>
+            <a:r>
+              <a:rPr lang="en-GB" spc="-1" dirty="0" err="1">
+                <a:solidFill>
+                  <a:srgbClr val="000000"/>
+                </a:solidFill>
+                <a:latin typeface="Verdana"/>
+                <a:ea typeface="Verdana"/>
+              </a:rPr>
+              <a:t>interaktive</a:t>
+            </a:r>
+            <a:r>
+              <a:rPr lang="en-GB" spc="-1" dirty="0">
+                <a:solidFill>
+                  <a:srgbClr val="000000"/>
+                </a:solidFill>
+                <a:latin typeface="Verdana"/>
+                <a:ea typeface="Verdana"/>
+              </a:rPr>
+              <a:t> </a:t>
+            </a:r>
+            <a:r>
+              <a:rPr lang="en-GB" spc="-1" dirty="0" err="1">
+                <a:solidFill>
+                  <a:srgbClr val="000000"/>
+                </a:solidFill>
+                <a:latin typeface="Verdana"/>
+                <a:ea typeface="Verdana"/>
+              </a:rPr>
+              <a:t>Visualisierung</a:t>
+            </a:r>
+            <a:r>
+              <a:rPr lang="en-GB" spc="-1" dirty="0">
+                <a:solidFill>
+                  <a:srgbClr val="000000"/>
+                </a:solidFill>
+                <a:latin typeface="Verdana"/>
+                <a:ea typeface="Verdana"/>
+              </a:rPr>
+              <a:t> von </a:t>
+            </a:r>
+            <a:r>
+              <a:rPr lang="en-GB" spc="-1" dirty="0" err="1">
+                <a:solidFill>
+                  <a:srgbClr val="000000"/>
+                </a:solidFill>
+                <a:latin typeface="Verdana"/>
+                <a:ea typeface="Verdana"/>
+              </a:rPr>
+              <a:t>Daten</a:t>
+            </a:r>
+            <a:endParaRPr lang="en-GB" spc="-1" dirty="0">
+              <a:solidFill>
+                <a:srgbClr val="000000"/>
+              </a:solidFill>
+              <a:latin typeface="Verdana"/>
+              <a:ea typeface="Verdana"/>
+            </a:endParaRPr>
+          </a:p>
+          <a:p>
+            <a:pPr marL="1440">
+              <a:spcBef>
+                <a:spcPts val="799"/>
+              </a:spcBef>
+            </a:pPr>
+            <a:endParaRPr lang="en-GB" spc="-1" dirty="0">
+              <a:solidFill>
+                <a:srgbClr val="000000"/>
+              </a:solidFill>
+              <a:latin typeface="Verdana"/>
+              <a:ea typeface="Verdana"/>
+            </a:endParaRPr>
+          </a:p>
+          <a:p>
+            <a:pPr marL="1440">
+              <a:spcBef>
+                <a:spcPts val="799"/>
+              </a:spcBef>
+            </a:pPr>
+            <a:r>
+              <a:rPr lang="en-GB" b="1" spc="-1" dirty="0" err="1">
+                <a:solidFill>
+                  <a:srgbClr val="000000"/>
+                </a:solidFill>
+                <a:latin typeface="Verdana"/>
+                <a:ea typeface="Verdana"/>
+              </a:rPr>
+              <a:t>Datenquelle</a:t>
+            </a:r>
+            <a:endParaRPr lang="en-GB" b="1" spc="-1" dirty="0">
+              <a:solidFill>
+                <a:srgbClr val="000000"/>
+              </a:solidFill>
+              <a:latin typeface="Verdana"/>
+              <a:ea typeface="Verdana"/>
+            </a:endParaRPr>
+          </a:p>
+          <a:p>
+            <a:pPr marL="1440">
+              <a:spcBef>
+                <a:spcPts val="799"/>
+              </a:spcBef>
+            </a:pPr>
+            <a:r>
+              <a:rPr lang="en-GB" spc="-1" dirty="0">
+                <a:solidFill>
+                  <a:srgbClr val="000000"/>
+                </a:solidFill>
+                <a:latin typeface="Verdana"/>
+                <a:ea typeface="Verdana"/>
+              </a:rPr>
+              <a:t>Postgres</a:t>
+            </a:r>
+          </a:p>
+          <a:p>
+            <a:pPr marL="1440">
+              <a:spcBef>
+                <a:spcPts val="799"/>
+              </a:spcBef>
+            </a:pPr>
+            <a:endParaRPr lang="en-GB" spc="-1" dirty="0">
+              <a:solidFill>
+                <a:srgbClr val="000000"/>
+              </a:solidFill>
+              <a:latin typeface="Verdana"/>
+              <a:ea typeface="Verdana"/>
+            </a:endParaRPr>
+          </a:p>
+          <a:p>
+            <a:pPr marL="1440">
+              <a:spcBef>
+                <a:spcPts val="799"/>
+              </a:spcBef>
+            </a:pPr>
+            <a:r>
+              <a:rPr lang="en-GB" b="1" spc="-1" dirty="0" err="1">
+                <a:solidFill>
+                  <a:srgbClr val="000000"/>
+                </a:solidFill>
+                <a:latin typeface="Verdana"/>
+                <a:ea typeface="Verdana"/>
+              </a:rPr>
+              <a:t>Konfiguration</a:t>
+            </a:r>
+            <a:endParaRPr lang="en-GB" b="1" spc="-1" dirty="0">
+              <a:solidFill>
+                <a:srgbClr val="000000"/>
+              </a:solidFill>
+              <a:latin typeface="Verdana"/>
+              <a:ea typeface="Verdana"/>
+            </a:endParaRPr>
+          </a:p>
+          <a:p>
+            <a:pPr marL="287190" indent="-285750">
+              <a:spcBef>
+                <a:spcPts val="799"/>
+              </a:spcBef>
+              <a:buFont typeface="Arial" panose="020B0604020202020204" pitchFamily="34" charset="0"/>
+              <a:buChar char="•"/>
+            </a:pPr>
+            <a:r>
+              <a:rPr lang="en-GB" spc="-1" dirty="0">
+                <a:solidFill>
+                  <a:srgbClr val="000000"/>
+                </a:solidFill>
+                <a:latin typeface="Verdana"/>
+                <a:ea typeface="Verdana"/>
+              </a:rPr>
+              <a:t>Credentials</a:t>
+            </a:r>
+          </a:p>
+          <a:p>
+            <a:pPr marL="287190" indent="-285750">
+              <a:spcBef>
+                <a:spcPts val="799"/>
+              </a:spcBef>
+              <a:buFont typeface="Arial" panose="020B0604020202020204" pitchFamily="34" charset="0"/>
+              <a:buChar char="•"/>
+            </a:pPr>
+            <a:r>
+              <a:rPr lang="en-GB" spc="-1" dirty="0" err="1">
+                <a:solidFill>
+                  <a:srgbClr val="000000"/>
+                </a:solidFill>
+                <a:latin typeface="Verdana"/>
+                <a:ea typeface="Verdana"/>
+              </a:rPr>
+              <a:t>Datenquellen</a:t>
+            </a:r>
+            <a:endParaRPr lang="en-GB" spc="-1" dirty="0">
+              <a:solidFill>
+                <a:srgbClr val="000000"/>
+              </a:solidFill>
+              <a:latin typeface="Verdana"/>
+              <a:ea typeface="Verdana"/>
+            </a:endParaRPr>
+          </a:p>
+          <a:p>
+            <a:pPr marL="287190" indent="-285750">
+              <a:spcBef>
+                <a:spcPts val="799"/>
+              </a:spcBef>
+              <a:buFont typeface="Arial" panose="020B0604020202020204" pitchFamily="34" charset="0"/>
+              <a:buChar char="•"/>
+            </a:pPr>
+            <a:r>
+              <a:rPr lang="en-GB" spc="-1" dirty="0">
+                <a:solidFill>
+                  <a:srgbClr val="000000"/>
+                </a:solidFill>
+                <a:latin typeface="Verdana"/>
+                <a:ea typeface="Verdana"/>
+              </a:rPr>
+              <a:t>Dashboards</a:t>
+            </a:r>
+          </a:p>
+          <a:p>
+            <a:pPr marL="1440">
+              <a:spcBef>
+                <a:spcPts val="799"/>
+              </a:spcBef>
+            </a:pPr>
+            <a:endParaRPr lang="en-GB" spc="-1" dirty="0">
+              <a:solidFill>
+                <a:srgbClr val="000000"/>
+              </a:solidFill>
+              <a:latin typeface="Verdana"/>
+              <a:ea typeface="Verdana"/>
+            </a:endParaRPr>
+          </a:p>
+          <a:p>
+            <a:pPr marL="1440">
+              <a:spcBef>
+                <a:spcPts val="799"/>
+              </a:spcBef>
+            </a:pPr>
+            <a:endParaRPr lang="en-GB" spc="-1" dirty="0">
+              <a:solidFill>
+                <a:srgbClr val="000000"/>
+              </a:solidFill>
+              <a:latin typeface="Verdana"/>
+              <a:ea typeface="Verdana"/>
+            </a:endParaRPr>
+          </a:p>
+          <a:p>
+            <a:pPr marL="1440">
+              <a:spcBef>
+                <a:spcPts val="799"/>
+              </a:spcBef>
+            </a:pPr>
+            <a:endParaRPr lang="de-DE" spc="-1" dirty="0">
+              <a:latin typeface="Arial"/>
+            </a:endParaRPr>
+          </a:p>
+          <a:p>
             <a:endParaRPr lang="de-DE" dirty="0"/>
           </a:p>
         </p:txBody>
@@ -5426,56 +6515,740 @@
           <a:lstStyle/>
           <a:p>
             <a:r>
+              <a:rPr lang="de-DE" dirty="0"/>
+              <a:t>Initiale </a:t>
+            </a:r>
+            <a:r>
               <a:rPr lang="de-DE" dirty="0" err="1"/>
-              <a:t>ConfigMap</a:t>
+              <a:t>Credentials</a:t>
             </a:r>
             <a:r>
               <a:rPr lang="de-DE" dirty="0"/>
-              <a:t> </a:t>
-            </a:r>
-            <a:r>
-              <a:rPr lang="de-DE" dirty="0" err="1"/>
-              <a:t>mounten</a:t>
-            </a:r>
-            <a:endParaRPr lang="de-DE" dirty="0"/>
+              <a:t> festlegen</a:t>
+            </a:r>
           </a:p>
         </p:txBody>
       </p:sp>
       <p:sp>
         <p:nvSpPr>
-          <p:cNvPr id="3" name="Inhaltsplatzhalter 2">
+          <p:cNvPr id="12" name="Rechteck 11">
             <a:extLst>
               <a:ext uri="{FF2B5EF4-FFF2-40B4-BE49-F238E27FC236}">
-                <a16:creationId xmlns:a16="http://schemas.microsoft.com/office/drawing/2014/main" id="{0EEB0F87-B7B4-B946-A3AA-B4CFBE864340}"/>
+                <a16:creationId xmlns:a16="http://schemas.microsoft.com/office/drawing/2014/main" id="{57A7CC03-CA37-A247-AF54-5D0403616895}"/>
               </a:ext>
             </a:extLst>
           </p:cNvPr>
-          <p:cNvSpPr>
-            <a:spLocks noGrp="1"/>
-          </p:cNvSpPr>
-          <p:nvPr>
-            <p:ph idx="1"/>
-          </p:nvPr>
-        </p:nvSpPr>
-        <p:spPr/>
+          <p:cNvSpPr/>
+          <p:nvPr/>
+        </p:nvSpPr>
+        <p:spPr>
+          <a:xfrm>
+            <a:off x="2735890" y="3088080"/>
+            <a:ext cx="1656230" cy="432060"/>
+          </a:xfrm>
+          <a:prstGeom prst="rect">
+            <a:avLst/>
+          </a:prstGeom>
+          <a:solidFill>
+            <a:srgbClr val="0070C0"/>
+          </a:solidFill>
+          <a:ln>
+            <a:noFill/>
+          </a:ln>
+        </p:spPr>
+        <p:style>
+          <a:lnRef idx="2">
+            <a:schemeClr val="accent1">
+              <a:shade val="50000"/>
+            </a:schemeClr>
+          </a:lnRef>
+          <a:fillRef idx="1">
+            <a:schemeClr val="accent1"/>
+          </a:fillRef>
+          <a:effectRef idx="0">
+            <a:schemeClr val="accent1"/>
+          </a:effectRef>
+          <a:fontRef idx="minor">
+            <a:schemeClr val="lt1"/>
+          </a:fontRef>
+        </p:style>
         <p:txBody>
-          <a:bodyPr>
-            <a:normAutofit/>
+          <a:bodyPr rtlCol="0" anchor="ctr"/>
+          <a:lstStyle/>
+          <a:p>
+            <a:pPr algn="ctr"/>
+            <a:r>
+              <a:rPr lang="de-DE" sz="1200" dirty="0" err="1"/>
+              <a:t>postgres</a:t>
+            </a:r>
+            <a:r>
+              <a:rPr lang="de-DE" sz="1200" dirty="0"/>
+              <a:t>-service</a:t>
+            </a:r>
+          </a:p>
+        </p:txBody>
+      </p:sp>
+      <p:sp>
+        <p:nvSpPr>
+          <p:cNvPr id="13" name="Rechteck 12">
+            <a:extLst>
+              <a:ext uri="{FF2B5EF4-FFF2-40B4-BE49-F238E27FC236}">
+                <a16:creationId xmlns:a16="http://schemas.microsoft.com/office/drawing/2014/main" id="{4CC83FC3-1958-A749-8D16-6920AA979673}"/>
+              </a:ext>
+            </a:extLst>
+          </p:cNvPr>
+          <p:cNvSpPr/>
+          <p:nvPr/>
+        </p:nvSpPr>
+        <p:spPr>
+          <a:xfrm>
+            <a:off x="2735890" y="4824672"/>
+            <a:ext cx="1656230" cy="432060"/>
+          </a:xfrm>
+          <a:prstGeom prst="rect">
+            <a:avLst/>
+          </a:prstGeom>
+          <a:solidFill>
+            <a:srgbClr val="0070C0"/>
+          </a:solidFill>
+          <a:ln>
+            <a:noFill/>
+          </a:ln>
+        </p:spPr>
+        <p:style>
+          <a:lnRef idx="2">
+            <a:schemeClr val="accent1">
+              <a:shade val="50000"/>
+            </a:schemeClr>
+          </a:lnRef>
+          <a:fillRef idx="1">
+            <a:schemeClr val="accent1"/>
+          </a:fillRef>
+          <a:effectRef idx="0">
+            <a:schemeClr val="accent1"/>
+          </a:effectRef>
+          <a:fontRef idx="minor">
+            <a:schemeClr val="lt1"/>
+          </a:fontRef>
+        </p:style>
+        <p:txBody>
+          <a:bodyPr rtlCol="0" anchor="ctr"/>
+          <a:lstStyle/>
+          <a:p>
+            <a:pPr algn="ctr"/>
+            <a:r>
+              <a:rPr lang="de-DE" sz="1200" dirty="0" err="1"/>
+              <a:t>postgres-configmap</a:t>
+            </a:r>
+            <a:endParaRPr lang="de-DE" sz="1200" dirty="0"/>
+          </a:p>
+        </p:txBody>
+      </p:sp>
+      <p:sp>
+        <p:nvSpPr>
+          <p:cNvPr id="23" name="Rechteck 22">
+            <a:extLst>
+              <a:ext uri="{FF2B5EF4-FFF2-40B4-BE49-F238E27FC236}">
+                <a16:creationId xmlns:a16="http://schemas.microsoft.com/office/drawing/2014/main" id="{C7A95584-A429-2741-9DE4-E5F9D8D5EC2B}"/>
+              </a:ext>
+            </a:extLst>
+          </p:cNvPr>
+          <p:cNvSpPr/>
+          <p:nvPr/>
+        </p:nvSpPr>
+        <p:spPr>
+          <a:xfrm>
+            <a:off x="2735890" y="3956376"/>
+            <a:ext cx="1656230" cy="432060"/>
+          </a:xfrm>
+          <a:prstGeom prst="rect">
+            <a:avLst/>
+          </a:prstGeom>
+          <a:solidFill>
+            <a:srgbClr val="0070C0"/>
+          </a:solidFill>
+          <a:ln>
+            <a:noFill/>
+          </a:ln>
+        </p:spPr>
+        <p:style>
+          <a:lnRef idx="2">
+            <a:schemeClr val="accent1">
+              <a:shade val="50000"/>
+            </a:schemeClr>
+          </a:lnRef>
+          <a:fillRef idx="1">
+            <a:schemeClr val="accent1"/>
+          </a:fillRef>
+          <a:effectRef idx="0">
+            <a:schemeClr val="accent1"/>
+          </a:effectRef>
+          <a:fontRef idx="minor">
+            <a:schemeClr val="lt1"/>
+          </a:fontRef>
+        </p:style>
+        <p:txBody>
+          <a:bodyPr rtlCol="0" anchor="ctr"/>
+          <a:lstStyle/>
+          <a:p>
+            <a:pPr algn="ctr"/>
+            <a:r>
+              <a:rPr lang="de-DE" sz="1200" dirty="0" err="1"/>
+              <a:t>postgres-deployment</a:t>
+            </a:r>
+            <a:endParaRPr lang="de-DE" sz="1200" dirty="0"/>
+          </a:p>
+        </p:txBody>
+      </p:sp>
+      <p:sp>
+        <p:nvSpPr>
+          <p:cNvPr id="24" name="Rechteck 23">
+            <a:extLst>
+              <a:ext uri="{FF2B5EF4-FFF2-40B4-BE49-F238E27FC236}">
+                <a16:creationId xmlns:a16="http://schemas.microsoft.com/office/drawing/2014/main" id="{D4DC9B4E-95E8-C64C-A82D-77ACE9072CBC}"/>
+              </a:ext>
+            </a:extLst>
+          </p:cNvPr>
+          <p:cNvSpPr/>
+          <p:nvPr/>
+        </p:nvSpPr>
+        <p:spPr>
+          <a:xfrm>
+            <a:off x="4824180" y="3088080"/>
+            <a:ext cx="1656230" cy="432060"/>
+          </a:xfrm>
+          <a:prstGeom prst="rect">
+            <a:avLst/>
+          </a:prstGeom>
+          <a:solidFill>
+            <a:srgbClr val="FF6451"/>
+          </a:solidFill>
+          <a:ln>
+            <a:noFill/>
+          </a:ln>
+        </p:spPr>
+        <p:style>
+          <a:lnRef idx="2">
+            <a:schemeClr val="accent1">
+              <a:shade val="50000"/>
+            </a:schemeClr>
+          </a:lnRef>
+          <a:fillRef idx="1">
+            <a:schemeClr val="accent1"/>
+          </a:fillRef>
+          <a:effectRef idx="0">
+            <a:schemeClr val="accent1"/>
+          </a:effectRef>
+          <a:fontRef idx="minor">
+            <a:schemeClr val="lt1"/>
+          </a:fontRef>
+        </p:style>
+        <p:txBody>
+          <a:bodyPr rtlCol="0" anchor="ctr"/>
+          <a:lstStyle/>
+          <a:p>
+            <a:pPr algn="ctr"/>
+            <a:r>
+              <a:rPr lang="de-DE" sz="1200" dirty="0"/>
+              <a:t>grafana-service</a:t>
+            </a:r>
+          </a:p>
+        </p:txBody>
+      </p:sp>
+      <p:sp>
+        <p:nvSpPr>
+          <p:cNvPr id="26" name="Rechteck 25">
+            <a:extLst>
+              <a:ext uri="{FF2B5EF4-FFF2-40B4-BE49-F238E27FC236}">
+                <a16:creationId xmlns:a16="http://schemas.microsoft.com/office/drawing/2014/main" id="{AA1FC284-6427-0F49-95AD-A4FA3EBDA675}"/>
+              </a:ext>
+            </a:extLst>
+          </p:cNvPr>
+          <p:cNvSpPr/>
+          <p:nvPr/>
+        </p:nvSpPr>
+        <p:spPr>
+          <a:xfrm>
+            <a:off x="4824180" y="3956376"/>
+            <a:ext cx="1656230" cy="432060"/>
+          </a:xfrm>
+          <a:prstGeom prst="rect">
+            <a:avLst/>
+          </a:prstGeom>
+          <a:solidFill>
+            <a:srgbClr val="FF6451"/>
+          </a:solidFill>
+          <a:ln>
+            <a:noFill/>
+          </a:ln>
+        </p:spPr>
+        <p:style>
+          <a:lnRef idx="2">
+            <a:schemeClr val="accent1">
+              <a:shade val="50000"/>
+            </a:schemeClr>
+          </a:lnRef>
+          <a:fillRef idx="1">
+            <a:schemeClr val="accent1"/>
+          </a:fillRef>
+          <a:effectRef idx="0">
+            <a:schemeClr val="accent1"/>
+          </a:effectRef>
+          <a:fontRef idx="minor">
+            <a:schemeClr val="lt1"/>
+          </a:fontRef>
+        </p:style>
+        <p:txBody>
+          <a:bodyPr rtlCol="0" anchor="ctr"/>
+          <a:lstStyle/>
+          <a:p>
+            <a:pPr algn="ctr"/>
+            <a:r>
+              <a:rPr lang="de-DE" sz="1200" dirty="0"/>
+              <a:t>grafana-</a:t>
+            </a:r>
+            <a:r>
+              <a:rPr lang="de-DE" sz="1200" dirty="0" err="1"/>
+              <a:t>deployment</a:t>
+            </a:r>
+            <a:endParaRPr lang="de-DE" sz="1200" dirty="0"/>
+          </a:p>
+        </p:txBody>
+      </p:sp>
+      <p:sp>
+        <p:nvSpPr>
+          <p:cNvPr id="27" name="Rechteck 26">
+            <a:extLst>
+              <a:ext uri="{FF2B5EF4-FFF2-40B4-BE49-F238E27FC236}">
+                <a16:creationId xmlns:a16="http://schemas.microsoft.com/office/drawing/2014/main" id="{6EDB4DA6-D209-7E4C-8C3B-F1137A50C21D}"/>
+              </a:ext>
+            </a:extLst>
+          </p:cNvPr>
+          <p:cNvSpPr/>
+          <p:nvPr/>
+        </p:nvSpPr>
+        <p:spPr>
+          <a:xfrm>
+            <a:off x="6912470" y="4820128"/>
+            <a:ext cx="1656230" cy="432060"/>
+          </a:xfrm>
+          <a:prstGeom prst="rect">
+            <a:avLst/>
+          </a:prstGeom>
+          <a:solidFill>
+            <a:srgbClr val="FF6451"/>
+          </a:solidFill>
+          <a:ln>
+            <a:noFill/>
+          </a:ln>
+        </p:spPr>
+        <p:style>
+          <a:lnRef idx="2">
+            <a:schemeClr val="accent1">
+              <a:shade val="50000"/>
+            </a:schemeClr>
+          </a:lnRef>
+          <a:fillRef idx="1">
+            <a:schemeClr val="accent1"/>
+          </a:fillRef>
+          <a:effectRef idx="0">
+            <a:schemeClr val="accent1"/>
+          </a:effectRef>
+          <a:fontRef idx="minor">
+            <a:schemeClr val="lt1"/>
+          </a:fontRef>
+        </p:style>
+        <p:txBody>
+          <a:bodyPr rtlCol="0" anchor="ctr"/>
+          <a:lstStyle/>
+          <a:p>
+            <a:pPr algn="ctr"/>
+            <a:r>
+              <a:rPr lang="de-DE" sz="1200" dirty="0"/>
+              <a:t>grafana-</a:t>
+            </a:r>
+            <a:r>
+              <a:rPr lang="de-DE" sz="1200" dirty="0" err="1"/>
+              <a:t>secret</a:t>
+            </a:r>
+            <a:endParaRPr lang="de-DE" sz="1200" dirty="0"/>
+          </a:p>
+        </p:txBody>
+      </p:sp>
+      <p:cxnSp>
+        <p:nvCxnSpPr>
+          <p:cNvPr id="28" name="Gerade Verbindung mit Pfeil 27">
+            <a:extLst>
+              <a:ext uri="{FF2B5EF4-FFF2-40B4-BE49-F238E27FC236}">
+                <a16:creationId xmlns:a16="http://schemas.microsoft.com/office/drawing/2014/main" id="{6CD14F4E-810D-7B45-9AFC-82D4AB837CF7}"/>
+              </a:ext>
+            </a:extLst>
+          </p:cNvPr>
+          <p:cNvCxnSpPr>
+            <a:cxnSpLocks/>
+            <a:stCxn id="23" idx="2"/>
+            <a:endCxn id="13" idx="0"/>
+          </p:cNvCxnSpPr>
+          <p:nvPr/>
+        </p:nvCxnSpPr>
+        <p:spPr>
+          <a:xfrm>
+            <a:off x="3564005" y="4388436"/>
+            <a:ext cx="0" cy="436236"/>
+          </a:xfrm>
+          <a:prstGeom prst="straightConnector1">
+            <a:avLst/>
+          </a:prstGeom>
+          <a:ln>
+            <a:solidFill>
+              <a:schemeClr val="tx1"/>
+            </a:solidFill>
+            <a:tailEnd type="triangle"/>
+          </a:ln>
+        </p:spPr>
+        <p:style>
+          <a:lnRef idx="1">
+            <a:schemeClr val="accent1"/>
+          </a:lnRef>
+          <a:fillRef idx="0">
+            <a:schemeClr val="accent1"/>
+          </a:fillRef>
+          <a:effectRef idx="0">
+            <a:schemeClr val="accent1"/>
+          </a:effectRef>
+          <a:fontRef idx="minor">
+            <a:schemeClr val="tx1"/>
+          </a:fontRef>
+        </p:style>
+      </p:cxnSp>
+      <p:cxnSp>
+        <p:nvCxnSpPr>
+          <p:cNvPr id="30" name="Gewinkelte Verbindung 29">
+            <a:extLst>
+              <a:ext uri="{FF2B5EF4-FFF2-40B4-BE49-F238E27FC236}">
+                <a16:creationId xmlns:a16="http://schemas.microsoft.com/office/drawing/2014/main" id="{E045D9E9-9C2D-4047-A2B6-04D2498A4902}"/>
+              </a:ext>
+            </a:extLst>
+          </p:cNvPr>
+          <p:cNvCxnSpPr>
+            <a:cxnSpLocks/>
+            <a:stCxn id="26" idx="2"/>
+            <a:endCxn id="27" idx="0"/>
+          </p:cNvCxnSpPr>
+          <p:nvPr/>
+        </p:nvCxnSpPr>
+        <p:spPr>
+          <a:xfrm rot="16200000" flipH="1">
+            <a:off x="6480594" y="3560137"/>
+            <a:ext cx="431692" cy="2088290"/>
+          </a:xfrm>
+          <a:prstGeom prst="bentConnector3">
+            <a:avLst>
+              <a:gd name="adj1" fmla="val 50000"/>
+            </a:avLst>
+          </a:prstGeom>
+          <a:ln>
+            <a:solidFill>
+              <a:schemeClr val="tx1"/>
+            </a:solidFill>
+            <a:tailEnd type="triangle"/>
+          </a:ln>
+        </p:spPr>
+        <p:style>
+          <a:lnRef idx="1">
+            <a:schemeClr val="accent1"/>
+          </a:lnRef>
+          <a:fillRef idx="0">
+            <a:schemeClr val="accent1"/>
+          </a:fillRef>
+          <a:effectRef idx="0">
+            <a:schemeClr val="accent1"/>
+          </a:effectRef>
+          <a:fontRef idx="minor">
+            <a:schemeClr val="tx1"/>
+          </a:fontRef>
+        </p:style>
+      </p:cxnSp>
+      <p:cxnSp>
+        <p:nvCxnSpPr>
+          <p:cNvPr id="31" name="Gerade Verbindung mit Pfeil 30">
+            <a:extLst>
+              <a:ext uri="{FF2B5EF4-FFF2-40B4-BE49-F238E27FC236}">
+                <a16:creationId xmlns:a16="http://schemas.microsoft.com/office/drawing/2014/main" id="{FD6B835D-5FB3-8042-A5D8-0FAD46304608}"/>
+              </a:ext>
+            </a:extLst>
+          </p:cNvPr>
+          <p:cNvCxnSpPr>
+            <a:cxnSpLocks/>
+            <a:stCxn id="12" idx="2"/>
+            <a:endCxn id="23" idx="0"/>
+          </p:cNvCxnSpPr>
+          <p:nvPr/>
+        </p:nvCxnSpPr>
+        <p:spPr>
+          <a:xfrm>
+            <a:off x="3564005" y="3520140"/>
+            <a:ext cx="0" cy="436236"/>
+          </a:xfrm>
+          <a:prstGeom prst="straightConnector1">
+            <a:avLst/>
+          </a:prstGeom>
+          <a:ln>
+            <a:solidFill>
+              <a:schemeClr val="tx1"/>
+            </a:solidFill>
+            <a:tailEnd type="triangle"/>
+          </a:ln>
+        </p:spPr>
+        <p:style>
+          <a:lnRef idx="1">
+            <a:schemeClr val="accent1"/>
+          </a:lnRef>
+          <a:fillRef idx="0">
+            <a:schemeClr val="accent1"/>
+          </a:fillRef>
+          <a:effectRef idx="0">
+            <a:schemeClr val="accent1"/>
+          </a:effectRef>
+          <a:fontRef idx="minor">
+            <a:schemeClr val="tx1"/>
+          </a:fontRef>
+        </p:style>
+      </p:cxnSp>
+      <p:cxnSp>
+        <p:nvCxnSpPr>
+          <p:cNvPr id="32" name="Gerade Verbindung mit Pfeil 31">
+            <a:extLst>
+              <a:ext uri="{FF2B5EF4-FFF2-40B4-BE49-F238E27FC236}">
+                <a16:creationId xmlns:a16="http://schemas.microsoft.com/office/drawing/2014/main" id="{ED21C911-02CD-B04F-B644-6CA53A4858E0}"/>
+              </a:ext>
+            </a:extLst>
+          </p:cNvPr>
+          <p:cNvCxnSpPr>
+            <a:cxnSpLocks/>
+            <a:stCxn id="24" idx="2"/>
+            <a:endCxn id="26" idx="0"/>
+          </p:cNvCxnSpPr>
+          <p:nvPr/>
+        </p:nvCxnSpPr>
+        <p:spPr>
+          <a:xfrm>
+            <a:off x="5652295" y="3520140"/>
+            <a:ext cx="0" cy="436236"/>
+          </a:xfrm>
+          <a:prstGeom prst="straightConnector1">
+            <a:avLst/>
+          </a:prstGeom>
+          <a:ln>
+            <a:solidFill>
+              <a:schemeClr val="tx1"/>
+            </a:solidFill>
+            <a:tailEnd type="triangle"/>
+          </a:ln>
+        </p:spPr>
+        <p:style>
+          <a:lnRef idx="1">
+            <a:schemeClr val="accent1"/>
+          </a:lnRef>
+          <a:fillRef idx="0">
+            <a:schemeClr val="accent1"/>
+          </a:fillRef>
+          <a:effectRef idx="0">
+            <a:schemeClr val="accent1"/>
+          </a:effectRef>
+          <a:fontRef idx="minor">
+            <a:schemeClr val="tx1"/>
+          </a:fontRef>
+        </p:style>
+      </p:cxnSp>
+      <p:cxnSp>
+        <p:nvCxnSpPr>
+          <p:cNvPr id="34" name="Gerade Verbindung mit Pfeil 33">
+            <a:extLst>
+              <a:ext uri="{FF2B5EF4-FFF2-40B4-BE49-F238E27FC236}">
+                <a16:creationId xmlns:a16="http://schemas.microsoft.com/office/drawing/2014/main" id="{0DFE2166-F325-2F49-A418-1DBC32AF6695}"/>
+              </a:ext>
+            </a:extLst>
+          </p:cNvPr>
+          <p:cNvCxnSpPr>
+            <a:cxnSpLocks/>
+          </p:cNvCxnSpPr>
+          <p:nvPr/>
+        </p:nvCxnSpPr>
+        <p:spPr>
+          <a:xfrm>
+            <a:off x="5652295" y="2656020"/>
+            <a:ext cx="0" cy="432060"/>
+          </a:xfrm>
+          <a:prstGeom prst="straightConnector1">
+            <a:avLst/>
+          </a:prstGeom>
+          <a:ln>
+            <a:solidFill>
+              <a:schemeClr val="tx1"/>
+            </a:solidFill>
+            <a:tailEnd type="triangle"/>
+          </a:ln>
+        </p:spPr>
+        <p:style>
+          <a:lnRef idx="1">
+            <a:schemeClr val="accent1"/>
+          </a:lnRef>
+          <a:fillRef idx="0">
+            <a:schemeClr val="accent1"/>
+          </a:fillRef>
+          <a:effectRef idx="0">
+            <a:schemeClr val="accent1"/>
+          </a:effectRef>
+          <a:fontRef idx="minor">
+            <a:schemeClr val="tx1"/>
+          </a:fontRef>
+        </p:style>
+      </p:cxnSp>
+      <p:sp>
+        <p:nvSpPr>
+          <p:cNvPr id="35" name="Textfeld 34">
+            <a:extLst>
+              <a:ext uri="{FF2B5EF4-FFF2-40B4-BE49-F238E27FC236}">
+                <a16:creationId xmlns:a16="http://schemas.microsoft.com/office/drawing/2014/main" id="{1484E950-8AB5-154E-92A8-5DA4124EE31B}"/>
+              </a:ext>
+            </a:extLst>
+          </p:cNvPr>
+          <p:cNvSpPr txBox="1"/>
+          <p:nvPr/>
+        </p:nvSpPr>
+        <p:spPr>
+          <a:xfrm>
+            <a:off x="5112225" y="2381247"/>
+            <a:ext cx="1080139" cy="276999"/>
+          </a:xfrm>
+          <a:prstGeom prst="rect">
+            <a:avLst/>
+          </a:prstGeom>
+          <a:noFill/>
+        </p:spPr>
+        <p:txBody>
+          <a:bodyPr wrap="square" rtlCol="0">
+            <a:spAutoFit/>
           </a:bodyPr>
           <a:lstStyle/>
           <a:p>
-            <a:r>
-              <a:rPr lang="de-DE" dirty="0" err="1"/>
-              <a:t>Blablabla</a:t>
-            </a:r>
-            <a:endParaRPr lang="de-DE" dirty="0"/>
+            <a:pPr algn="ctr"/>
+            <a:r>
+              <a:rPr lang="de-DE" sz="1200" dirty="0"/>
+              <a:t>Browser</a:t>
+            </a:r>
           </a:p>
         </p:txBody>
       </p:sp>
+      <p:sp>
+        <p:nvSpPr>
+          <p:cNvPr id="36" name="Rechteck 35">
+            <a:extLst>
+              <a:ext uri="{FF2B5EF4-FFF2-40B4-BE49-F238E27FC236}">
+                <a16:creationId xmlns:a16="http://schemas.microsoft.com/office/drawing/2014/main" id="{080EB723-9F3D-7D44-83DF-343961F055E4}"/>
+              </a:ext>
+            </a:extLst>
+          </p:cNvPr>
+          <p:cNvSpPr/>
+          <p:nvPr/>
+        </p:nvSpPr>
+        <p:spPr>
+          <a:xfrm>
+            <a:off x="647600" y="4820128"/>
+            <a:ext cx="1656230" cy="432060"/>
+          </a:xfrm>
+          <a:prstGeom prst="rect">
+            <a:avLst/>
+          </a:prstGeom>
+          <a:solidFill>
+            <a:srgbClr val="0070C0"/>
+          </a:solidFill>
+          <a:ln>
+            <a:noFill/>
+          </a:ln>
+        </p:spPr>
+        <p:style>
+          <a:lnRef idx="2">
+            <a:schemeClr val="accent1">
+              <a:shade val="50000"/>
+            </a:schemeClr>
+          </a:lnRef>
+          <a:fillRef idx="1">
+            <a:schemeClr val="accent1"/>
+          </a:fillRef>
+          <a:effectRef idx="0">
+            <a:schemeClr val="accent1"/>
+          </a:effectRef>
+          <a:fontRef idx="minor">
+            <a:schemeClr val="lt1"/>
+          </a:fontRef>
+        </p:style>
+        <p:txBody>
+          <a:bodyPr rtlCol="0" anchor="ctr"/>
+          <a:lstStyle/>
+          <a:p>
+            <a:pPr algn="ctr"/>
+            <a:r>
+              <a:rPr lang="de-DE" sz="1200" dirty="0" err="1"/>
+              <a:t>postgres-secret</a:t>
+            </a:r>
+            <a:endParaRPr lang="de-DE" sz="1200" dirty="0"/>
+          </a:p>
+        </p:txBody>
+      </p:sp>
+      <p:cxnSp>
+        <p:nvCxnSpPr>
+          <p:cNvPr id="37" name="Gewinkelte Verbindung 36">
+            <a:extLst>
+              <a:ext uri="{FF2B5EF4-FFF2-40B4-BE49-F238E27FC236}">
+                <a16:creationId xmlns:a16="http://schemas.microsoft.com/office/drawing/2014/main" id="{EC658EAC-AF6B-BB43-AD05-3FC8C1AAAC8B}"/>
+              </a:ext>
+            </a:extLst>
+          </p:cNvPr>
+          <p:cNvCxnSpPr>
+            <a:cxnSpLocks/>
+            <a:stCxn id="23" idx="2"/>
+            <a:endCxn id="36" idx="0"/>
+          </p:cNvCxnSpPr>
+          <p:nvPr/>
+        </p:nvCxnSpPr>
+        <p:spPr>
+          <a:xfrm rot="5400000">
+            <a:off x="2304014" y="3560137"/>
+            <a:ext cx="431692" cy="2088290"/>
+          </a:xfrm>
+          <a:prstGeom prst="bentConnector3">
+            <a:avLst>
+              <a:gd name="adj1" fmla="val 50000"/>
+            </a:avLst>
+          </a:prstGeom>
+          <a:ln>
+            <a:solidFill>
+              <a:schemeClr val="tx1"/>
+            </a:solidFill>
+            <a:tailEnd type="triangle"/>
+          </a:ln>
+        </p:spPr>
+        <p:style>
+          <a:lnRef idx="1">
+            <a:schemeClr val="accent1"/>
+          </a:lnRef>
+          <a:fillRef idx="0">
+            <a:schemeClr val="accent1"/>
+          </a:fillRef>
+          <a:effectRef idx="0">
+            <a:schemeClr val="accent1"/>
+          </a:effectRef>
+          <a:fontRef idx="minor">
+            <a:schemeClr val="tx1"/>
+          </a:fontRef>
+        </p:style>
+      </p:cxnSp>
     </p:spTree>
     <p:extLst>
       <p:ext uri="{BB962C8B-B14F-4D97-AF65-F5344CB8AC3E}">
-        <p14:creationId xmlns:p14="http://schemas.microsoft.com/office/powerpoint/2010/main" val="3933550168"/>
+        <p14:creationId xmlns:p14="http://schemas.microsoft.com/office/powerpoint/2010/main" val="2462981777"/>
       </p:ext>
     </p:extLst>
   </p:cSld>
@@ -5524,123 +7297,884 @@
           <a:lstStyle/>
           <a:p>
             <a:r>
-              <a:rPr lang="de-DE" dirty="0" err="1"/>
-              <a:t>ConfigMaps</a:t>
-            </a:r>
-            <a:r>
               <a:rPr lang="de-DE" dirty="0"/>
-              <a:t> erzeugen</a:t>
+              <a:t>Datenquelle vorkonfigurieren</a:t>
             </a:r>
           </a:p>
         </p:txBody>
       </p:sp>
       <p:sp>
         <p:nvSpPr>
-          <p:cNvPr id="3" name="Inhaltsplatzhalter 2">
+          <p:cNvPr id="12" name="Rechteck 11">
             <a:extLst>
               <a:ext uri="{FF2B5EF4-FFF2-40B4-BE49-F238E27FC236}">
-                <a16:creationId xmlns:a16="http://schemas.microsoft.com/office/drawing/2014/main" id="{0EEB0F87-B7B4-B946-A3AA-B4CFBE864340}"/>
+                <a16:creationId xmlns:a16="http://schemas.microsoft.com/office/drawing/2014/main" id="{57A7CC03-CA37-A247-AF54-5D0403616895}"/>
               </a:ext>
             </a:extLst>
           </p:cNvPr>
-          <p:cNvSpPr>
-            <a:spLocks noGrp="1"/>
-          </p:cNvSpPr>
-          <p:nvPr>
-            <p:ph idx="1"/>
-          </p:nvPr>
-        </p:nvSpPr>
-        <p:spPr/>
+          <p:cNvSpPr/>
+          <p:nvPr/>
+        </p:nvSpPr>
+        <p:spPr>
+          <a:xfrm>
+            <a:off x="2735890" y="3088080"/>
+            <a:ext cx="1656230" cy="432060"/>
+          </a:xfrm>
+          <a:prstGeom prst="rect">
+            <a:avLst/>
+          </a:prstGeom>
+          <a:solidFill>
+            <a:srgbClr val="0070C0"/>
+          </a:solidFill>
+          <a:ln>
+            <a:noFill/>
+          </a:ln>
+        </p:spPr>
+        <p:style>
+          <a:lnRef idx="2">
+            <a:schemeClr val="accent1">
+              <a:shade val="50000"/>
+            </a:schemeClr>
+          </a:lnRef>
+          <a:fillRef idx="1">
+            <a:schemeClr val="accent1"/>
+          </a:fillRef>
+          <a:effectRef idx="0">
+            <a:schemeClr val="accent1"/>
+          </a:effectRef>
+          <a:fontRef idx="minor">
+            <a:schemeClr val="lt1"/>
+          </a:fontRef>
+        </p:style>
         <p:txBody>
-          <a:bodyPr>
-            <a:normAutofit/>
+          <a:bodyPr rtlCol="0" anchor="ctr"/>
+          <a:lstStyle/>
+          <a:p>
+            <a:pPr algn="ctr"/>
+            <a:r>
+              <a:rPr lang="de-DE" sz="1200" dirty="0" err="1"/>
+              <a:t>postgres</a:t>
+            </a:r>
+            <a:r>
+              <a:rPr lang="de-DE" sz="1200" dirty="0"/>
+              <a:t>-service</a:t>
+            </a:r>
+          </a:p>
+        </p:txBody>
+      </p:sp>
+      <p:sp>
+        <p:nvSpPr>
+          <p:cNvPr id="13" name="Rechteck 12">
+            <a:extLst>
+              <a:ext uri="{FF2B5EF4-FFF2-40B4-BE49-F238E27FC236}">
+                <a16:creationId xmlns:a16="http://schemas.microsoft.com/office/drawing/2014/main" id="{4CC83FC3-1958-A749-8D16-6920AA979673}"/>
+              </a:ext>
+            </a:extLst>
+          </p:cNvPr>
+          <p:cNvSpPr/>
+          <p:nvPr/>
+        </p:nvSpPr>
+        <p:spPr>
+          <a:xfrm>
+            <a:off x="2735890" y="4824672"/>
+            <a:ext cx="1656230" cy="432060"/>
+          </a:xfrm>
+          <a:prstGeom prst="rect">
+            <a:avLst/>
+          </a:prstGeom>
+          <a:solidFill>
+            <a:srgbClr val="0070C0"/>
+          </a:solidFill>
+          <a:ln>
+            <a:noFill/>
+          </a:ln>
+        </p:spPr>
+        <p:style>
+          <a:lnRef idx="2">
+            <a:schemeClr val="accent1">
+              <a:shade val="50000"/>
+            </a:schemeClr>
+          </a:lnRef>
+          <a:fillRef idx="1">
+            <a:schemeClr val="accent1"/>
+          </a:fillRef>
+          <a:effectRef idx="0">
+            <a:schemeClr val="accent1"/>
+          </a:effectRef>
+          <a:fontRef idx="minor">
+            <a:schemeClr val="lt1"/>
+          </a:fontRef>
+        </p:style>
+        <p:txBody>
+          <a:bodyPr rtlCol="0" anchor="ctr"/>
+          <a:lstStyle/>
+          <a:p>
+            <a:pPr algn="ctr"/>
+            <a:r>
+              <a:rPr lang="de-DE" sz="1200" dirty="0" err="1"/>
+              <a:t>postgres-configmap</a:t>
+            </a:r>
+            <a:endParaRPr lang="de-DE" sz="1200" dirty="0"/>
+          </a:p>
+        </p:txBody>
+      </p:sp>
+      <p:sp>
+        <p:nvSpPr>
+          <p:cNvPr id="23" name="Rechteck 22">
+            <a:extLst>
+              <a:ext uri="{FF2B5EF4-FFF2-40B4-BE49-F238E27FC236}">
+                <a16:creationId xmlns:a16="http://schemas.microsoft.com/office/drawing/2014/main" id="{C7A95584-A429-2741-9DE4-E5F9D8D5EC2B}"/>
+              </a:ext>
+            </a:extLst>
+          </p:cNvPr>
+          <p:cNvSpPr/>
+          <p:nvPr/>
+        </p:nvSpPr>
+        <p:spPr>
+          <a:xfrm>
+            <a:off x="2735890" y="3956376"/>
+            <a:ext cx="1656230" cy="432060"/>
+          </a:xfrm>
+          <a:prstGeom prst="rect">
+            <a:avLst/>
+          </a:prstGeom>
+          <a:solidFill>
+            <a:srgbClr val="0070C0"/>
+          </a:solidFill>
+          <a:ln>
+            <a:noFill/>
+          </a:ln>
+        </p:spPr>
+        <p:style>
+          <a:lnRef idx="2">
+            <a:schemeClr val="accent1">
+              <a:shade val="50000"/>
+            </a:schemeClr>
+          </a:lnRef>
+          <a:fillRef idx="1">
+            <a:schemeClr val="accent1"/>
+          </a:fillRef>
+          <a:effectRef idx="0">
+            <a:schemeClr val="accent1"/>
+          </a:effectRef>
+          <a:fontRef idx="minor">
+            <a:schemeClr val="lt1"/>
+          </a:fontRef>
+        </p:style>
+        <p:txBody>
+          <a:bodyPr rtlCol="0" anchor="ctr"/>
+          <a:lstStyle/>
+          <a:p>
+            <a:pPr algn="ctr"/>
+            <a:r>
+              <a:rPr lang="de-DE" sz="1200" dirty="0" err="1"/>
+              <a:t>postgres-deployment</a:t>
+            </a:r>
+            <a:endParaRPr lang="de-DE" sz="1200" dirty="0"/>
+          </a:p>
+        </p:txBody>
+      </p:sp>
+      <p:sp>
+        <p:nvSpPr>
+          <p:cNvPr id="24" name="Rechteck 23">
+            <a:extLst>
+              <a:ext uri="{FF2B5EF4-FFF2-40B4-BE49-F238E27FC236}">
+                <a16:creationId xmlns:a16="http://schemas.microsoft.com/office/drawing/2014/main" id="{D4DC9B4E-95E8-C64C-A82D-77ACE9072CBC}"/>
+              </a:ext>
+            </a:extLst>
+          </p:cNvPr>
+          <p:cNvSpPr/>
+          <p:nvPr/>
+        </p:nvSpPr>
+        <p:spPr>
+          <a:xfrm>
+            <a:off x="4824180" y="3088080"/>
+            <a:ext cx="1656230" cy="432060"/>
+          </a:xfrm>
+          <a:prstGeom prst="rect">
+            <a:avLst/>
+          </a:prstGeom>
+          <a:solidFill>
+            <a:srgbClr val="FF6451"/>
+          </a:solidFill>
+          <a:ln>
+            <a:noFill/>
+          </a:ln>
+        </p:spPr>
+        <p:style>
+          <a:lnRef idx="2">
+            <a:schemeClr val="accent1">
+              <a:shade val="50000"/>
+            </a:schemeClr>
+          </a:lnRef>
+          <a:fillRef idx="1">
+            <a:schemeClr val="accent1"/>
+          </a:fillRef>
+          <a:effectRef idx="0">
+            <a:schemeClr val="accent1"/>
+          </a:effectRef>
+          <a:fontRef idx="minor">
+            <a:schemeClr val="lt1"/>
+          </a:fontRef>
+        </p:style>
+        <p:txBody>
+          <a:bodyPr rtlCol="0" anchor="ctr"/>
+          <a:lstStyle/>
+          <a:p>
+            <a:pPr algn="ctr"/>
+            <a:r>
+              <a:rPr lang="de-DE" sz="1200" dirty="0"/>
+              <a:t>grafana-service</a:t>
+            </a:r>
+          </a:p>
+        </p:txBody>
+      </p:sp>
+      <p:sp>
+        <p:nvSpPr>
+          <p:cNvPr id="25" name="Rechteck 24">
+            <a:extLst>
+              <a:ext uri="{FF2B5EF4-FFF2-40B4-BE49-F238E27FC236}">
+                <a16:creationId xmlns:a16="http://schemas.microsoft.com/office/drawing/2014/main" id="{BD9E4887-F65C-4C42-A9BD-A70DBADC8765}"/>
+              </a:ext>
+            </a:extLst>
+          </p:cNvPr>
+          <p:cNvSpPr/>
+          <p:nvPr/>
+        </p:nvSpPr>
+        <p:spPr>
+          <a:xfrm>
+            <a:off x="4824180" y="4820128"/>
+            <a:ext cx="1656230" cy="432060"/>
+          </a:xfrm>
+          <a:prstGeom prst="rect">
+            <a:avLst/>
+          </a:prstGeom>
+          <a:solidFill>
+            <a:srgbClr val="FF6451"/>
+          </a:solidFill>
+          <a:ln>
+            <a:noFill/>
+          </a:ln>
+        </p:spPr>
+        <p:style>
+          <a:lnRef idx="2">
+            <a:schemeClr val="accent1">
+              <a:shade val="50000"/>
+            </a:schemeClr>
+          </a:lnRef>
+          <a:fillRef idx="1">
+            <a:schemeClr val="accent1"/>
+          </a:fillRef>
+          <a:effectRef idx="0">
+            <a:schemeClr val="accent1"/>
+          </a:effectRef>
+          <a:fontRef idx="minor">
+            <a:schemeClr val="lt1"/>
+          </a:fontRef>
+        </p:style>
+        <p:txBody>
+          <a:bodyPr rtlCol="0" anchor="ctr"/>
+          <a:lstStyle/>
+          <a:p>
+            <a:pPr algn="ctr"/>
+            <a:r>
+              <a:rPr lang="de-DE" sz="1200" dirty="0"/>
+              <a:t>grafana-</a:t>
+            </a:r>
+            <a:r>
+              <a:rPr lang="de-DE" sz="1200" dirty="0" err="1"/>
+              <a:t>configmap</a:t>
+            </a:r>
+            <a:endParaRPr lang="de-DE" sz="1200" dirty="0"/>
+          </a:p>
+        </p:txBody>
+      </p:sp>
+      <p:sp>
+        <p:nvSpPr>
+          <p:cNvPr id="26" name="Rechteck 25">
+            <a:extLst>
+              <a:ext uri="{FF2B5EF4-FFF2-40B4-BE49-F238E27FC236}">
+                <a16:creationId xmlns:a16="http://schemas.microsoft.com/office/drawing/2014/main" id="{AA1FC284-6427-0F49-95AD-A4FA3EBDA675}"/>
+              </a:ext>
+            </a:extLst>
+          </p:cNvPr>
+          <p:cNvSpPr/>
+          <p:nvPr/>
+        </p:nvSpPr>
+        <p:spPr>
+          <a:xfrm>
+            <a:off x="4824180" y="3956376"/>
+            <a:ext cx="1656230" cy="432060"/>
+          </a:xfrm>
+          <a:prstGeom prst="rect">
+            <a:avLst/>
+          </a:prstGeom>
+          <a:solidFill>
+            <a:srgbClr val="FF6451"/>
+          </a:solidFill>
+          <a:ln>
+            <a:noFill/>
+          </a:ln>
+        </p:spPr>
+        <p:style>
+          <a:lnRef idx="2">
+            <a:schemeClr val="accent1">
+              <a:shade val="50000"/>
+            </a:schemeClr>
+          </a:lnRef>
+          <a:fillRef idx="1">
+            <a:schemeClr val="accent1"/>
+          </a:fillRef>
+          <a:effectRef idx="0">
+            <a:schemeClr val="accent1"/>
+          </a:effectRef>
+          <a:fontRef idx="minor">
+            <a:schemeClr val="lt1"/>
+          </a:fontRef>
+        </p:style>
+        <p:txBody>
+          <a:bodyPr rtlCol="0" anchor="ctr"/>
+          <a:lstStyle/>
+          <a:p>
+            <a:pPr algn="ctr"/>
+            <a:r>
+              <a:rPr lang="de-DE" sz="1200" dirty="0"/>
+              <a:t>grafana-</a:t>
+            </a:r>
+            <a:r>
+              <a:rPr lang="de-DE" sz="1200" dirty="0" err="1"/>
+              <a:t>deployment</a:t>
+            </a:r>
+            <a:endParaRPr lang="de-DE" sz="1200" dirty="0"/>
+          </a:p>
+        </p:txBody>
+      </p:sp>
+      <p:sp>
+        <p:nvSpPr>
+          <p:cNvPr id="27" name="Rechteck 26">
+            <a:extLst>
+              <a:ext uri="{FF2B5EF4-FFF2-40B4-BE49-F238E27FC236}">
+                <a16:creationId xmlns:a16="http://schemas.microsoft.com/office/drawing/2014/main" id="{6EDB4DA6-D209-7E4C-8C3B-F1137A50C21D}"/>
+              </a:ext>
+            </a:extLst>
+          </p:cNvPr>
+          <p:cNvSpPr/>
+          <p:nvPr/>
+        </p:nvSpPr>
+        <p:spPr>
+          <a:xfrm>
+            <a:off x="6912470" y="4820128"/>
+            <a:ext cx="1656230" cy="432060"/>
+          </a:xfrm>
+          <a:prstGeom prst="rect">
+            <a:avLst/>
+          </a:prstGeom>
+          <a:solidFill>
+            <a:srgbClr val="FF6451"/>
+          </a:solidFill>
+          <a:ln>
+            <a:noFill/>
+          </a:ln>
+        </p:spPr>
+        <p:style>
+          <a:lnRef idx="2">
+            <a:schemeClr val="accent1">
+              <a:shade val="50000"/>
+            </a:schemeClr>
+          </a:lnRef>
+          <a:fillRef idx="1">
+            <a:schemeClr val="accent1"/>
+          </a:fillRef>
+          <a:effectRef idx="0">
+            <a:schemeClr val="accent1"/>
+          </a:effectRef>
+          <a:fontRef idx="minor">
+            <a:schemeClr val="lt1"/>
+          </a:fontRef>
+        </p:style>
+        <p:txBody>
+          <a:bodyPr rtlCol="0" anchor="ctr"/>
+          <a:lstStyle/>
+          <a:p>
+            <a:pPr algn="ctr"/>
+            <a:r>
+              <a:rPr lang="de-DE" sz="1200" dirty="0"/>
+              <a:t>grafana-</a:t>
+            </a:r>
+            <a:r>
+              <a:rPr lang="de-DE" sz="1200" dirty="0" err="1"/>
+              <a:t>secret</a:t>
+            </a:r>
+            <a:endParaRPr lang="de-DE" sz="1200" dirty="0"/>
+          </a:p>
+        </p:txBody>
+      </p:sp>
+      <p:cxnSp>
+        <p:nvCxnSpPr>
+          <p:cNvPr id="28" name="Gerade Verbindung mit Pfeil 27">
+            <a:extLst>
+              <a:ext uri="{FF2B5EF4-FFF2-40B4-BE49-F238E27FC236}">
+                <a16:creationId xmlns:a16="http://schemas.microsoft.com/office/drawing/2014/main" id="{6CD14F4E-810D-7B45-9AFC-82D4AB837CF7}"/>
+              </a:ext>
+            </a:extLst>
+          </p:cNvPr>
+          <p:cNvCxnSpPr>
+            <a:cxnSpLocks/>
+            <a:stCxn id="23" idx="2"/>
+            <a:endCxn id="13" idx="0"/>
+          </p:cNvCxnSpPr>
+          <p:nvPr/>
+        </p:nvCxnSpPr>
+        <p:spPr>
+          <a:xfrm>
+            <a:off x="3564005" y="4388436"/>
+            <a:ext cx="0" cy="436236"/>
+          </a:xfrm>
+          <a:prstGeom prst="straightConnector1">
+            <a:avLst/>
+          </a:prstGeom>
+          <a:ln>
+            <a:solidFill>
+              <a:schemeClr val="tx1"/>
+            </a:solidFill>
+            <a:tailEnd type="triangle"/>
+          </a:ln>
+        </p:spPr>
+        <p:style>
+          <a:lnRef idx="1">
+            <a:schemeClr val="accent1"/>
+          </a:lnRef>
+          <a:fillRef idx="0">
+            <a:schemeClr val="accent1"/>
+          </a:fillRef>
+          <a:effectRef idx="0">
+            <a:schemeClr val="accent1"/>
+          </a:effectRef>
+          <a:fontRef idx="minor">
+            <a:schemeClr val="tx1"/>
+          </a:fontRef>
+        </p:style>
+      </p:cxnSp>
+      <p:cxnSp>
+        <p:nvCxnSpPr>
+          <p:cNvPr id="29" name="Gerade Verbindung mit Pfeil 28">
+            <a:extLst>
+              <a:ext uri="{FF2B5EF4-FFF2-40B4-BE49-F238E27FC236}">
+                <a16:creationId xmlns:a16="http://schemas.microsoft.com/office/drawing/2014/main" id="{5A5BEB39-4AF5-C841-9E3B-3C59370CC992}"/>
+              </a:ext>
+            </a:extLst>
+          </p:cNvPr>
+          <p:cNvCxnSpPr>
+            <a:cxnSpLocks/>
+            <a:stCxn id="26" idx="2"/>
+            <a:endCxn id="25" idx="0"/>
+          </p:cNvCxnSpPr>
+          <p:nvPr/>
+        </p:nvCxnSpPr>
+        <p:spPr>
+          <a:xfrm>
+            <a:off x="5652295" y="4388436"/>
+            <a:ext cx="0" cy="431692"/>
+          </a:xfrm>
+          <a:prstGeom prst="straightConnector1">
+            <a:avLst/>
+          </a:prstGeom>
+          <a:ln>
+            <a:solidFill>
+              <a:schemeClr val="tx1"/>
+            </a:solidFill>
+            <a:tailEnd type="triangle"/>
+          </a:ln>
+        </p:spPr>
+        <p:style>
+          <a:lnRef idx="1">
+            <a:schemeClr val="accent1"/>
+          </a:lnRef>
+          <a:fillRef idx="0">
+            <a:schemeClr val="accent1"/>
+          </a:fillRef>
+          <a:effectRef idx="0">
+            <a:schemeClr val="accent1"/>
+          </a:effectRef>
+          <a:fontRef idx="minor">
+            <a:schemeClr val="tx1"/>
+          </a:fontRef>
+        </p:style>
+      </p:cxnSp>
+      <p:cxnSp>
+        <p:nvCxnSpPr>
+          <p:cNvPr id="30" name="Gewinkelte Verbindung 29">
+            <a:extLst>
+              <a:ext uri="{FF2B5EF4-FFF2-40B4-BE49-F238E27FC236}">
+                <a16:creationId xmlns:a16="http://schemas.microsoft.com/office/drawing/2014/main" id="{E045D9E9-9C2D-4047-A2B6-04D2498A4902}"/>
+              </a:ext>
+            </a:extLst>
+          </p:cNvPr>
+          <p:cNvCxnSpPr>
+            <a:cxnSpLocks/>
+            <a:stCxn id="26" idx="2"/>
+            <a:endCxn id="27" idx="0"/>
+          </p:cNvCxnSpPr>
+          <p:nvPr/>
+        </p:nvCxnSpPr>
+        <p:spPr>
+          <a:xfrm rot="16200000" flipH="1">
+            <a:off x="6480594" y="3560137"/>
+            <a:ext cx="431692" cy="2088290"/>
+          </a:xfrm>
+          <a:prstGeom prst="bentConnector3">
+            <a:avLst>
+              <a:gd name="adj1" fmla="val 50000"/>
+            </a:avLst>
+          </a:prstGeom>
+          <a:ln>
+            <a:solidFill>
+              <a:schemeClr val="tx1"/>
+            </a:solidFill>
+            <a:tailEnd type="triangle"/>
+          </a:ln>
+        </p:spPr>
+        <p:style>
+          <a:lnRef idx="1">
+            <a:schemeClr val="accent1"/>
+          </a:lnRef>
+          <a:fillRef idx="0">
+            <a:schemeClr val="accent1"/>
+          </a:fillRef>
+          <a:effectRef idx="0">
+            <a:schemeClr val="accent1"/>
+          </a:effectRef>
+          <a:fontRef idx="minor">
+            <a:schemeClr val="tx1"/>
+          </a:fontRef>
+        </p:style>
+      </p:cxnSp>
+      <p:cxnSp>
+        <p:nvCxnSpPr>
+          <p:cNvPr id="31" name="Gerade Verbindung mit Pfeil 30">
+            <a:extLst>
+              <a:ext uri="{FF2B5EF4-FFF2-40B4-BE49-F238E27FC236}">
+                <a16:creationId xmlns:a16="http://schemas.microsoft.com/office/drawing/2014/main" id="{FD6B835D-5FB3-8042-A5D8-0FAD46304608}"/>
+              </a:ext>
+            </a:extLst>
+          </p:cNvPr>
+          <p:cNvCxnSpPr>
+            <a:cxnSpLocks/>
+            <a:stCxn id="12" idx="2"/>
+            <a:endCxn id="23" idx="0"/>
+          </p:cNvCxnSpPr>
+          <p:nvPr/>
+        </p:nvCxnSpPr>
+        <p:spPr>
+          <a:xfrm>
+            <a:off x="3564005" y="3520140"/>
+            <a:ext cx="0" cy="436236"/>
+          </a:xfrm>
+          <a:prstGeom prst="straightConnector1">
+            <a:avLst/>
+          </a:prstGeom>
+          <a:ln>
+            <a:solidFill>
+              <a:schemeClr val="tx1"/>
+            </a:solidFill>
+            <a:tailEnd type="triangle"/>
+          </a:ln>
+        </p:spPr>
+        <p:style>
+          <a:lnRef idx="1">
+            <a:schemeClr val="accent1"/>
+          </a:lnRef>
+          <a:fillRef idx="0">
+            <a:schemeClr val="accent1"/>
+          </a:fillRef>
+          <a:effectRef idx="0">
+            <a:schemeClr val="accent1"/>
+          </a:effectRef>
+          <a:fontRef idx="minor">
+            <a:schemeClr val="tx1"/>
+          </a:fontRef>
+        </p:style>
+      </p:cxnSp>
+      <p:cxnSp>
+        <p:nvCxnSpPr>
+          <p:cNvPr id="32" name="Gerade Verbindung mit Pfeil 31">
+            <a:extLst>
+              <a:ext uri="{FF2B5EF4-FFF2-40B4-BE49-F238E27FC236}">
+                <a16:creationId xmlns:a16="http://schemas.microsoft.com/office/drawing/2014/main" id="{ED21C911-02CD-B04F-B644-6CA53A4858E0}"/>
+              </a:ext>
+            </a:extLst>
+          </p:cNvPr>
+          <p:cNvCxnSpPr>
+            <a:cxnSpLocks/>
+            <a:stCxn id="24" idx="2"/>
+            <a:endCxn id="26" idx="0"/>
+          </p:cNvCxnSpPr>
+          <p:nvPr/>
+        </p:nvCxnSpPr>
+        <p:spPr>
+          <a:xfrm>
+            <a:off x="5652295" y="3520140"/>
+            <a:ext cx="0" cy="436236"/>
+          </a:xfrm>
+          <a:prstGeom prst="straightConnector1">
+            <a:avLst/>
+          </a:prstGeom>
+          <a:ln>
+            <a:solidFill>
+              <a:schemeClr val="tx1"/>
+            </a:solidFill>
+            <a:tailEnd type="triangle"/>
+          </a:ln>
+        </p:spPr>
+        <p:style>
+          <a:lnRef idx="1">
+            <a:schemeClr val="accent1"/>
+          </a:lnRef>
+          <a:fillRef idx="0">
+            <a:schemeClr val="accent1"/>
+          </a:fillRef>
+          <a:effectRef idx="0">
+            <a:schemeClr val="accent1"/>
+          </a:effectRef>
+          <a:fontRef idx="minor">
+            <a:schemeClr val="tx1"/>
+          </a:fontRef>
+        </p:style>
+      </p:cxnSp>
+      <p:cxnSp>
+        <p:nvCxnSpPr>
+          <p:cNvPr id="33" name="Gewinkelte Verbindung 32">
+            <a:extLst>
+              <a:ext uri="{FF2B5EF4-FFF2-40B4-BE49-F238E27FC236}">
+                <a16:creationId xmlns:a16="http://schemas.microsoft.com/office/drawing/2014/main" id="{9D9BF377-8201-8246-9772-39204065A8C4}"/>
+              </a:ext>
+            </a:extLst>
+          </p:cNvPr>
+          <p:cNvCxnSpPr>
+            <a:cxnSpLocks/>
+            <a:stCxn id="25" idx="1"/>
+            <a:endCxn id="12" idx="3"/>
+          </p:cNvCxnSpPr>
+          <p:nvPr/>
+        </p:nvCxnSpPr>
+        <p:spPr>
+          <a:xfrm rot="10800000">
+            <a:off x="4392120" y="3304110"/>
+            <a:ext cx="432060" cy="1732048"/>
+          </a:xfrm>
+          <a:prstGeom prst="bentConnector3">
+            <a:avLst/>
+          </a:prstGeom>
+          <a:ln>
+            <a:solidFill>
+              <a:schemeClr val="tx1"/>
+            </a:solidFill>
+            <a:tailEnd type="triangle"/>
+          </a:ln>
+        </p:spPr>
+        <p:style>
+          <a:lnRef idx="1">
+            <a:schemeClr val="accent1"/>
+          </a:lnRef>
+          <a:fillRef idx="0">
+            <a:schemeClr val="accent1"/>
+          </a:fillRef>
+          <a:effectRef idx="0">
+            <a:schemeClr val="accent1"/>
+          </a:effectRef>
+          <a:fontRef idx="minor">
+            <a:schemeClr val="tx1"/>
+          </a:fontRef>
+        </p:style>
+      </p:cxnSp>
+      <p:cxnSp>
+        <p:nvCxnSpPr>
+          <p:cNvPr id="34" name="Gerade Verbindung mit Pfeil 33">
+            <a:extLst>
+              <a:ext uri="{FF2B5EF4-FFF2-40B4-BE49-F238E27FC236}">
+                <a16:creationId xmlns:a16="http://schemas.microsoft.com/office/drawing/2014/main" id="{0DFE2166-F325-2F49-A418-1DBC32AF6695}"/>
+              </a:ext>
+            </a:extLst>
+          </p:cNvPr>
+          <p:cNvCxnSpPr>
+            <a:cxnSpLocks/>
+          </p:cNvCxnSpPr>
+          <p:nvPr/>
+        </p:nvCxnSpPr>
+        <p:spPr>
+          <a:xfrm>
+            <a:off x="5652295" y="2656020"/>
+            <a:ext cx="0" cy="432060"/>
+          </a:xfrm>
+          <a:prstGeom prst="straightConnector1">
+            <a:avLst/>
+          </a:prstGeom>
+          <a:ln>
+            <a:solidFill>
+              <a:schemeClr val="tx1"/>
+            </a:solidFill>
+            <a:tailEnd type="triangle"/>
+          </a:ln>
+        </p:spPr>
+        <p:style>
+          <a:lnRef idx="1">
+            <a:schemeClr val="accent1"/>
+          </a:lnRef>
+          <a:fillRef idx="0">
+            <a:schemeClr val="accent1"/>
+          </a:fillRef>
+          <a:effectRef idx="0">
+            <a:schemeClr val="accent1"/>
+          </a:effectRef>
+          <a:fontRef idx="minor">
+            <a:schemeClr val="tx1"/>
+          </a:fontRef>
+        </p:style>
+      </p:cxnSp>
+      <p:sp>
+        <p:nvSpPr>
+          <p:cNvPr id="35" name="Textfeld 34">
+            <a:extLst>
+              <a:ext uri="{FF2B5EF4-FFF2-40B4-BE49-F238E27FC236}">
+                <a16:creationId xmlns:a16="http://schemas.microsoft.com/office/drawing/2014/main" id="{1484E950-8AB5-154E-92A8-5DA4124EE31B}"/>
+              </a:ext>
+            </a:extLst>
+          </p:cNvPr>
+          <p:cNvSpPr txBox="1"/>
+          <p:nvPr/>
+        </p:nvSpPr>
+        <p:spPr>
+          <a:xfrm>
+            <a:off x="5112225" y="2381247"/>
+            <a:ext cx="1080139" cy="276999"/>
+          </a:xfrm>
+          <a:prstGeom prst="rect">
+            <a:avLst/>
+          </a:prstGeom>
+          <a:noFill/>
+        </p:spPr>
+        <p:txBody>
+          <a:bodyPr wrap="square" rtlCol="0">
+            <a:spAutoFit/>
           </a:bodyPr>
           <a:lstStyle/>
           <a:p>
-            <a:r>
-              <a:rPr lang="de-DE" b="1" dirty="0" err="1"/>
-              <a:t>kubectl</a:t>
-            </a:r>
-            <a:r>
-              <a:rPr lang="de-DE" b="1" dirty="0"/>
-              <a:t> </a:t>
-            </a:r>
-            <a:r>
-              <a:rPr lang="de-DE" b="1" dirty="0" err="1"/>
-              <a:t>create</a:t>
-            </a:r>
-            <a:r>
-              <a:rPr lang="de-DE" b="1" dirty="0"/>
-              <a:t> </a:t>
-            </a:r>
-            <a:r>
-              <a:rPr lang="de-DE" b="1" dirty="0" err="1"/>
-              <a:t>configmap</a:t>
-            </a:r>
-            <a:endParaRPr lang="de-DE" b="1" dirty="0"/>
-          </a:p>
-          <a:p>
-            <a:pPr marL="285750" indent="-285750">
-              <a:buFont typeface="Arial" panose="020B0604020202020204" pitchFamily="34" charset="0"/>
-              <a:buChar char="•"/>
-            </a:pPr>
-            <a:r>
-              <a:rPr lang="de-DE" dirty="0" err="1"/>
-              <a:t>Literals</a:t>
-            </a:r>
-            <a:endParaRPr lang="de-DE" dirty="0"/>
-          </a:p>
-          <a:p>
-            <a:pPr marL="285750" indent="-285750">
-              <a:buFont typeface="Arial" panose="020B0604020202020204" pitchFamily="34" charset="0"/>
-              <a:buChar char="•"/>
-            </a:pPr>
-            <a:r>
-              <a:rPr lang="de-DE" dirty="0"/>
-              <a:t>Files</a:t>
-            </a:r>
-          </a:p>
-          <a:p>
-            <a:pPr marL="285750" indent="-285750">
-              <a:buFont typeface="Arial" panose="020B0604020202020204" pitchFamily="34" charset="0"/>
-              <a:buChar char="•"/>
-            </a:pPr>
-            <a:r>
-              <a:rPr lang="de-DE" dirty="0" err="1"/>
-              <a:t>Directories</a:t>
-            </a:r>
-            <a:endParaRPr lang="de-DE" dirty="0"/>
-          </a:p>
-          <a:p>
-            <a:pPr marL="285750" indent="-285750">
-              <a:buFont typeface="Arial" panose="020B0604020202020204" pitchFamily="34" charset="0"/>
-              <a:buChar char="•"/>
-            </a:pPr>
-            <a:endParaRPr lang="de-DE" dirty="0"/>
-          </a:p>
-          <a:p>
-            <a:r>
-              <a:rPr lang="de-DE" b="1" dirty="0"/>
-              <a:t>Generatoren</a:t>
-            </a:r>
-          </a:p>
-          <a:p>
-            <a:pPr marL="285750" indent="-285750">
-              <a:buFont typeface="Arial" panose="020B0604020202020204" pitchFamily="34" charset="0"/>
-              <a:buChar char="•"/>
-            </a:pPr>
-            <a:r>
-              <a:rPr lang="de-DE" dirty="0" err="1"/>
-              <a:t>kustomization.yaml</a:t>
-            </a:r>
-            <a:endParaRPr lang="de-DE" dirty="0"/>
+            <a:pPr algn="ctr"/>
+            <a:r>
+              <a:rPr lang="de-DE" sz="1200" dirty="0"/>
+              <a:t>Browser</a:t>
+            </a:r>
           </a:p>
         </p:txBody>
       </p:sp>
+      <p:sp>
+        <p:nvSpPr>
+          <p:cNvPr id="36" name="Rechteck 35">
+            <a:extLst>
+              <a:ext uri="{FF2B5EF4-FFF2-40B4-BE49-F238E27FC236}">
+                <a16:creationId xmlns:a16="http://schemas.microsoft.com/office/drawing/2014/main" id="{080EB723-9F3D-7D44-83DF-343961F055E4}"/>
+              </a:ext>
+            </a:extLst>
+          </p:cNvPr>
+          <p:cNvSpPr/>
+          <p:nvPr/>
+        </p:nvSpPr>
+        <p:spPr>
+          <a:xfrm>
+            <a:off x="647600" y="4820128"/>
+            <a:ext cx="1656230" cy="432060"/>
+          </a:xfrm>
+          <a:prstGeom prst="rect">
+            <a:avLst/>
+          </a:prstGeom>
+          <a:solidFill>
+            <a:srgbClr val="0070C0"/>
+          </a:solidFill>
+          <a:ln>
+            <a:noFill/>
+          </a:ln>
+        </p:spPr>
+        <p:style>
+          <a:lnRef idx="2">
+            <a:schemeClr val="accent1">
+              <a:shade val="50000"/>
+            </a:schemeClr>
+          </a:lnRef>
+          <a:fillRef idx="1">
+            <a:schemeClr val="accent1"/>
+          </a:fillRef>
+          <a:effectRef idx="0">
+            <a:schemeClr val="accent1"/>
+          </a:effectRef>
+          <a:fontRef idx="minor">
+            <a:schemeClr val="lt1"/>
+          </a:fontRef>
+        </p:style>
+        <p:txBody>
+          <a:bodyPr rtlCol="0" anchor="ctr"/>
+          <a:lstStyle/>
+          <a:p>
+            <a:pPr algn="ctr"/>
+            <a:r>
+              <a:rPr lang="de-DE" sz="1200" dirty="0" err="1"/>
+              <a:t>postgres-secret</a:t>
+            </a:r>
+            <a:endParaRPr lang="de-DE" sz="1200" dirty="0"/>
+          </a:p>
+        </p:txBody>
+      </p:sp>
+      <p:cxnSp>
+        <p:nvCxnSpPr>
+          <p:cNvPr id="37" name="Gewinkelte Verbindung 36">
+            <a:extLst>
+              <a:ext uri="{FF2B5EF4-FFF2-40B4-BE49-F238E27FC236}">
+                <a16:creationId xmlns:a16="http://schemas.microsoft.com/office/drawing/2014/main" id="{EC658EAC-AF6B-BB43-AD05-3FC8C1AAAC8B}"/>
+              </a:ext>
+            </a:extLst>
+          </p:cNvPr>
+          <p:cNvCxnSpPr>
+            <a:cxnSpLocks/>
+            <a:stCxn id="23" idx="2"/>
+            <a:endCxn id="36" idx="0"/>
+          </p:cNvCxnSpPr>
+          <p:nvPr/>
+        </p:nvCxnSpPr>
+        <p:spPr>
+          <a:xfrm rot="5400000">
+            <a:off x="2304014" y="3560137"/>
+            <a:ext cx="431692" cy="2088290"/>
+          </a:xfrm>
+          <a:prstGeom prst="bentConnector3">
+            <a:avLst>
+              <a:gd name="adj1" fmla="val 50000"/>
+            </a:avLst>
+          </a:prstGeom>
+          <a:ln>
+            <a:solidFill>
+              <a:schemeClr val="tx1"/>
+            </a:solidFill>
+            <a:tailEnd type="triangle"/>
+          </a:ln>
+        </p:spPr>
+        <p:style>
+          <a:lnRef idx="1">
+            <a:schemeClr val="accent1"/>
+          </a:lnRef>
+          <a:fillRef idx="0">
+            <a:schemeClr val="accent1"/>
+          </a:fillRef>
+          <a:effectRef idx="0">
+            <a:schemeClr val="accent1"/>
+          </a:effectRef>
+          <a:fontRef idx="minor">
+            <a:schemeClr val="tx1"/>
+          </a:fontRef>
+        </p:style>
+      </p:cxnSp>
     </p:spTree>
     <p:extLst>
       <p:ext uri="{BB962C8B-B14F-4D97-AF65-F5344CB8AC3E}">
-        <p14:creationId xmlns:p14="http://schemas.microsoft.com/office/powerpoint/2010/main" val="1015194288"/>
+        <p14:creationId xmlns:p14="http://schemas.microsoft.com/office/powerpoint/2010/main" val="3493490920"/>
       </p:ext>
     </p:extLst>
   </p:cSld>
@@ -5690,132 +8224,531 @@
           <a:p>
             <a:r>
               <a:rPr lang="de-DE" dirty="0" err="1"/>
-              <a:t>Secrets</a:t>
+              <a:t>ConfigMap</a:t>
             </a:r>
             <a:r>
               <a:rPr lang="de-DE" dirty="0"/>
-              <a:t> erzeugen</a:t>
+              <a:t> als Volume</a:t>
             </a:r>
           </a:p>
         </p:txBody>
       </p:sp>
-      <p:sp>
-        <p:nvSpPr>
-          <p:cNvPr id="3" name="Inhaltsplatzhalter 2">
+      <p:grpSp>
+        <p:nvGrpSpPr>
+          <p:cNvPr id="4" name="Gruppieren 3">
             <a:extLst>
               <a:ext uri="{FF2B5EF4-FFF2-40B4-BE49-F238E27FC236}">
-                <a16:creationId xmlns:a16="http://schemas.microsoft.com/office/drawing/2014/main" id="{0EEB0F87-B7B4-B946-A3AA-B4CFBE864340}"/>
+                <a16:creationId xmlns:a16="http://schemas.microsoft.com/office/drawing/2014/main" id="{490122EE-03CB-9749-A272-4846EC0C7FFD}"/>
               </a:ext>
             </a:extLst>
           </p:cNvPr>
-          <p:cNvSpPr>
-            <a:spLocks noGrp="1"/>
-          </p:cNvSpPr>
-          <p:nvPr>
-            <p:ph idx="1"/>
-          </p:nvPr>
-        </p:nvSpPr>
-        <p:spPr/>
-        <p:txBody>
-          <a:bodyPr>
-            <a:normAutofit/>
-          </a:bodyPr>
-          <a:lstStyle/>
-          <a:p>
-            <a:r>
-              <a:rPr lang="de-DE" b="1" dirty="0"/>
-              <a:t>siehe </a:t>
-            </a:r>
-            <a:r>
-              <a:rPr lang="de-DE" b="1" dirty="0" err="1"/>
-              <a:t>ConfigMaps</a:t>
-            </a:r>
-            <a:endParaRPr lang="de-DE" b="1" dirty="0"/>
-          </a:p>
-          <a:p>
-            <a:r>
-              <a:rPr lang="de-DE" dirty="0">
-                <a:sym typeface="Wingdings" pitchFamily="2" charset="2"/>
-              </a:rPr>
-              <a:t> keine Manifeste</a:t>
-            </a:r>
-            <a:endParaRPr lang="de-DE" dirty="0"/>
-          </a:p>
-          <a:p>
-            <a:endParaRPr lang="de-DE" b="1" dirty="0"/>
-          </a:p>
-          <a:p>
-            <a:r>
-              <a:rPr lang="de-DE" b="1" dirty="0" err="1"/>
-              <a:t>kubectl</a:t>
-            </a:r>
-            <a:r>
-              <a:rPr lang="de-DE" b="1" dirty="0"/>
-              <a:t> </a:t>
-            </a:r>
-            <a:r>
-              <a:rPr lang="de-DE" b="1" dirty="0" err="1"/>
-              <a:t>create</a:t>
-            </a:r>
-            <a:r>
-              <a:rPr lang="de-DE" b="1" dirty="0"/>
-              <a:t> </a:t>
-            </a:r>
-            <a:r>
-              <a:rPr lang="de-DE" b="1" dirty="0" err="1"/>
-              <a:t>secret</a:t>
-            </a:r>
-            <a:r>
-              <a:rPr lang="de-DE" b="1" dirty="0"/>
-              <a:t> &lt;type&gt;</a:t>
-            </a:r>
-          </a:p>
-          <a:p>
-            <a:pPr marL="285750" indent="-285750">
-              <a:buFont typeface="Arial" panose="020B0604020202020204" pitchFamily="34" charset="0"/>
-              <a:buChar char="•"/>
-            </a:pPr>
-            <a:r>
-              <a:rPr lang="de-DE" dirty="0" err="1"/>
-              <a:t>generic</a:t>
-            </a:r>
-            <a:endParaRPr lang="de-DE" dirty="0"/>
-          </a:p>
-          <a:p>
-            <a:pPr marL="285750" indent="-285750">
-              <a:buFont typeface="Arial" panose="020B0604020202020204" pitchFamily="34" charset="0"/>
-              <a:buChar char="•"/>
-            </a:pPr>
-            <a:r>
-              <a:rPr lang="de-DE" dirty="0" err="1"/>
-              <a:t>tls</a:t>
-            </a:r>
-            <a:endParaRPr lang="de-DE" dirty="0"/>
-          </a:p>
-          <a:p>
-            <a:pPr marL="285750" indent="-285750">
-              <a:buFont typeface="Arial" panose="020B0604020202020204" pitchFamily="34" charset="0"/>
-              <a:buChar char="•"/>
-            </a:pPr>
-            <a:r>
-              <a:rPr lang="de-DE" dirty="0" err="1"/>
-              <a:t>docker-registry</a:t>
-            </a:r>
-            <a:endParaRPr lang="de-DE" dirty="0"/>
-          </a:p>
-          <a:p>
-            <a:pPr marL="285750" indent="-285750">
-              <a:buFont typeface="Arial" panose="020B0604020202020204" pitchFamily="34" charset="0"/>
-              <a:buChar char="•"/>
-            </a:pPr>
-            <a:endParaRPr lang="de-DE" dirty="0"/>
-          </a:p>
-        </p:txBody>
-      </p:sp>
+          <p:cNvGrpSpPr/>
+          <p:nvPr/>
+        </p:nvGrpSpPr>
+        <p:grpSpPr>
+          <a:xfrm>
+            <a:off x="2339690" y="2497450"/>
+            <a:ext cx="4752660" cy="3025174"/>
+            <a:chOff x="2267680" y="1777350"/>
+            <a:chExt cx="4608640" cy="3528490"/>
+          </a:xfrm>
+        </p:grpSpPr>
+        <p:sp>
+          <p:nvSpPr>
+            <p:cNvPr id="5" name="Rechteck 4">
+              <a:extLst>
+                <a:ext uri="{FF2B5EF4-FFF2-40B4-BE49-F238E27FC236}">
+                  <a16:creationId xmlns:a16="http://schemas.microsoft.com/office/drawing/2014/main" id="{DDAD9E79-3CAE-CD41-8C55-4917D11BDAA9}"/>
+                </a:ext>
+              </a:extLst>
+            </p:cNvPr>
+            <p:cNvSpPr/>
+            <p:nvPr/>
+          </p:nvSpPr>
+          <p:spPr>
+            <a:xfrm>
+              <a:off x="2267680" y="1777350"/>
+              <a:ext cx="4608640" cy="3528490"/>
+            </a:xfrm>
+            <a:prstGeom prst="rect">
+              <a:avLst/>
+            </a:prstGeom>
+            <a:solidFill>
+              <a:srgbClr val="00B0F0"/>
+            </a:solidFill>
+            <a:ln>
+              <a:solidFill>
+                <a:schemeClr val="tx1"/>
+              </a:solidFill>
+            </a:ln>
+          </p:spPr>
+          <p:style>
+            <a:lnRef idx="2">
+              <a:schemeClr val="accent1">
+                <a:shade val="50000"/>
+              </a:schemeClr>
+            </a:lnRef>
+            <a:fillRef idx="1">
+              <a:schemeClr val="accent1"/>
+            </a:fillRef>
+            <a:effectRef idx="0">
+              <a:schemeClr val="accent1"/>
+            </a:effectRef>
+            <a:fontRef idx="minor">
+              <a:schemeClr val="lt1"/>
+            </a:fontRef>
+          </p:style>
+          <p:txBody>
+            <a:bodyPr rtlCol="0" anchor="ctr"/>
+            <a:lstStyle/>
+            <a:p>
+              <a:pPr algn="ctr"/>
+              <a:endParaRPr lang="de-DE" dirty="0"/>
+            </a:p>
+          </p:txBody>
+        </p:sp>
+        <p:sp>
+          <p:nvSpPr>
+            <p:cNvPr id="6" name="Rechteck 5">
+              <a:extLst>
+                <a:ext uri="{FF2B5EF4-FFF2-40B4-BE49-F238E27FC236}">
+                  <a16:creationId xmlns:a16="http://schemas.microsoft.com/office/drawing/2014/main" id="{C900A318-B112-CA40-B27B-0B20FE1ABA92}"/>
+                </a:ext>
+              </a:extLst>
+            </p:cNvPr>
+            <p:cNvSpPr/>
+            <p:nvPr/>
+          </p:nvSpPr>
+          <p:spPr>
+            <a:xfrm>
+              <a:off x="2771750" y="1993380"/>
+              <a:ext cx="3672510" cy="792110"/>
+            </a:xfrm>
+            <a:prstGeom prst="rect">
+              <a:avLst/>
+            </a:prstGeom>
+            <a:solidFill>
+              <a:srgbClr val="FFC000"/>
+            </a:solidFill>
+            <a:ln>
+              <a:solidFill>
+                <a:schemeClr val="tx1"/>
+              </a:solidFill>
+            </a:ln>
+          </p:spPr>
+          <p:style>
+            <a:lnRef idx="2">
+              <a:schemeClr val="accent1">
+                <a:shade val="50000"/>
+              </a:schemeClr>
+            </a:lnRef>
+            <a:fillRef idx="1">
+              <a:schemeClr val="accent1"/>
+            </a:fillRef>
+            <a:effectRef idx="0">
+              <a:schemeClr val="accent1"/>
+            </a:effectRef>
+            <a:fontRef idx="minor">
+              <a:schemeClr val="lt1"/>
+            </a:fontRef>
+          </p:style>
+          <p:txBody>
+            <a:bodyPr rtlCol="0" anchor="ctr"/>
+            <a:lstStyle/>
+            <a:p>
+              <a:pPr algn="ctr"/>
+              <a:r>
+                <a:rPr lang="de-DE" dirty="0">
+                  <a:solidFill>
+                    <a:schemeClr val="tx1"/>
+                  </a:solidFill>
+                </a:rPr>
+                <a:t>Main </a:t>
+              </a:r>
+              <a:r>
+                <a:rPr lang="de-DE" dirty="0" err="1">
+                  <a:solidFill>
+                    <a:schemeClr val="tx1"/>
+                  </a:solidFill>
+                </a:rPr>
+                <a:t>container</a:t>
+              </a:r>
+              <a:endParaRPr lang="de-DE" dirty="0">
+                <a:solidFill>
+                  <a:schemeClr val="tx1"/>
+                </a:solidFill>
+              </a:endParaRPr>
+            </a:p>
+          </p:txBody>
+        </p:sp>
+        <p:sp>
+          <p:nvSpPr>
+            <p:cNvPr id="7" name="Rechteck 6">
+              <a:extLst>
+                <a:ext uri="{FF2B5EF4-FFF2-40B4-BE49-F238E27FC236}">
+                  <a16:creationId xmlns:a16="http://schemas.microsoft.com/office/drawing/2014/main" id="{ED2203A7-BC93-3645-A8CE-C667C5223A7C}"/>
+                </a:ext>
+              </a:extLst>
+            </p:cNvPr>
+            <p:cNvSpPr/>
+            <p:nvPr/>
+          </p:nvSpPr>
+          <p:spPr>
+            <a:xfrm>
+              <a:off x="2771750" y="3001520"/>
+              <a:ext cx="1584220" cy="792111"/>
+            </a:xfrm>
+            <a:prstGeom prst="rect">
+              <a:avLst/>
+            </a:prstGeom>
+            <a:ln>
+              <a:solidFill>
+                <a:schemeClr val="tx1"/>
+              </a:solidFill>
+            </a:ln>
+          </p:spPr>
+          <p:style>
+            <a:lnRef idx="2">
+              <a:schemeClr val="accent1">
+                <a:shade val="50000"/>
+              </a:schemeClr>
+            </a:lnRef>
+            <a:fillRef idx="1">
+              <a:schemeClr val="accent1"/>
+            </a:fillRef>
+            <a:effectRef idx="0">
+              <a:schemeClr val="accent1"/>
+            </a:effectRef>
+            <a:fontRef idx="minor">
+              <a:schemeClr val="lt1"/>
+            </a:fontRef>
+          </p:style>
+          <p:txBody>
+            <a:bodyPr rtlCol="0" anchor="ctr"/>
+            <a:lstStyle/>
+            <a:p>
+              <a:pPr algn="ctr"/>
+              <a:r>
+                <a:rPr lang="de-DE" dirty="0" err="1">
+                  <a:solidFill>
+                    <a:schemeClr val="tx1"/>
+                  </a:solidFill>
+                </a:rPr>
+                <a:t>Supporting</a:t>
+              </a:r>
+              <a:r>
+                <a:rPr lang="de-DE" dirty="0">
+                  <a:solidFill>
+                    <a:schemeClr val="tx1"/>
+                  </a:solidFill>
+                </a:rPr>
+                <a:t> </a:t>
+              </a:r>
+              <a:r>
+                <a:rPr lang="de-DE" dirty="0" err="1">
+                  <a:solidFill>
+                    <a:schemeClr val="tx1"/>
+                  </a:solidFill>
+                </a:rPr>
+                <a:t>container</a:t>
+              </a:r>
+              <a:r>
+                <a:rPr lang="de-DE" dirty="0">
+                  <a:solidFill>
+                    <a:schemeClr val="tx1"/>
+                  </a:solidFill>
+                </a:rPr>
+                <a:t> 1</a:t>
+              </a:r>
+            </a:p>
+          </p:txBody>
+        </p:sp>
+        <p:sp>
+          <p:nvSpPr>
+            <p:cNvPr id="8" name="Rechteck 7">
+              <a:extLst>
+                <a:ext uri="{FF2B5EF4-FFF2-40B4-BE49-F238E27FC236}">
+                  <a16:creationId xmlns:a16="http://schemas.microsoft.com/office/drawing/2014/main" id="{BF6E9576-F2E2-014A-8B8C-933E8D89186A}"/>
+                </a:ext>
+              </a:extLst>
+            </p:cNvPr>
+            <p:cNvSpPr/>
+            <p:nvPr/>
+          </p:nvSpPr>
+          <p:spPr>
+            <a:xfrm>
+              <a:off x="2771750" y="4009661"/>
+              <a:ext cx="1584220" cy="792112"/>
+            </a:xfrm>
+            <a:prstGeom prst="rect">
+              <a:avLst/>
+            </a:prstGeom>
+            <a:ln>
+              <a:solidFill>
+                <a:schemeClr val="tx1"/>
+              </a:solidFill>
+            </a:ln>
+          </p:spPr>
+          <p:style>
+            <a:lnRef idx="2">
+              <a:schemeClr val="accent1">
+                <a:shade val="50000"/>
+              </a:schemeClr>
+            </a:lnRef>
+            <a:fillRef idx="1">
+              <a:schemeClr val="accent1"/>
+            </a:fillRef>
+            <a:effectRef idx="0">
+              <a:schemeClr val="accent1"/>
+            </a:effectRef>
+            <a:fontRef idx="minor">
+              <a:schemeClr val="lt1"/>
+            </a:fontRef>
+          </p:style>
+          <p:txBody>
+            <a:bodyPr rtlCol="0" anchor="ctr"/>
+            <a:lstStyle/>
+            <a:p>
+              <a:pPr algn="ctr"/>
+              <a:r>
+                <a:rPr lang="de-DE" dirty="0" err="1">
+                  <a:solidFill>
+                    <a:schemeClr val="tx1"/>
+                  </a:solidFill>
+                </a:rPr>
+                <a:t>Supporting</a:t>
+              </a:r>
+              <a:r>
+                <a:rPr lang="de-DE" dirty="0">
+                  <a:solidFill>
+                    <a:schemeClr val="tx1"/>
+                  </a:solidFill>
+                </a:rPr>
+                <a:t> </a:t>
+              </a:r>
+              <a:r>
+                <a:rPr lang="de-DE" dirty="0" err="1">
+                  <a:solidFill>
+                    <a:schemeClr val="tx1"/>
+                  </a:solidFill>
+                </a:rPr>
+                <a:t>container</a:t>
+              </a:r>
+              <a:r>
+                <a:rPr lang="de-DE" dirty="0">
+                  <a:solidFill>
+                    <a:schemeClr val="tx1"/>
+                  </a:solidFill>
+                </a:rPr>
+                <a:t> 2</a:t>
+              </a:r>
+            </a:p>
+          </p:txBody>
+        </p:sp>
+        <p:sp>
+          <p:nvSpPr>
+            <p:cNvPr id="9" name="Zylinder 8">
+              <a:extLst>
+                <a:ext uri="{FF2B5EF4-FFF2-40B4-BE49-F238E27FC236}">
+                  <a16:creationId xmlns:a16="http://schemas.microsoft.com/office/drawing/2014/main" id="{75547869-35CB-D241-8706-F901A28FAAE6}"/>
+                </a:ext>
+              </a:extLst>
+            </p:cNvPr>
+            <p:cNvSpPr/>
+            <p:nvPr/>
+          </p:nvSpPr>
+          <p:spPr>
+            <a:xfrm>
+              <a:off x="5364110" y="3217550"/>
+              <a:ext cx="1080150" cy="1368190"/>
+            </a:xfrm>
+            <a:prstGeom prst="can">
+              <a:avLst/>
+            </a:prstGeom>
+            <a:ln>
+              <a:solidFill>
+                <a:schemeClr val="tx1"/>
+              </a:solidFill>
+            </a:ln>
+          </p:spPr>
+          <p:style>
+            <a:lnRef idx="2">
+              <a:schemeClr val="accent1">
+                <a:shade val="50000"/>
+              </a:schemeClr>
+            </a:lnRef>
+            <a:fillRef idx="1">
+              <a:schemeClr val="accent1"/>
+            </a:fillRef>
+            <a:effectRef idx="0">
+              <a:schemeClr val="accent1"/>
+            </a:effectRef>
+            <a:fontRef idx="minor">
+              <a:schemeClr val="lt1"/>
+            </a:fontRef>
+          </p:style>
+          <p:txBody>
+            <a:bodyPr rtlCol="0" anchor="ctr"/>
+            <a:lstStyle/>
+            <a:p>
+              <a:pPr algn="ctr"/>
+              <a:r>
+                <a:rPr lang="de-DE" dirty="0">
+                  <a:solidFill>
+                    <a:schemeClr val="tx1"/>
+                  </a:solidFill>
+                </a:rPr>
+                <a:t>Volume</a:t>
+              </a:r>
+            </a:p>
+          </p:txBody>
+        </p:sp>
+        <p:cxnSp>
+          <p:nvCxnSpPr>
+            <p:cNvPr id="10" name="Gewinkelte Verbindung 9">
+              <a:extLst>
+                <a:ext uri="{FF2B5EF4-FFF2-40B4-BE49-F238E27FC236}">
+                  <a16:creationId xmlns:a16="http://schemas.microsoft.com/office/drawing/2014/main" id="{B49960EF-2B47-5A40-8857-2B65CAFEF63D}"/>
+                </a:ext>
+              </a:extLst>
+            </p:cNvPr>
+            <p:cNvCxnSpPr>
+              <a:cxnSpLocks/>
+              <a:stCxn id="7" idx="3"/>
+              <a:endCxn id="9" idx="2"/>
+            </p:cNvCxnSpPr>
+            <p:nvPr/>
+          </p:nvCxnSpPr>
+          <p:spPr>
+            <a:xfrm>
+              <a:off x="4355970" y="3397576"/>
+              <a:ext cx="1008140" cy="504069"/>
+            </a:xfrm>
+            <a:prstGeom prst="bentConnector3">
+              <a:avLst>
+                <a:gd name="adj1" fmla="val 24691"/>
+              </a:avLst>
+            </a:prstGeom>
+            <a:ln w="12700">
+              <a:solidFill>
+                <a:schemeClr val="tx1"/>
+              </a:solidFill>
+              <a:tailEnd type="triangle"/>
+            </a:ln>
+          </p:spPr>
+          <p:style>
+            <a:lnRef idx="1">
+              <a:schemeClr val="accent1"/>
+            </a:lnRef>
+            <a:fillRef idx="0">
+              <a:schemeClr val="accent1"/>
+            </a:fillRef>
+            <a:effectRef idx="0">
+              <a:schemeClr val="accent1"/>
+            </a:effectRef>
+            <a:fontRef idx="minor">
+              <a:schemeClr val="tx1"/>
+            </a:fontRef>
+          </p:style>
+        </p:cxnSp>
+        <p:cxnSp>
+          <p:nvCxnSpPr>
+            <p:cNvPr id="11" name="Gewinkelte Verbindung 10">
+              <a:extLst>
+                <a:ext uri="{FF2B5EF4-FFF2-40B4-BE49-F238E27FC236}">
+                  <a16:creationId xmlns:a16="http://schemas.microsoft.com/office/drawing/2014/main" id="{67B49BC0-0958-BA43-AC9D-A361937E0F89}"/>
+                </a:ext>
+              </a:extLst>
+            </p:cNvPr>
+            <p:cNvCxnSpPr>
+              <a:cxnSpLocks/>
+              <a:stCxn id="8" idx="3"/>
+              <a:endCxn id="9" idx="2"/>
+            </p:cNvCxnSpPr>
+            <p:nvPr/>
+          </p:nvCxnSpPr>
+          <p:spPr>
+            <a:xfrm flipV="1">
+              <a:off x="4355970" y="3901645"/>
+              <a:ext cx="1008140" cy="504072"/>
+            </a:xfrm>
+            <a:prstGeom prst="bentConnector3">
+              <a:avLst>
+                <a:gd name="adj1" fmla="val 24692"/>
+              </a:avLst>
+            </a:prstGeom>
+            <a:ln w="12700">
+              <a:solidFill>
+                <a:schemeClr val="tx1"/>
+              </a:solidFill>
+              <a:tailEnd type="triangle"/>
+            </a:ln>
+          </p:spPr>
+          <p:style>
+            <a:lnRef idx="1">
+              <a:schemeClr val="accent1"/>
+            </a:lnRef>
+            <a:fillRef idx="0">
+              <a:schemeClr val="accent1"/>
+            </a:fillRef>
+            <a:effectRef idx="0">
+              <a:schemeClr val="accent1"/>
+            </a:effectRef>
+            <a:fontRef idx="minor">
+              <a:schemeClr val="tx1"/>
+            </a:fontRef>
+          </p:style>
+        </p:cxnSp>
+        <p:cxnSp>
+          <p:nvCxnSpPr>
+            <p:cNvPr id="12" name="Gewinkelte Verbindung 11">
+              <a:extLst>
+                <a:ext uri="{FF2B5EF4-FFF2-40B4-BE49-F238E27FC236}">
+                  <a16:creationId xmlns:a16="http://schemas.microsoft.com/office/drawing/2014/main" id="{2C635602-E90E-4046-9460-FBD25B92E9F6}"/>
+                </a:ext>
+              </a:extLst>
+            </p:cNvPr>
+            <p:cNvCxnSpPr>
+              <a:stCxn id="6" idx="2"/>
+              <a:endCxn id="9" idx="2"/>
+            </p:cNvCxnSpPr>
+            <p:nvPr/>
+          </p:nvCxnSpPr>
+          <p:spPr>
+            <a:xfrm rot="16200000" flipH="1">
+              <a:off x="4427980" y="2965514"/>
+              <a:ext cx="1116155" cy="756105"/>
+            </a:xfrm>
+            <a:prstGeom prst="bentConnector2">
+              <a:avLst/>
+            </a:prstGeom>
+            <a:ln w="12700">
+              <a:solidFill>
+                <a:schemeClr val="tx1"/>
+              </a:solidFill>
+              <a:tailEnd type="triangle"/>
+            </a:ln>
+          </p:spPr>
+          <p:style>
+            <a:lnRef idx="1">
+              <a:schemeClr val="accent1"/>
+            </a:lnRef>
+            <a:fillRef idx="0">
+              <a:schemeClr val="accent1"/>
+            </a:fillRef>
+            <a:effectRef idx="0">
+              <a:schemeClr val="accent1"/>
+            </a:effectRef>
+            <a:fontRef idx="minor">
+              <a:schemeClr val="tx1"/>
+            </a:fontRef>
+          </p:style>
+        </p:cxnSp>
+      </p:grpSp>
     </p:spTree>
     <p:extLst>
       <p:ext uri="{BB962C8B-B14F-4D97-AF65-F5344CB8AC3E}">
-        <p14:creationId xmlns:p14="http://schemas.microsoft.com/office/powerpoint/2010/main" val="2398007689"/>
+        <p14:creationId xmlns:p14="http://schemas.microsoft.com/office/powerpoint/2010/main" val="426666632"/>
       </p:ext>
     </p:extLst>
   </p:cSld>
@@ -5865,51 +8798,883 @@
           <a:p>
             <a:r>
               <a:rPr lang="de-DE" dirty="0"/>
-              <a:t>Umgang mit </a:t>
-            </a:r>
-            <a:r>
-              <a:rPr lang="de-DE" dirty="0" err="1"/>
-              <a:t>Secrets</a:t>
-            </a:r>
-            <a:endParaRPr lang="de-DE" dirty="0"/>
+              <a:t>Dashboard vorkonfigurieren</a:t>
+            </a:r>
           </a:p>
         </p:txBody>
       </p:sp>
       <p:sp>
         <p:nvSpPr>
-          <p:cNvPr id="3" name="Inhaltsplatzhalter 2">
+          <p:cNvPr id="12" name="Rechteck 11">
             <a:extLst>
               <a:ext uri="{FF2B5EF4-FFF2-40B4-BE49-F238E27FC236}">
-                <a16:creationId xmlns:a16="http://schemas.microsoft.com/office/drawing/2014/main" id="{0EEB0F87-B7B4-B946-A3AA-B4CFBE864340}"/>
+                <a16:creationId xmlns:a16="http://schemas.microsoft.com/office/drawing/2014/main" id="{57A7CC03-CA37-A247-AF54-5D0403616895}"/>
               </a:ext>
             </a:extLst>
           </p:cNvPr>
-          <p:cNvSpPr>
-            <a:spLocks noGrp="1"/>
-          </p:cNvSpPr>
-          <p:nvPr>
-            <p:ph idx="1"/>
-          </p:nvPr>
-        </p:nvSpPr>
-        <p:spPr/>
+          <p:cNvSpPr/>
+          <p:nvPr/>
+        </p:nvSpPr>
+        <p:spPr>
+          <a:xfrm>
+            <a:off x="2735890" y="3088080"/>
+            <a:ext cx="1656230" cy="432060"/>
+          </a:xfrm>
+          <a:prstGeom prst="rect">
+            <a:avLst/>
+          </a:prstGeom>
+          <a:solidFill>
+            <a:srgbClr val="0070C0"/>
+          </a:solidFill>
+          <a:ln>
+            <a:noFill/>
+          </a:ln>
+        </p:spPr>
+        <p:style>
+          <a:lnRef idx="2">
+            <a:schemeClr val="accent1">
+              <a:shade val="50000"/>
+            </a:schemeClr>
+          </a:lnRef>
+          <a:fillRef idx="1">
+            <a:schemeClr val="accent1"/>
+          </a:fillRef>
+          <a:effectRef idx="0">
+            <a:schemeClr val="accent1"/>
+          </a:effectRef>
+          <a:fontRef idx="minor">
+            <a:schemeClr val="lt1"/>
+          </a:fontRef>
+        </p:style>
         <p:txBody>
-          <a:bodyPr>
-            <a:normAutofit/>
+          <a:bodyPr rtlCol="0" anchor="ctr"/>
+          <a:lstStyle/>
+          <a:p>
+            <a:pPr algn="ctr"/>
+            <a:r>
+              <a:rPr lang="de-DE" sz="1200" dirty="0" err="1"/>
+              <a:t>postgres</a:t>
+            </a:r>
+            <a:r>
+              <a:rPr lang="de-DE" sz="1200" dirty="0"/>
+              <a:t>-service</a:t>
+            </a:r>
+          </a:p>
+        </p:txBody>
+      </p:sp>
+      <p:sp>
+        <p:nvSpPr>
+          <p:cNvPr id="13" name="Rechteck 12">
+            <a:extLst>
+              <a:ext uri="{FF2B5EF4-FFF2-40B4-BE49-F238E27FC236}">
+                <a16:creationId xmlns:a16="http://schemas.microsoft.com/office/drawing/2014/main" id="{4CC83FC3-1958-A749-8D16-6920AA979673}"/>
+              </a:ext>
+            </a:extLst>
+          </p:cNvPr>
+          <p:cNvSpPr/>
+          <p:nvPr/>
+        </p:nvSpPr>
+        <p:spPr>
+          <a:xfrm>
+            <a:off x="2735890" y="4824672"/>
+            <a:ext cx="1656230" cy="432060"/>
+          </a:xfrm>
+          <a:prstGeom prst="rect">
+            <a:avLst/>
+          </a:prstGeom>
+          <a:solidFill>
+            <a:srgbClr val="0070C0"/>
+          </a:solidFill>
+          <a:ln>
+            <a:noFill/>
+          </a:ln>
+        </p:spPr>
+        <p:style>
+          <a:lnRef idx="2">
+            <a:schemeClr val="accent1">
+              <a:shade val="50000"/>
+            </a:schemeClr>
+          </a:lnRef>
+          <a:fillRef idx="1">
+            <a:schemeClr val="accent1"/>
+          </a:fillRef>
+          <a:effectRef idx="0">
+            <a:schemeClr val="accent1"/>
+          </a:effectRef>
+          <a:fontRef idx="minor">
+            <a:schemeClr val="lt1"/>
+          </a:fontRef>
+        </p:style>
+        <p:txBody>
+          <a:bodyPr rtlCol="0" anchor="ctr"/>
+          <a:lstStyle/>
+          <a:p>
+            <a:pPr algn="ctr"/>
+            <a:r>
+              <a:rPr lang="de-DE" sz="1200" dirty="0" err="1"/>
+              <a:t>postgres-configmap</a:t>
+            </a:r>
+            <a:endParaRPr lang="de-DE" sz="1200" dirty="0"/>
+          </a:p>
+        </p:txBody>
+      </p:sp>
+      <p:sp>
+        <p:nvSpPr>
+          <p:cNvPr id="23" name="Rechteck 22">
+            <a:extLst>
+              <a:ext uri="{FF2B5EF4-FFF2-40B4-BE49-F238E27FC236}">
+                <a16:creationId xmlns:a16="http://schemas.microsoft.com/office/drawing/2014/main" id="{C7A95584-A429-2741-9DE4-E5F9D8D5EC2B}"/>
+              </a:ext>
+            </a:extLst>
+          </p:cNvPr>
+          <p:cNvSpPr/>
+          <p:nvPr/>
+        </p:nvSpPr>
+        <p:spPr>
+          <a:xfrm>
+            <a:off x="2735890" y="3956376"/>
+            <a:ext cx="1656230" cy="432060"/>
+          </a:xfrm>
+          <a:prstGeom prst="rect">
+            <a:avLst/>
+          </a:prstGeom>
+          <a:solidFill>
+            <a:srgbClr val="0070C0"/>
+          </a:solidFill>
+          <a:ln>
+            <a:noFill/>
+          </a:ln>
+        </p:spPr>
+        <p:style>
+          <a:lnRef idx="2">
+            <a:schemeClr val="accent1">
+              <a:shade val="50000"/>
+            </a:schemeClr>
+          </a:lnRef>
+          <a:fillRef idx="1">
+            <a:schemeClr val="accent1"/>
+          </a:fillRef>
+          <a:effectRef idx="0">
+            <a:schemeClr val="accent1"/>
+          </a:effectRef>
+          <a:fontRef idx="minor">
+            <a:schemeClr val="lt1"/>
+          </a:fontRef>
+        </p:style>
+        <p:txBody>
+          <a:bodyPr rtlCol="0" anchor="ctr"/>
+          <a:lstStyle/>
+          <a:p>
+            <a:pPr algn="ctr"/>
+            <a:r>
+              <a:rPr lang="de-DE" sz="1200" dirty="0" err="1"/>
+              <a:t>postgres-deployment</a:t>
+            </a:r>
+            <a:endParaRPr lang="de-DE" sz="1200" dirty="0"/>
+          </a:p>
+        </p:txBody>
+      </p:sp>
+      <p:sp>
+        <p:nvSpPr>
+          <p:cNvPr id="24" name="Rechteck 23">
+            <a:extLst>
+              <a:ext uri="{FF2B5EF4-FFF2-40B4-BE49-F238E27FC236}">
+                <a16:creationId xmlns:a16="http://schemas.microsoft.com/office/drawing/2014/main" id="{D4DC9B4E-95E8-C64C-A82D-77ACE9072CBC}"/>
+              </a:ext>
+            </a:extLst>
+          </p:cNvPr>
+          <p:cNvSpPr/>
+          <p:nvPr/>
+        </p:nvSpPr>
+        <p:spPr>
+          <a:xfrm>
+            <a:off x="4824180" y="3088080"/>
+            <a:ext cx="1656230" cy="432060"/>
+          </a:xfrm>
+          <a:prstGeom prst="rect">
+            <a:avLst/>
+          </a:prstGeom>
+          <a:solidFill>
+            <a:srgbClr val="FF6451"/>
+          </a:solidFill>
+          <a:ln>
+            <a:noFill/>
+          </a:ln>
+        </p:spPr>
+        <p:style>
+          <a:lnRef idx="2">
+            <a:schemeClr val="accent1">
+              <a:shade val="50000"/>
+            </a:schemeClr>
+          </a:lnRef>
+          <a:fillRef idx="1">
+            <a:schemeClr val="accent1"/>
+          </a:fillRef>
+          <a:effectRef idx="0">
+            <a:schemeClr val="accent1"/>
+          </a:effectRef>
+          <a:fontRef idx="minor">
+            <a:schemeClr val="lt1"/>
+          </a:fontRef>
+        </p:style>
+        <p:txBody>
+          <a:bodyPr rtlCol="0" anchor="ctr"/>
+          <a:lstStyle/>
+          <a:p>
+            <a:pPr algn="ctr"/>
+            <a:r>
+              <a:rPr lang="de-DE" sz="1200" dirty="0"/>
+              <a:t>grafana-service</a:t>
+            </a:r>
+          </a:p>
+        </p:txBody>
+      </p:sp>
+      <p:sp>
+        <p:nvSpPr>
+          <p:cNvPr id="25" name="Rechteck 24">
+            <a:extLst>
+              <a:ext uri="{FF2B5EF4-FFF2-40B4-BE49-F238E27FC236}">
+                <a16:creationId xmlns:a16="http://schemas.microsoft.com/office/drawing/2014/main" id="{BD9E4887-F65C-4C42-A9BD-A70DBADC8765}"/>
+              </a:ext>
+            </a:extLst>
+          </p:cNvPr>
+          <p:cNvSpPr/>
+          <p:nvPr/>
+        </p:nvSpPr>
+        <p:spPr>
+          <a:xfrm>
+            <a:off x="4824180" y="4820128"/>
+            <a:ext cx="1656230" cy="432060"/>
+          </a:xfrm>
+          <a:prstGeom prst="rect">
+            <a:avLst/>
+          </a:prstGeom>
+          <a:solidFill>
+            <a:srgbClr val="FF6451"/>
+          </a:solidFill>
+          <a:ln>
+            <a:noFill/>
+          </a:ln>
+        </p:spPr>
+        <p:style>
+          <a:lnRef idx="2">
+            <a:schemeClr val="accent1">
+              <a:shade val="50000"/>
+            </a:schemeClr>
+          </a:lnRef>
+          <a:fillRef idx="1">
+            <a:schemeClr val="accent1"/>
+          </a:fillRef>
+          <a:effectRef idx="0">
+            <a:schemeClr val="accent1"/>
+          </a:effectRef>
+          <a:fontRef idx="minor">
+            <a:schemeClr val="lt1"/>
+          </a:fontRef>
+        </p:style>
+        <p:txBody>
+          <a:bodyPr rtlCol="0" anchor="ctr"/>
+          <a:lstStyle/>
+          <a:p>
+            <a:pPr algn="ctr"/>
+            <a:r>
+              <a:rPr lang="de-DE" sz="1200" dirty="0"/>
+              <a:t>grafana-</a:t>
+            </a:r>
+            <a:r>
+              <a:rPr lang="de-DE" sz="1200" dirty="0" err="1"/>
+              <a:t>configmap</a:t>
+            </a:r>
+            <a:endParaRPr lang="de-DE" sz="1200" dirty="0"/>
+          </a:p>
+        </p:txBody>
+      </p:sp>
+      <p:sp>
+        <p:nvSpPr>
+          <p:cNvPr id="26" name="Rechteck 25">
+            <a:extLst>
+              <a:ext uri="{FF2B5EF4-FFF2-40B4-BE49-F238E27FC236}">
+                <a16:creationId xmlns:a16="http://schemas.microsoft.com/office/drawing/2014/main" id="{AA1FC284-6427-0F49-95AD-A4FA3EBDA675}"/>
+              </a:ext>
+            </a:extLst>
+          </p:cNvPr>
+          <p:cNvSpPr/>
+          <p:nvPr/>
+        </p:nvSpPr>
+        <p:spPr>
+          <a:xfrm>
+            <a:off x="4824180" y="3956376"/>
+            <a:ext cx="1656230" cy="432060"/>
+          </a:xfrm>
+          <a:prstGeom prst="rect">
+            <a:avLst/>
+          </a:prstGeom>
+          <a:solidFill>
+            <a:srgbClr val="FF6451"/>
+          </a:solidFill>
+          <a:ln>
+            <a:noFill/>
+          </a:ln>
+        </p:spPr>
+        <p:style>
+          <a:lnRef idx="2">
+            <a:schemeClr val="accent1">
+              <a:shade val="50000"/>
+            </a:schemeClr>
+          </a:lnRef>
+          <a:fillRef idx="1">
+            <a:schemeClr val="accent1"/>
+          </a:fillRef>
+          <a:effectRef idx="0">
+            <a:schemeClr val="accent1"/>
+          </a:effectRef>
+          <a:fontRef idx="minor">
+            <a:schemeClr val="lt1"/>
+          </a:fontRef>
+        </p:style>
+        <p:txBody>
+          <a:bodyPr rtlCol="0" anchor="ctr"/>
+          <a:lstStyle/>
+          <a:p>
+            <a:pPr algn="ctr"/>
+            <a:r>
+              <a:rPr lang="de-DE" sz="1200" dirty="0"/>
+              <a:t>grafana-</a:t>
+            </a:r>
+            <a:r>
+              <a:rPr lang="de-DE" sz="1200" dirty="0" err="1"/>
+              <a:t>deployment</a:t>
+            </a:r>
+            <a:endParaRPr lang="de-DE" sz="1200" dirty="0"/>
+          </a:p>
+        </p:txBody>
+      </p:sp>
+      <p:sp>
+        <p:nvSpPr>
+          <p:cNvPr id="27" name="Rechteck 26">
+            <a:extLst>
+              <a:ext uri="{FF2B5EF4-FFF2-40B4-BE49-F238E27FC236}">
+                <a16:creationId xmlns:a16="http://schemas.microsoft.com/office/drawing/2014/main" id="{6EDB4DA6-D209-7E4C-8C3B-F1137A50C21D}"/>
+              </a:ext>
+            </a:extLst>
+          </p:cNvPr>
+          <p:cNvSpPr/>
+          <p:nvPr/>
+        </p:nvSpPr>
+        <p:spPr>
+          <a:xfrm>
+            <a:off x="6912470" y="4820128"/>
+            <a:ext cx="1656230" cy="432060"/>
+          </a:xfrm>
+          <a:prstGeom prst="rect">
+            <a:avLst/>
+          </a:prstGeom>
+          <a:solidFill>
+            <a:srgbClr val="FF6451"/>
+          </a:solidFill>
+          <a:ln>
+            <a:noFill/>
+          </a:ln>
+        </p:spPr>
+        <p:style>
+          <a:lnRef idx="2">
+            <a:schemeClr val="accent1">
+              <a:shade val="50000"/>
+            </a:schemeClr>
+          </a:lnRef>
+          <a:fillRef idx="1">
+            <a:schemeClr val="accent1"/>
+          </a:fillRef>
+          <a:effectRef idx="0">
+            <a:schemeClr val="accent1"/>
+          </a:effectRef>
+          <a:fontRef idx="minor">
+            <a:schemeClr val="lt1"/>
+          </a:fontRef>
+        </p:style>
+        <p:txBody>
+          <a:bodyPr rtlCol="0" anchor="ctr"/>
+          <a:lstStyle/>
+          <a:p>
+            <a:pPr algn="ctr"/>
+            <a:r>
+              <a:rPr lang="de-DE" sz="1200" dirty="0"/>
+              <a:t>grafana-</a:t>
+            </a:r>
+            <a:r>
+              <a:rPr lang="de-DE" sz="1200" dirty="0" err="1"/>
+              <a:t>secret</a:t>
+            </a:r>
+            <a:endParaRPr lang="de-DE" sz="1200" dirty="0"/>
+          </a:p>
+        </p:txBody>
+      </p:sp>
+      <p:cxnSp>
+        <p:nvCxnSpPr>
+          <p:cNvPr id="28" name="Gerade Verbindung mit Pfeil 27">
+            <a:extLst>
+              <a:ext uri="{FF2B5EF4-FFF2-40B4-BE49-F238E27FC236}">
+                <a16:creationId xmlns:a16="http://schemas.microsoft.com/office/drawing/2014/main" id="{6CD14F4E-810D-7B45-9AFC-82D4AB837CF7}"/>
+              </a:ext>
+            </a:extLst>
+          </p:cNvPr>
+          <p:cNvCxnSpPr>
+            <a:cxnSpLocks/>
+            <a:stCxn id="23" idx="2"/>
+            <a:endCxn id="13" idx="0"/>
+          </p:cNvCxnSpPr>
+          <p:nvPr/>
+        </p:nvCxnSpPr>
+        <p:spPr>
+          <a:xfrm>
+            <a:off x="3564005" y="4388436"/>
+            <a:ext cx="0" cy="436236"/>
+          </a:xfrm>
+          <a:prstGeom prst="straightConnector1">
+            <a:avLst/>
+          </a:prstGeom>
+          <a:ln>
+            <a:solidFill>
+              <a:schemeClr val="tx1"/>
+            </a:solidFill>
+            <a:tailEnd type="triangle"/>
+          </a:ln>
+        </p:spPr>
+        <p:style>
+          <a:lnRef idx="1">
+            <a:schemeClr val="accent1"/>
+          </a:lnRef>
+          <a:fillRef idx="0">
+            <a:schemeClr val="accent1"/>
+          </a:fillRef>
+          <a:effectRef idx="0">
+            <a:schemeClr val="accent1"/>
+          </a:effectRef>
+          <a:fontRef idx="minor">
+            <a:schemeClr val="tx1"/>
+          </a:fontRef>
+        </p:style>
+      </p:cxnSp>
+      <p:cxnSp>
+        <p:nvCxnSpPr>
+          <p:cNvPr id="29" name="Gerade Verbindung mit Pfeil 28">
+            <a:extLst>
+              <a:ext uri="{FF2B5EF4-FFF2-40B4-BE49-F238E27FC236}">
+                <a16:creationId xmlns:a16="http://schemas.microsoft.com/office/drawing/2014/main" id="{5A5BEB39-4AF5-C841-9E3B-3C59370CC992}"/>
+              </a:ext>
+            </a:extLst>
+          </p:cNvPr>
+          <p:cNvCxnSpPr>
+            <a:cxnSpLocks/>
+            <a:stCxn id="26" idx="2"/>
+            <a:endCxn id="25" idx="0"/>
+          </p:cNvCxnSpPr>
+          <p:nvPr/>
+        </p:nvCxnSpPr>
+        <p:spPr>
+          <a:xfrm>
+            <a:off x="5652295" y="4388436"/>
+            <a:ext cx="0" cy="431692"/>
+          </a:xfrm>
+          <a:prstGeom prst="straightConnector1">
+            <a:avLst/>
+          </a:prstGeom>
+          <a:ln>
+            <a:solidFill>
+              <a:schemeClr val="tx1"/>
+            </a:solidFill>
+            <a:tailEnd type="triangle"/>
+          </a:ln>
+        </p:spPr>
+        <p:style>
+          <a:lnRef idx="1">
+            <a:schemeClr val="accent1"/>
+          </a:lnRef>
+          <a:fillRef idx="0">
+            <a:schemeClr val="accent1"/>
+          </a:fillRef>
+          <a:effectRef idx="0">
+            <a:schemeClr val="accent1"/>
+          </a:effectRef>
+          <a:fontRef idx="minor">
+            <a:schemeClr val="tx1"/>
+          </a:fontRef>
+        </p:style>
+      </p:cxnSp>
+      <p:cxnSp>
+        <p:nvCxnSpPr>
+          <p:cNvPr id="30" name="Gewinkelte Verbindung 29">
+            <a:extLst>
+              <a:ext uri="{FF2B5EF4-FFF2-40B4-BE49-F238E27FC236}">
+                <a16:creationId xmlns:a16="http://schemas.microsoft.com/office/drawing/2014/main" id="{E045D9E9-9C2D-4047-A2B6-04D2498A4902}"/>
+              </a:ext>
+            </a:extLst>
+          </p:cNvPr>
+          <p:cNvCxnSpPr>
+            <a:cxnSpLocks/>
+            <a:stCxn id="26" idx="2"/>
+            <a:endCxn id="27" idx="0"/>
+          </p:cNvCxnSpPr>
+          <p:nvPr/>
+        </p:nvCxnSpPr>
+        <p:spPr>
+          <a:xfrm rot="16200000" flipH="1">
+            <a:off x="6480594" y="3560137"/>
+            <a:ext cx="431692" cy="2088290"/>
+          </a:xfrm>
+          <a:prstGeom prst="bentConnector3">
+            <a:avLst>
+              <a:gd name="adj1" fmla="val 50000"/>
+            </a:avLst>
+          </a:prstGeom>
+          <a:ln>
+            <a:solidFill>
+              <a:schemeClr val="tx1"/>
+            </a:solidFill>
+            <a:tailEnd type="triangle"/>
+          </a:ln>
+        </p:spPr>
+        <p:style>
+          <a:lnRef idx="1">
+            <a:schemeClr val="accent1"/>
+          </a:lnRef>
+          <a:fillRef idx="0">
+            <a:schemeClr val="accent1"/>
+          </a:fillRef>
+          <a:effectRef idx="0">
+            <a:schemeClr val="accent1"/>
+          </a:effectRef>
+          <a:fontRef idx="minor">
+            <a:schemeClr val="tx1"/>
+          </a:fontRef>
+        </p:style>
+      </p:cxnSp>
+      <p:cxnSp>
+        <p:nvCxnSpPr>
+          <p:cNvPr id="31" name="Gerade Verbindung mit Pfeil 30">
+            <a:extLst>
+              <a:ext uri="{FF2B5EF4-FFF2-40B4-BE49-F238E27FC236}">
+                <a16:creationId xmlns:a16="http://schemas.microsoft.com/office/drawing/2014/main" id="{FD6B835D-5FB3-8042-A5D8-0FAD46304608}"/>
+              </a:ext>
+            </a:extLst>
+          </p:cNvPr>
+          <p:cNvCxnSpPr>
+            <a:cxnSpLocks/>
+            <a:stCxn id="12" idx="2"/>
+            <a:endCxn id="23" idx="0"/>
+          </p:cNvCxnSpPr>
+          <p:nvPr/>
+        </p:nvCxnSpPr>
+        <p:spPr>
+          <a:xfrm>
+            <a:off x="3564005" y="3520140"/>
+            <a:ext cx="0" cy="436236"/>
+          </a:xfrm>
+          <a:prstGeom prst="straightConnector1">
+            <a:avLst/>
+          </a:prstGeom>
+          <a:ln>
+            <a:solidFill>
+              <a:schemeClr val="tx1"/>
+            </a:solidFill>
+            <a:tailEnd type="triangle"/>
+          </a:ln>
+        </p:spPr>
+        <p:style>
+          <a:lnRef idx="1">
+            <a:schemeClr val="accent1"/>
+          </a:lnRef>
+          <a:fillRef idx="0">
+            <a:schemeClr val="accent1"/>
+          </a:fillRef>
+          <a:effectRef idx="0">
+            <a:schemeClr val="accent1"/>
+          </a:effectRef>
+          <a:fontRef idx="minor">
+            <a:schemeClr val="tx1"/>
+          </a:fontRef>
+        </p:style>
+      </p:cxnSp>
+      <p:cxnSp>
+        <p:nvCxnSpPr>
+          <p:cNvPr id="32" name="Gerade Verbindung mit Pfeil 31">
+            <a:extLst>
+              <a:ext uri="{FF2B5EF4-FFF2-40B4-BE49-F238E27FC236}">
+                <a16:creationId xmlns:a16="http://schemas.microsoft.com/office/drawing/2014/main" id="{ED21C911-02CD-B04F-B644-6CA53A4858E0}"/>
+              </a:ext>
+            </a:extLst>
+          </p:cNvPr>
+          <p:cNvCxnSpPr>
+            <a:cxnSpLocks/>
+            <a:stCxn id="24" idx="2"/>
+            <a:endCxn id="26" idx="0"/>
+          </p:cNvCxnSpPr>
+          <p:nvPr/>
+        </p:nvCxnSpPr>
+        <p:spPr>
+          <a:xfrm>
+            <a:off x="5652295" y="3520140"/>
+            <a:ext cx="0" cy="436236"/>
+          </a:xfrm>
+          <a:prstGeom prst="straightConnector1">
+            <a:avLst/>
+          </a:prstGeom>
+          <a:ln>
+            <a:solidFill>
+              <a:schemeClr val="tx1"/>
+            </a:solidFill>
+            <a:tailEnd type="triangle"/>
+          </a:ln>
+        </p:spPr>
+        <p:style>
+          <a:lnRef idx="1">
+            <a:schemeClr val="accent1"/>
+          </a:lnRef>
+          <a:fillRef idx="0">
+            <a:schemeClr val="accent1"/>
+          </a:fillRef>
+          <a:effectRef idx="0">
+            <a:schemeClr val="accent1"/>
+          </a:effectRef>
+          <a:fontRef idx="minor">
+            <a:schemeClr val="tx1"/>
+          </a:fontRef>
+        </p:style>
+      </p:cxnSp>
+      <p:cxnSp>
+        <p:nvCxnSpPr>
+          <p:cNvPr id="33" name="Gewinkelte Verbindung 32">
+            <a:extLst>
+              <a:ext uri="{FF2B5EF4-FFF2-40B4-BE49-F238E27FC236}">
+                <a16:creationId xmlns:a16="http://schemas.microsoft.com/office/drawing/2014/main" id="{9D9BF377-8201-8246-9772-39204065A8C4}"/>
+              </a:ext>
+            </a:extLst>
+          </p:cNvPr>
+          <p:cNvCxnSpPr>
+            <a:cxnSpLocks/>
+            <a:stCxn id="25" idx="1"/>
+            <a:endCxn id="12" idx="3"/>
+          </p:cNvCxnSpPr>
+          <p:nvPr/>
+        </p:nvCxnSpPr>
+        <p:spPr>
+          <a:xfrm rot="10800000">
+            <a:off x="4392120" y="3304110"/>
+            <a:ext cx="432060" cy="1732048"/>
+          </a:xfrm>
+          <a:prstGeom prst="bentConnector3">
+            <a:avLst/>
+          </a:prstGeom>
+          <a:ln>
+            <a:solidFill>
+              <a:schemeClr val="tx1"/>
+            </a:solidFill>
+            <a:tailEnd type="triangle"/>
+          </a:ln>
+        </p:spPr>
+        <p:style>
+          <a:lnRef idx="1">
+            <a:schemeClr val="accent1"/>
+          </a:lnRef>
+          <a:fillRef idx="0">
+            <a:schemeClr val="accent1"/>
+          </a:fillRef>
+          <a:effectRef idx="0">
+            <a:schemeClr val="accent1"/>
+          </a:effectRef>
+          <a:fontRef idx="minor">
+            <a:schemeClr val="tx1"/>
+          </a:fontRef>
+        </p:style>
+      </p:cxnSp>
+      <p:cxnSp>
+        <p:nvCxnSpPr>
+          <p:cNvPr id="34" name="Gerade Verbindung mit Pfeil 33">
+            <a:extLst>
+              <a:ext uri="{FF2B5EF4-FFF2-40B4-BE49-F238E27FC236}">
+                <a16:creationId xmlns:a16="http://schemas.microsoft.com/office/drawing/2014/main" id="{0DFE2166-F325-2F49-A418-1DBC32AF6695}"/>
+              </a:ext>
+            </a:extLst>
+          </p:cNvPr>
+          <p:cNvCxnSpPr>
+            <a:cxnSpLocks/>
+          </p:cNvCxnSpPr>
+          <p:nvPr/>
+        </p:nvCxnSpPr>
+        <p:spPr>
+          <a:xfrm>
+            <a:off x="5652295" y="2656020"/>
+            <a:ext cx="0" cy="432060"/>
+          </a:xfrm>
+          <a:prstGeom prst="straightConnector1">
+            <a:avLst/>
+          </a:prstGeom>
+          <a:ln>
+            <a:solidFill>
+              <a:schemeClr val="tx1"/>
+            </a:solidFill>
+            <a:tailEnd type="triangle"/>
+          </a:ln>
+        </p:spPr>
+        <p:style>
+          <a:lnRef idx="1">
+            <a:schemeClr val="accent1"/>
+          </a:lnRef>
+          <a:fillRef idx="0">
+            <a:schemeClr val="accent1"/>
+          </a:fillRef>
+          <a:effectRef idx="0">
+            <a:schemeClr val="accent1"/>
+          </a:effectRef>
+          <a:fontRef idx="minor">
+            <a:schemeClr val="tx1"/>
+          </a:fontRef>
+        </p:style>
+      </p:cxnSp>
+      <p:sp>
+        <p:nvSpPr>
+          <p:cNvPr id="35" name="Textfeld 34">
+            <a:extLst>
+              <a:ext uri="{FF2B5EF4-FFF2-40B4-BE49-F238E27FC236}">
+                <a16:creationId xmlns:a16="http://schemas.microsoft.com/office/drawing/2014/main" id="{1484E950-8AB5-154E-92A8-5DA4124EE31B}"/>
+              </a:ext>
+            </a:extLst>
+          </p:cNvPr>
+          <p:cNvSpPr txBox="1"/>
+          <p:nvPr/>
+        </p:nvSpPr>
+        <p:spPr>
+          <a:xfrm>
+            <a:off x="5112225" y="2381247"/>
+            <a:ext cx="1080139" cy="276999"/>
+          </a:xfrm>
+          <a:prstGeom prst="rect">
+            <a:avLst/>
+          </a:prstGeom>
+          <a:noFill/>
+        </p:spPr>
+        <p:txBody>
+          <a:bodyPr wrap="square" rtlCol="0">
+            <a:spAutoFit/>
           </a:bodyPr>
           <a:lstStyle/>
           <a:p>
-            <a:pPr marL="285750" indent="-285750">
-              <a:buFont typeface="Arial" panose="020B0604020202020204" pitchFamily="34" charset="0"/>
-              <a:buChar char="•"/>
-            </a:pPr>
-            <a:endParaRPr lang="de-DE" dirty="0"/>
+            <a:pPr algn="ctr"/>
+            <a:r>
+              <a:rPr lang="de-DE" sz="1200" dirty="0"/>
+              <a:t>Browser</a:t>
+            </a:r>
           </a:p>
         </p:txBody>
       </p:sp>
+      <p:sp>
+        <p:nvSpPr>
+          <p:cNvPr id="36" name="Rechteck 35">
+            <a:extLst>
+              <a:ext uri="{FF2B5EF4-FFF2-40B4-BE49-F238E27FC236}">
+                <a16:creationId xmlns:a16="http://schemas.microsoft.com/office/drawing/2014/main" id="{080EB723-9F3D-7D44-83DF-343961F055E4}"/>
+              </a:ext>
+            </a:extLst>
+          </p:cNvPr>
+          <p:cNvSpPr/>
+          <p:nvPr/>
+        </p:nvSpPr>
+        <p:spPr>
+          <a:xfrm>
+            <a:off x="647600" y="4820128"/>
+            <a:ext cx="1656230" cy="432060"/>
+          </a:xfrm>
+          <a:prstGeom prst="rect">
+            <a:avLst/>
+          </a:prstGeom>
+          <a:solidFill>
+            <a:srgbClr val="0070C0"/>
+          </a:solidFill>
+          <a:ln>
+            <a:noFill/>
+          </a:ln>
+        </p:spPr>
+        <p:style>
+          <a:lnRef idx="2">
+            <a:schemeClr val="accent1">
+              <a:shade val="50000"/>
+            </a:schemeClr>
+          </a:lnRef>
+          <a:fillRef idx="1">
+            <a:schemeClr val="accent1"/>
+          </a:fillRef>
+          <a:effectRef idx="0">
+            <a:schemeClr val="accent1"/>
+          </a:effectRef>
+          <a:fontRef idx="minor">
+            <a:schemeClr val="lt1"/>
+          </a:fontRef>
+        </p:style>
+        <p:txBody>
+          <a:bodyPr rtlCol="0" anchor="ctr"/>
+          <a:lstStyle/>
+          <a:p>
+            <a:pPr algn="ctr"/>
+            <a:r>
+              <a:rPr lang="de-DE" sz="1200" dirty="0" err="1"/>
+              <a:t>postgres-secret</a:t>
+            </a:r>
+            <a:endParaRPr lang="de-DE" sz="1200" dirty="0"/>
+          </a:p>
+        </p:txBody>
+      </p:sp>
+      <p:cxnSp>
+        <p:nvCxnSpPr>
+          <p:cNvPr id="37" name="Gewinkelte Verbindung 36">
+            <a:extLst>
+              <a:ext uri="{FF2B5EF4-FFF2-40B4-BE49-F238E27FC236}">
+                <a16:creationId xmlns:a16="http://schemas.microsoft.com/office/drawing/2014/main" id="{EC658EAC-AF6B-BB43-AD05-3FC8C1AAAC8B}"/>
+              </a:ext>
+            </a:extLst>
+          </p:cNvPr>
+          <p:cNvCxnSpPr>
+            <a:cxnSpLocks/>
+            <a:stCxn id="23" idx="2"/>
+            <a:endCxn id="36" idx="0"/>
+          </p:cNvCxnSpPr>
+          <p:nvPr/>
+        </p:nvCxnSpPr>
+        <p:spPr>
+          <a:xfrm rot="5400000">
+            <a:off x="2304014" y="3560137"/>
+            <a:ext cx="431692" cy="2088290"/>
+          </a:xfrm>
+          <a:prstGeom prst="bentConnector3">
+            <a:avLst>
+              <a:gd name="adj1" fmla="val 50000"/>
+            </a:avLst>
+          </a:prstGeom>
+          <a:ln>
+            <a:solidFill>
+              <a:schemeClr val="tx1"/>
+            </a:solidFill>
+            <a:tailEnd type="triangle"/>
+          </a:ln>
+        </p:spPr>
+        <p:style>
+          <a:lnRef idx="1">
+            <a:schemeClr val="accent1"/>
+          </a:lnRef>
+          <a:fillRef idx="0">
+            <a:schemeClr val="accent1"/>
+          </a:fillRef>
+          <a:effectRef idx="0">
+            <a:schemeClr val="accent1"/>
+          </a:effectRef>
+          <a:fontRef idx="minor">
+            <a:schemeClr val="tx1"/>
+          </a:fontRef>
+        </p:style>
+      </p:cxnSp>
     </p:spTree>
     <p:extLst>
       <p:ext uri="{BB962C8B-B14F-4D97-AF65-F5344CB8AC3E}">
-        <p14:creationId xmlns:p14="http://schemas.microsoft.com/office/powerpoint/2010/main" val="4065652997"/>
+        <p14:creationId xmlns:p14="http://schemas.microsoft.com/office/powerpoint/2010/main" val="99428910"/>
       </p:ext>
     </p:extLst>
   </p:cSld>
@@ -5959,9 +9724,12 @@
           <a:p>
             <a:r>
               <a:rPr lang="de-DE" dirty="0" err="1"/>
-              <a:t>Takeaways</a:t>
-            </a:r>
-            <a:endParaRPr lang="de-DE" dirty="0"/>
+              <a:t>ConfigMaps</a:t>
+            </a:r>
+            <a:r>
+              <a:rPr lang="de-DE" dirty="0"/>
+              <a:t> erzeugen</a:t>
+            </a:r>
           </a:p>
         </p:txBody>
       </p:sp>
@@ -5988,42 +9756,36 @@
           </a:bodyPr>
           <a:lstStyle/>
           <a:p>
+            <a:r>
+              <a:rPr lang="de-DE" b="1" dirty="0" err="1"/>
+              <a:t>kubectl</a:t>
+            </a:r>
+            <a:r>
+              <a:rPr lang="de-DE" b="1" dirty="0"/>
+              <a:t> </a:t>
+            </a:r>
+            <a:r>
+              <a:rPr lang="de-DE" b="1" dirty="0" err="1"/>
+              <a:t>create</a:t>
+            </a:r>
+            <a:r>
+              <a:rPr lang="de-DE" b="1" dirty="0"/>
+              <a:t> </a:t>
+            </a:r>
+            <a:r>
+              <a:rPr lang="de-DE" b="1" dirty="0" err="1"/>
+              <a:t>configmap</a:t>
+            </a:r>
+            <a:endParaRPr lang="de-DE" b="1" dirty="0"/>
+          </a:p>
+          <a:p>
             <a:pPr marL="285750" indent="-285750">
               <a:buFont typeface="Arial" panose="020B0604020202020204" pitchFamily="34" charset="0"/>
               <a:buChar char="•"/>
             </a:pPr>
             <a:r>
               <a:rPr lang="de-DE" dirty="0" err="1"/>
-              <a:t>Konfi</a:t>
-            </a:r>
-            <a:endParaRPr lang="de-DE" dirty="0"/>
-          </a:p>
-          <a:p>
-            <a:pPr marL="552450" lvl="1" indent="-285750">
-              <a:buFont typeface="Arial" panose="020B0604020202020204" pitchFamily="34" charset="0"/>
-              <a:buChar char="•"/>
-            </a:pPr>
-            <a:r>
-              <a:rPr lang="de-DE" dirty="0"/>
-              <a:t>Architektur der App muss geeignet sein (</a:t>
-            </a:r>
-            <a:r>
-              <a:rPr lang="de-DE" dirty="0" err="1"/>
-              <a:t>Microservices</a:t>
-            </a:r>
-            <a:r>
-              <a:rPr lang="de-DE" dirty="0"/>
-              <a:t>)</a:t>
-            </a:r>
-          </a:p>
-          <a:p>
-            <a:pPr marL="552450" lvl="1" indent="-285750">
-              <a:buFont typeface="Arial" panose="020B0604020202020204" pitchFamily="34" charset="0"/>
-              <a:buChar char="•"/>
-            </a:pPr>
-            <a:r>
-              <a:rPr lang="de-DE" dirty="0" err="1"/>
-              <a:t>Containerisierung</a:t>
+              <a:t>Literals</a:t>
             </a:r>
             <a:endParaRPr lang="de-DE" dirty="0"/>
           </a:p>
@@ -6034,7 +9796,7 @@
             </a:pPr>
             <a:r>
               <a:rPr lang="de-DE" dirty="0"/>
-              <a:t>Best Practices vereinfachen Entwicklung von Manifesten</a:t>
+              <a:t>Files</a:t>
             </a:r>
           </a:p>
           <a:p>
@@ -6044,28 +9806,32 @@
             </a:pPr>
             <a:r>
               <a:rPr lang="de-DE" dirty="0" err="1"/>
-              <a:t>Grafana</a:t>
-            </a:r>
-            <a:r>
-              <a:rPr lang="de-DE" dirty="0"/>
-              <a:t> kann komfortabel konfiguriert werden (</a:t>
-            </a:r>
+              <a:t>Directories</a:t>
+            </a:r>
+            <a:endParaRPr lang="de-DE" dirty="0"/>
+          </a:p>
+          <a:p>
+            <a:pPr marL="285750" indent="-285750">
+              <a:buFont typeface="Arial" panose="020B0604020202020204" pitchFamily="34" charset="0"/>
+              <a:buChar char="•"/>
+            </a:pPr>
+            <a:endParaRPr lang="de-DE" dirty="0"/>
+          </a:p>
+          <a:p>
+            <a:r>
+              <a:rPr lang="de-DE" b="1" dirty="0"/>
+              <a:t>Generatoren</a:t>
+            </a:r>
+          </a:p>
+          <a:p>
+            <a:pPr marL="285750" indent="-285750">
+              <a:buFont typeface="Arial" panose="020B0604020202020204" pitchFamily="34" charset="0"/>
+              <a:buChar char="•"/>
+            </a:pPr>
             <a:r>
               <a:rPr lang="de-DE" dirty="0" err="1"/>
-              <a:t>ConfigMap</a:t>
-            </a:r>
-            <a:r>
-              <a:rPr lang="de-DE" dirty="0"/>
-              <a:t>)</a:t>
-            </a:r>
-          </a:p>
-          <a:p>
-            <a:endParaRPr lang="de-DE" dirty="0"/>
-          </a:p>
-          <a:p>
-            <a:endParaRPr lang="de-DE" dirty="0"/>
-          </a:p>
-          <a:p>
+              <a:t>kustomization.yaml</a:t>
+            </a:r>
             <a:endParaRPr lang="de-DE" dirty="0"/>
           </a:p>
         </p:txBody>
@@ -6073,7 +9839,7 @@
     </p:spTree>
     <p:extLst>
       <p:ext uri="{BB962C8B-B14F-4D97-AF65-F5344CB8AC3E}">
-        <p14:creationId xmlns:p14="http://schemas.microsoft.com/office/powerpoint/2010/main" val="3615434718"/>
+        <p14:creationId xmlns:p14="http://schemas.microsoft.com/office/powerpoint/2010/main" val="1015194288"/>
       </p:ext>
     </p:extLst>
   </p:cSld>

--- a/04-configmaps-und-secrets/deeptalk-04.pptx
+++ b/04-configmaps-und-secrets/deeptalk-04.pptx
@@ -5,10 +5,10 @@
     <p:sldMasterId id="2147483648" r:id="rId1"/>
   </p:sldMasterIdLst>
   <p:notesMasterIdLst>
-    <p:notesMasterId r:id="rId23"/>
+    <p:notesMasterId r:id="rId24"/>
   </p:notesMasterIdLst>
   <p:handoutMasterIdLst>
-    <p:handoutMasterId r:id="rId24"/>
+    <p:handoutMasterId r:id="rId25"/>
   </p:handoutMasterIdLst>
   <p:sldIdLst>
     <p:sldId id="471" r:id="rId2"/>
@@ -29,33 +29,34 @@
     <p:sldId id="528" r:id="rId17"/>
     <p:sldId id="529" r:id="rId18"/>
     <p:sldId id="530" r:id="rId19"/>
-    <p:sldId id="499" r:id="rId20"/>
-    <p:sldId id="508" r:id="rId21"/>
-    <p:sldId id="495" r:id="rId22"/>
+    <p:sldId id="544" r:id="rId20"/>
+    <p:sldId id="499" r:id="rId21"/>
+    <p:sldId id="508" r:id="rId22"/>
+    <p:sldId id="495" r:id="rId23"/>
   </p:sldIdLst>
   <p:sldSz cx="9144000" cy="5715000" type="screen16x10"/>
   <p:notesSz cx="7099300" cy="10234613"/>
   <p:embeddedFontLst>
     <p:embeddedFont>
       <p:font typeface="Calibri" panose="020F0502020204030204" pitchFamily="34" charset="0"/>
-      <p:regular r:id="rId25"/>
-      <p:bold r:id="rId25"/>
-      <p:italic r:id="rId25"/>
-      <p:boldItalic r:id="rId25"/>
+      <p:regular r:id="rId26"/>
+      <p:bold r:id="rId26"/>
+      <p:italic r:id="rId26"/>
+      <p:boldItalic r:id="rId26"/>
     </p:embeddedFont>
     <p:embeddedFont>
       <p:font typeface="Helvetica" pitchFamily="2" charset="0"/>
-      <p:regular r:id="rId25"/>
-      <p:bold r:id="rId25"/>
-      <p:italic r:id="rId25"/>
-      <p:boldItalic r:id="rId25"/>
+      <p:regular r:id="rId26"/>
+      <p:bold r:id="rId26"/>
+      <p:italic r:id="rId26"/>
+      <p:boldItalic r:id="rId26"/>
     </p:embeddedFont>
     <p:embeddedFont>
       <p:font typeface="Verdana" panose="020B0604030504040204" pitchFamily="34" charset="0"/>
-      <p:regular r:id="rId25"/>
-      <p:bold r:id="rId25"/>
-      <p:italic r:id="rId25"/>
-      <p:boldItalic r:id="rId25"/>
+      <p:regular r:id="rId26"/>
+      <p:bold r:id="rId26"/>
+      <p:italic r:id="rId26"/>
+      <p:boldItalic r:id="rId26"/>
     </p:embeddedFont>
   </p:embeddedFontLst>
   <p:defaultTextStyle>
@@ -1074,12 +1075,6 @@
           <a:bodyPr/>
           <a:lstStyle/>
           <a:p>
-            <a:r>
-              <a:rPr lang="de-DE" dirty="0">
-                <a:hlinkClick r:id="rId3"/>
-              </a:rPr>
-              <a:t>https://www.docker.com/resources/what-container</a:t>
-            </a:r>
             <a:endParaRPr lang="de-DE" dirty="0"/>
           </a:p>
         </p:txBody>
@@ -1170,12 +1165,6 @@
           <a:bodyPr/>
           <a:lstStyle/>
           <a:p>
-            <a:r>
-              <a:rPr lang="de-DE" dirty="0">
-                <a:hlinkClick r:id="rId3"/>
-              </a:rPr>
-              <a:t>https://www.docker.com/resources/what-container</a:t>
-            </a:r>
             <a:endParaRPr lang="de-DE" dirty="0"/>
           </a:p>
         </p:txBody>
@@ -1266,12 +1255,6 @@
           <a:bodyPr/>
           <a:lstStyle/>
           <a:p>
-            <a:r>
-              <a:rPr lang="de-DE" dirty="0">
-                <a:hlinkClick r:id="rId3"/>
-              </a:rPr>
-              <a:t>https://www.docker.com/resources/what-container</a:t>
-            </a:r>
             <a:endParaRPr lang="de-DE" dirty="0"/>
           </a:p>
         </p:txBody>
@@ -1362,12 +1345,6 @@
           <a:bodyPr/>
           <a:lstStyle/>
           <a:p>
-            <a:r>
-              <a:rPr lang="de-DE" dirty="0">
-                <a:hlinkClick r:id="rId3"/>
-              </a:rPr>
-              <a:t>https://www.docker.com/resources/what-container</a:t>
-            </a:r>
             <a:endParaRPr lang="de-DE" dirty="0"/>
           </a:p>
         </p:txBody>
@@ -1458,12 +1435,6 @@
           <a:bodyPr/>
           <a:lstStyle/>
           <a:p>
-            <a:r>
-              <a:rPr lang="de-DE" dirty="0">
-                <a:hlinkClick r:id="rId3"/>
-              </a:rPr>
-              <a:t>https://www.docker.com/resources/what-container</a:t>
-            </a:r>
             <a:endParaRPr lang="de-DE" dirty="0"/>
           </a:p>
         </p:txBody>
@@ -1554,12 +1525,6 @@
           <a:bodyPr/>
           <a:lstStyle/>
           <a:p>
-            <a:r>
-              <a:rPr lang="de-DE" dirty="0">
-                <a:hlinkClick r:id="rId3"/>
-              </a:rPr>
-              <a:t>https://www.docker.com/resources/what-container</a:t>
-            </a:r>
             <a:endParaRPr lang="de-DE" dirty="0"/>
           </a:p>
         </p:txBody>
@@ -1596,7 +1561,277 @@
     </p:spTree>
     <p:extLst>
       <p:ext uri="{BB962C8B-B14F-4D97-AF65-F5344CB8AC3E}">
+        <p14:creationId xmlns:p14="http://schemas.microsoft.com/office/powerpoint/2010/main" val="3913887964"/>
+      </p:ext>
+    </p:extLst>
+  </p:cSld>
+  <p:clrMapOvr>
+    <a:masterClrMapping/>
+  </p:clrMapOvr>
+</p:notes>
+</file>
+
+<file path=ppt/notesSlides/notesSlide16.xml><?xml version="1.0" encoding="utf-8"?>
+<p:notes xmlns:a="http://schemas.openxmlformats.org/drawingml/2006/main" xmlns:r="http://schemas.openxmlformats.org/officeDocument/2006/relationships" xmlns:p="http://schemas.openxmlformats.org/presentationml/2006/main">
+  <p:cSld>
+    <p:spTree>
+      <p:nvGrpSpPr>
+        <p:cNvPr id="1" name=""/>
+        <p:cNvGrpSpPr/>
+        <p:nvPr/>
+      </p:nvGrpSpPr>
+      <p:grpSpPr>
+        <a:xfrm>
+          <a:off x="0" y="0"/>
+          <a:ext cx="0" cy="0"/>
+          <a:chOff x="0" y="0"/>
+          <a:chExt cx="0" cy="0"/>
+        </a:xfrm>
+      </p:grpSpPr>
+      <p:sp>
+        <p:nvSpPr>
+          <p:cNvPr id="2" name="Folienbildplatzhalter 1"/>
+          <p:cNvSpPr>
+            <a:spLocks noGrp="1" noRot="1" noChangeAspect="1"/>
+          </p:cNvSpPr>
+          <p:nvPr>
+            <p:ph type="sldImg"/>
+          </p:nvPr>
+        </p:nvSpPr>
+        <p:spPr/>
+      </p:sp>
+      <p:sp>
+        <p:nvSpPr>
+          <p:cNvPr id="3" name="Notizenplatzhalter 2"/>
+          <p:cNvSpPr>
+            <a:spLocks noGrp="1"/>
+          </p:cNvSpPr>
+          <p:nvPr>
+            <p:ph type="body" idx="1"/>
+          </p:nvPr>
+        </p:nvSpPr>
+        <p:spPr/>
+        <p:txBody>
+          <a:bodyPr/>
+          <a:lstStyle/>
+          <a:p>
+            <a:endParaRPr lang="de-DE" dirty="0"/>
+          </a:p>
+        </p:txBody>
+      </p:sp>
+      <p:sp>
+        <p:nvSpPr>
+          <p:cNvPr id="4" name="Foliennummernplatzhalter 3"/>
+          <p:cNvSpPr>
+            <a:spLocks noGrp="1"/>
+          </p:cNvSpPr>
+          <p:nvPr>
+            <p:ph type="sldNum" sz="quarter" idx="5"/>
+          </p:nvPr>
+        </p:nvSpPr>
+        <p:spPr/>
+        <p:txBody>
+          <a:bodyPr/>
+          <a:lstStyle/>
+          <a:p>
+            <a:pPr>
+              <a:defRPr/>
+            </a:pPr>
+            <a:fld id="{4D8C3D32-0CEC-4E75-98FF-2FBD233904A7}" type="slidenum">
+              <a:rPr lang="de-DE" smtClean="0"/>
+              <a:pPr>
+                <a:defRPr/>
+              </a:pPr>
+              <a:t>20</a:t>
+            </a:fld>
+            <a:endParaRPr lang="de-DE"/>
+          </a:p>
+        </p:txBody>
+      </p:sp>
+    </p:spTree>
+    <p:extLst>
+      <p:ext uri="{BB962C8B-B14F-4D97-AF65-F5344CB8AC3E}">
         <p14:creationId xmlns:p14="http://schemas.microsoft.com/office/powerpoint/2010/main" val="646348872"/>
+      </p:ext>
+    </p:extLst>
+  </p:cSld>
+  <p:clrMapOvr>
+    <a:masterClrMapping/>
+  </p:clrMapOvr>
+</p:notes>
+</file>
+
+<file path=ppt/notesSlides/notesSlide17.xml><?xml version="1.0" encoding="utf-8"?>
+<p:notes xmlns:a="http://schemas.openxmlformats.org/drawingml/2006/main" xmlns:r="http://schemas.openxmlformats.org/officeDocument/2006/relationships" xmlns:p="http://schemas.openxmlformats.org/presentationml/2006/main">
+  <p:cSld>
+    <p:spTree>
+      <p:nvGrpSpPr>
+        <p:cNvPr id="1" name=""/>
+        <p:cNvGrpSpPr/>
+        <p:nvPr/>
+      </p:nvGrpSpPr>
+      <p:grpSpPr>
+        <a:xfrm>
+          <a:off x="0" y="0"/>
+          <a:ext cx="0" cy="0"/>
+          <a:chOff x="0" y="0"/>
+          <a:chExt cx="0" cy="0"/>
+        </a:xfrm>
+      </p:grpSpPr>
+      <p:sp>
+        <p:nvSpPr>
+          <p:cNvPr id="2" name="Folienbildplatzhalter 1"/>
+          <p:cNvSpPr>
+            <a:spLocks noGrp="1" noRot="1" noChangeAspect="1"/>
+          </p:cNvSpPr>
+          <p:nvPr>
+            <p:ph type="sldImg"/>
+          </p:nvPr>
+        </p:nvSpPr>
+        <p:spPr/>
+      </p:sp>
+      <p:sp>
+        <p:nvSpPr>
+          <p:cNvPr id="3" name="Notizenplatzhalter 2"/>
+          <p:cNvSpPr>
+            <a:spLocks noGrp="1"/>
+          </p:cNvSpPr>
+          <p:nvPr>
+            <p:ph type="body" idx="1"/>
+          </p:nvPr>
+        </p:nvSpPr>
+        <p:spPr/>
+        <p:txBody>
+          <a:bodyPr/>
+          <a:lstStyle/>
+          <a:p>
+            <a:endParaRPr lang="de-DE" dirty="0"/>
+          </a:p>
+        </p:txBody>
+      </p:sp>
+      <p:sp>
+        <p:nvSpPr>
+          <p:cNvPr id="4" name="Foliennummernplatzhalter 3"/>
+          <p:cNvSpPr>
+            <a:spLocks noGrp="1"/>
+          </p:cNvSpPr>
+          <p:nvPr>
+            <p:ph type="sldNum" sz="quarter" idx="5"/>
+          </p:nvPr>
+        </p:nvSpPr>
+        <p:spPr/>
+        <p:txBody>
+          <a:bodyPr/>
+          <a:lstStyle/>
+          <a:p>
+            <a:pPr>
+              <a:defRPr/>
+            </a:pPr>
+            <a:fld id="{4D8C3D32-0CEC-4E75-98FF-2FBD233904A7}" type="slidenum">
+              <a:rPr lang="de-DE" smtClean="0"/>
+              <a:pPr>
+                <a:defRPr/>
+              </a:pPr>
+              <a:t>21</a:t>
+            </a:fld>
+            <a:endParaRPr lang="de-DE"/>
+          </a:p>
+        </p:txBody>
+      </p:sp>
+    </p:spTree>
+    <p:extLst>
+      <p:ext uri="{BB962C8B-B14F-4D97-AF65-F5344CB8AC3E}">
+        <p14:creationId xmlns:p14="http://schemas.microsoft.com/office/powerpoint/2010/main" val="2209578296"/>
+      </p:ext>
+    </p:extLst>
+  </p:cSld>
+  <p:clrMapOvr>
+    <a:masterClrMapping/>
+  </p:clrMapOvr>
+</p:notes>
+</file>
+
+<file path=ppt/notesSlides/notesSlide18.xml><?xml version="1.0" encoding="utf-8"?>
+<p:notes xmlns:a="http://schemas.openxmlformats.org/drawingml/2006/main" xmlns:r="http://schemas.openxmlformats.org/officeDocument/2006/relationships" xmlns:p="http://schemas.openxmlformats.org/presentationml/2006/main">
+  <p:cSld>
+    <p:spTree>
+      <p:nvGrpSpPr>
+        <p:cNvPr id="1" name=""/>
+        <p:cNvGrpSpPr/>
+        <p:nvPr/>
+      </p:nvGrpSpPr>
+      <p:grpSpPr>
+        <a:xfrm>
+          <a:off x="0" y="0"/>
+          <a:ext cx="0" cy="0"/>
+          <a:chOff x="0" y="0"/>
+          <a:chExt cx="0" cy="0"/>
+        </a:xfrm>
+      </p:grpSpPr>
+      <p:sp>
+        <p:nvSpPr>
+          <p:cNvPr id="2" name="Folienbildplatzhalter 1"/>
+          <p:cNvSpPr>
+            <a:spLocks noGrp="1" noRot="1" noChangeAspect="1"/>
+          </p:cNvSpPr>
+          <p:nvPr>
+            <p:ph type="sldImg"/>
+          </p:nvPr>
+        </p:nvSpPr>
+        <p:spPr/>
+      </p:sp>
+      <p:sp>
+        <p:nvSpPr>
+          <p:cNvPr id="3" name="Notizenplatzhalter 2"/>
+          <p:cNvSpPr>
+            <a:spLocks noGrp="1"/>
+          </p:cNvSpPr>
+          <p:nvPr>
+            <p:ph type="body" idx="1"/>
+          </p:nvPr>
+        </p:nvSpPr>
+        <p:spPr/>
+        <p:txBody>
+          <a:bodyPr/>
+          <a:lstStyle/>
+          <a:p>
+            <a:endParaRPr lang="de-DE"/>
+          </a:p>
+        </p:txBody>
+      </p:sp>
+      <p:sp>
+        <p:nvSpPr>
+          <p:cNvPr id="4" name="Foliennummernplatzhalter 3"/>
+          <p:cNvSpPr>
+            <a:spLocks noGrp="1"/>
+          </p:cNvSpPr>
+          <p:nvPr>
+            <p:ph type="sldNum" sz="quarter" idx="5"/>
+          </p:nvPr>
+        </p:nvSpPr>
+        <p:spPr/>
+        <p:txBody>
+          <a:bodyPr/>
+          <a:lstStyle/>
+          <a:p>
+            <a:pPr>
+              <a:defRPr/>
+            </a:pPr>
+            <a:fld id="{4D8C3D32-0CEC-4E75-98FF-2FBD233904A7}" type="slidenum">
+              <a:rPr lang="de-DE" smtClean="0"/>
+              <a:pPr>
+                <a:defRPr/>
+              </a:pPr>
+              <a:t>22</a:t>
+            </a:fld>
+            <a:endParaRPr lang="de-DE"/>
+          </a:p>
+        </p:txBody>
+      </p:sp>
+    </p:spTree>
+    <p:extLst>
+      <p:ext uri="{BB962C8B-B14F-4D97-AF65-F5344CB8AC3E}">
+        <p14:creationId xmlns:p14="http://schemas.microsoft.com/office/powerpoint/2010/main" val="3428613333"/>
       </p:ext>
     </p:extLst>
   </p:cSld>
@@ -1650,12 +1885,6 @@
           <a:bodyPr/>
           <a:lstStyle/>
           <a:p>
-            <a:r>
-              <a:rPr lang="de-DE" dirty="0">
-                <a:hlinkClick r:id="rId3"/>
-              </a:rPr>
-              <a:t>https://www.docker.com/resources/what-container</a:t>
-            </a:r>
             <a:endParaRPr lang="de-DE" dirty="0"/>
           </a:p>
         </p:txBody>
@@ -2016,12 +2245,6 @@
           <a:bodyPr/>
           <a:lstStyle/>
           <a:p>
-            <a:r>
-              <a:rPr lang="de-DE" dirty="0">
-                <a:hlinkClick r:id="rId3"/>
-              </a:rPr>
-              <a:t>https://www.docker.com/resources/what-container</a:t>
-            </a:r>
             <a:endParaRPr lang="de-DE" dirty="0"/>
           </a:p>
         </p:txBody>
@@ -2112,12 +2335,6 @@
           <a:bodyPr/>
           <a:lstStyle/>
           <a:p>
-            <a:r>
-              <a:rPr lang="de-DE" dirty="0">
-                <a:hlinkClick r:id="rId3"/>
-              </a:rPr>
-              <a:t>https://www.docker.com/resources/what-container</a:t>
-            </a:r>
             <a:endParaRPr lang="de-DE" dirty="0"/>
           </a:p>
         </p:txBody>
@@ -2208,12 +2425,6 @@
           <a:bodyPr/>
           <a:lstStyle/>
           <a:p>
-            <a:r>
-              <a:rPr lang="de-DE" dirty="0">
-                <a:hlinkClick r:id="rId3"/>
-              </a:rPr>
-              <a:t>https://www.docker.com/resources/what-container</a:t>
-            </a:r>
             <a:endParaRPr lang="de-DE" dirty="0"/>
           </a:p>
         </p:txBody>
@@ -2304,12 +2515,6 @@
           <a:bodyPr/>
           <a:lstStyle/>
           <a:p>
-            <a:r>
-              <a:rPr lang="de-DE" dirty="0">
-                <a:hlinkClick r:id="rId3"/>
-              </a:rPr>
-              <a:t>https://www.docker.com/resources/what-container</a:t>
-            </a:r>
             <a:endParaRPr lang="de-DE" dirty="0"/>
           </a:p>
         </p:txBody>
@@ -7349,7 +7554,15 @@
             </a:r>
             <a:r>
               <a:rPr lang="de-DE" dirty="0"/>
-              <a:t> System</a:t>
+              <a:t> System (</a:t>
+            </a:r>
+            <a:r>
+              <a:rPr lang="de-DE" dirty="0" err="1"/>
+              <a:t>Grafana</a:t>
+            </a:r>
+            <a:r>
+              <a:rPr lang="de-DE" dirty="0"/>
+              <a:t>)</a:t>
             </a:r>
           </a:p>
         </p:txBody>
@@ -7890,7 +8103,7 @@
             </a:r>
             <a:r>
               <a:rPr lang="de-DE" dirty="0"/>
-              <a:t> als Volume im </a:t>
+              <a:t> als Volume in einem </a:t>
             </a:r>
             <a:r>
               <a:rPr lang="de-DE" dirty="0" err="1"/>
@@ -9319,11 +9532,11 @@
           <a:lstStyle/>
           <a:p>
             <a:r>
-              <a:rPr lang="de-DE" dirty="0" err="1"/>
+              <a:rPr lang="de-DE" b="1" dirty="0" err="1"/>
               <a:t>Secrets</a:t>
             </a:r>
             <a:r>
-              <a:rPr lang="de-DE" dirty="0"/>
+              <a:rPr lang="de-DE" b="1" dirty="0"/>
               <a:t> enthalten sensible Daten</a:t>
             </a:r>
           </a:p>
@@ -9380,20 +9593,6 @@
             <a:endParaRPr lang="de-DE" dirty="0"/>
           </a:p>
           <a:p>
-            <a:pPr marL="285750" indent="-285750">
-              <a:buFont typeface="Arial" panose="020B0604020202020204" pitchFamily="34" charset="0"/>
-              <a:buChar char="•"/>
-            </a:pPr>
-            <a:r>
-              <a:rPr lang="de-DE" dirty="0"/>
-              <a:t>…</a:t>
-            </a:r>
-          </a:p>
-          <a:p>
-            <a:pPr marL="285750" indent="-285750">
-              <a:buFont typeface="Arial" panose="020B0604020202020204" pitchFamily="34" charset="0"/>
-              <a:buChar char="•"/>
-            </a:pPr>
             <a:endParaRPr lang="de-DE" dirty="0"/>
           </a:p>
           <a:p>
@@ -9458,7 +9657,7 @@
           <a:p>
             <a:r>
               <a:rPr lang="de-DE" dirty="0" err="1"/>
-              <a:t>Misc</a:t>
+              <a:t>Takeaways</a:t>
             </a:r>
             <a:endParaRPr lang="de-DE" dirty="0"/>
           </a:p>
@@ -9483,130 +9682,150 @@
         <p:spPr/>
         <p:txBody>
           <a:bodyPr>
-            <a:normAutofit fontScale="77500" lnSpcReduction="20000"/>
+            <a:normAutofit/>
           </a:bodyPr>
           <a:lstStyle/>
           <a:p>
-            <a:r>
-              <a:rPr lang="de-DE" b="1" dirty="0"/>
-              <a:t>Materialien zum Talk - NEU</a:t>
-            </a:r>
-          </a:p>
-          <a:p>
-            <a:r>
-              <a:rPr lang="de-DE" dirty="0">
-                <a:hlinkClick r:id="rId3"/>
-              </a:rPr>
-              <a:t>https://github.com/deepshore/deeptalk</a:t>
-            </a:r>
+            <a:pPr marL="285750" indent="-285750">
+              <a:buFont typeface="Arial" panose="020B0604020202020204" pitchFamily="34" charset="0"/>
+              <a:buChar char="•"/>
+            </a:pPr>
+            <a:r>
+              <a:rPr lang="de-DE" dirty="0" err="1"/>
+              <a:t>ConfigMaps</a:t>
+            </a:r>
+            <a:r>
+              <a:rPr lang="de-DE" dirty="0"/>
+              <a:t> und </a:t>
+            </a:r>
+            <a:r>
+              <a:rPr lang="de-DE" dirty="0" err="1"/>
+              <a:t>Secrets</a:t>
+            </a:r>
+            <a:r>
+              <a:rPr lang="de-DE" dirty="0"/>
+              <a:t> enthalten Konfigurationsdaten</a:t>
+            </a:r>
+          </a:p>
+          <a:p>
+            <a:pPr marL="285750" indent="-285750">
+              <a:buFont typeface="Arial" panose="020B0604020202020204" pitchFamily="34" charset="0"/>
+              <a:buChar char="•"/>
+            </a:pPr>
+            <a:r>
+              <a:rPr lang="de-DE" dirty="0" err="1"/>
+              <a:t>Secrets</a:t>
+            </a:r>
+            <a:r>
+              <a:rPr lang="de-DE" dirty="0"/>
+              <a:t> enthalten sensible Daten</a:t>
+            </a:r>
+          </a:p>
+          <a:p>
+            <a:pPr marL="285750" indent="-285750">
+              <a:buFont typeface="Arial" panose="020B0604020202020204" pitchFamily="34" charset="0"/>
+              <a:buChar char="•"/>
+            </a:pPr>
+            <a:r>
+              <a:rPr lang="de-DE" dirty="0"/>
+              <a:t>Key-Value-Paare können in </a:t>
+            </a:r>
+            <a:r>
+              <a:rPr lang="de-DE" dirty="0" err="1"/>
+              <a:t>Pods</a:t>
+            </a:r>
+            <a:r>
+              <a:rPr lang="de-DE" dirty="0"/>
+              <a:t> eingebracht werden als:</a:t>
+            </a:r>
+          </a:p>
+          <a:p>
+            <a:pPr marL="552450" lvl="1" indent="-285750">
+              <a:buFont typeface="Arial" panose="020B0604020202020204" pitchFamily="34" charset="0"/>
+              <a:buChar char="•"/>
+            </a:pPr>
+            <a:r>
+              <a:rPr lang="de-DE" dirty="0"/>
+              <a:t>Umgebungsvariablen</a:t>
+            </a:r>
+          </a:p>
+          <a:p>
+            <a:pPr marL="552450" lvl="1" indent="-285750">
+              <a:buFont typeface="Arial" panose="020B0604020202020204" pitchFamily="34" charset="0"/>
+              <a:buChar char="•"/>
+            </a:pPr>
+            <a:r>
+              <a:rPr lang="de-DE" dirty="0"/>
+              <a:t>Dateien</a:t>
+            </a:r>
+          </a:p>
+          <a:p>
+            <a:pPr marL="285750" indent="-285750">
+              <a:buFont typeface="Arial" panose="020B0604020202020204" pitchFamily="34" charset="0"/>
+              <a:buChar char="•"/>
+            </a:pPr>
+            <a:r>
+              <a:rPr lang="de-DE" dirty="0" err="1"/>
+              <a:t>ConfigMaps</a:t>
+            </a:r>
+            <a:r>
+              <a:rPr lang="de-DE" dirty="0"/>
+              <a:t> und </a:t>
+            </a:r>
+            <a:r>
+              <a:rPr lang="de-DE" dirty="0" err="1"/>
+              <a:t>Secrets</a:t>
+            </a:r>
+            <a:r>
+              <a:rPr lang="de-DE" dirty="0"/>
+              <a:t> können als </a:t>
+            </a:r>
+            <a:r>
+              <a:rPr lang="de-DE" dirty="0" err="1"/>
+              <a:t>Volumes</a:t>
+            </a:r>
+            <a:r>
+              <a:rPr lang="de-DE" dirty="0"/>
+              <a:t> verwendet werden</a:t>
+            </a:r>
+          </a:p>
+          <a:p>
+            <a:pPr marL="285750" indent="-285750">
+              <a:buFont typeface="Arial" panose="020B0604020202020204" pitchFamily="34" charset="0"/>
+              <a:buChar char="•"/>
+            </a:pPr>
+            <a:r>
+              <a:rPr lang="de-DE" dirty="0"/>
+              <a:t>Umgang mit </a:t>
+            </a:r>
+            <a:r>
+              <a:rPr lang="de-DE" dirty="0" err="1"/>
+              <a:t>Secrets</a:t>
+            </a:r>
+            <a:r>
+              <a:rPr lang="de-DE" dirty="0"/>
+              <a:t> erfordert Sorgfalt</a:t>
+            </a:r>
+          </a:p>
+          <a:p>
+            <a:pPr marL="285750" indent="-285750">
+              <a:buFont typeface="Arial" panose="020B0604020202020204" pitchFamily="34" charset="0"/>
+              <a:buChar char="•"/>
+            </a:pPr>
             <a:endParaRPr lang="de-DE" dirty="0"/>
           </a:p>
           <a:p>
+            <a:pPr marL="285750" indent="-285750">
+              <a:buFont typeface="Arial" panose="020B0604020202020204" pitchFamily="34" charset="0"/>
+              <a:buChar char="•"/>
+            </a:pPr>
             <a:endParaRPr lang="de-DE" dirty="0"/>
           </a:p>
           <a:p>
-            <a:r>
-              <a:rPr lang="de-DE" b="1" dirty="0"/>
-              <a:t>Weiterführendes</a:t>
-            </a:r>
-          </a:p>
-          <a:p>
-            <a:r>
-              <a:rPr lang="de-DE" dirty="0" err="1"/>
-              <a:t>Postgres</a:t>
-            </a:r>
-            <a:r>
-              <a:rPr lang="de-DE" dirty="0"/>
-              <a:t>: </a:t>
-            </a:r>
-            <a:r>
-              <a:rPr lang="de-DE" dirty="0">
-                <a:hlinkClick r:id="rId4"/>
-              </a:rPr>
-              <a:t>https://www.postgresql.org/</a:t>
-            </a:r>
-            <a:endParaRPr lang="de-DE" dirty="0"/>
-          </a:p>
-          <a:p>
-            <a:r>
-              <a:rPr lang="de-DE" dirty="0" err="1"/>
-              <a:t>Grafana</a:t>
-            </a:r>
-            <a:r>
-              <a:rPr lang="de-DE" dirty="0"/>
-              <a:t>: </a:t>
-            </a:r>
-            <a:r>
-              <a:rPr lang="de-DE" dirty="0">
-                <a:sym typeface="Wingdings" pitchFamily="2" charset="2"/>
-                <a:hlinkClick r:id="rId5"/>
-              </a:rPr>
-              <a:t>https://grafana.com/docs/grafana/latest/administration/provisioning/</a:t>
-            </a:r>
-            <a:endParaRPr lang="de-DE" dirty="0">
-              <a:sym typeface="Wingdings" pitchFamily="2" charset="2"/>
-            </a:endParaRPr>
-          </a:p>
-          <a:p>
-            <a:r>
-              <a:rPr lang="de-DE" dirty="0" err="1"/>
-              <a:t>Kubernetes</a:t>
-            </a:r>
-            <a:r>
-              <a:rPr lang="de-DE" dirty="0"/>
-              <a:t>: </a:t>
-            </a:r>
-            <a:r>
-              <a:rPr lang="de-DE" dirty="0">
-                <a:hlinkClick r:id="rId6"/>
-              </a:rPr>
-              <a:t>https://kubernetes.io/docs/home/</a:t>
-            </a:r>
-            <a:endParaRPr lang="de-DE" dirty="0"/>
-          </a:p>
-          <a:p>
-            <a:endParaRPr lang="de-DE" dirty="0"/>
-          </a:p>
-          <a:p>
-            <a:r>
-              <a:rPr lang="de-DE" b="1" dirty="0"/>
-              <a:t>Feedback , Anregungen, Themenvorschläge</a:t>
-            </a:r>
-          </a:p>
-          <a:p>
-            <a:r>
-              <a:rPr lang="de-DE" dirty="0">
-                <a:hlinkClick r:id="rId7"/>
-              </a:rPr>
-              <a:t>florian.boldt@deepshore.de</a:t>
-            </a:r>
-            <a:endParaRPr lang="de-DE" dirty="0"/>
-          </a:p>
-          <a:p>
-            <a:r>
-              <a:rPr lang="de-DE" dirty="0">
-                <a:hlinkClick r:id="rId8"/>
-              </a:rPr>
-              <a:t>malte.groth@deepshore.de</a:t>
-            </a:r>
-            <a:endParaRPr lang="de-DE" dirty="0"/>
-          </a:p>
-          <a:p>
-            <a:r>
-              <a:rPr lang="de-DE" dirty="0">
-                <a:hlinkClick r:id="rId9"/>
-              </a:rPr>
-              <a:t>frederic.born@deepshore.de</a:t>
-            </a:r>
-            <a:endParaRPr lang="de-DE" dirty="0"/>
-          </a:p>
-          <a:p>
-            <a:endParaRPr lang="de-DE" dirty="0"/>
-          </a:p>
-          <a:p>
-            <a:endParaRPr lang="de-DE" dirty="0"/>
-          </a:p>
-          <a:p>
+            <a:pPr marL="285750" indent="-285750">
+              <a:buFont typeface="Arial" panose="020B0604020202020204" pitchFamily="34" charset="0"/>
+              <a:buChar char="•"/>
+            </a:pPr>
             <a:endParaRPr lang="de-DE" dirty="0"/>
           </a:p>
         </p:txBody>
@@ -9614,7 +9833,7 @@
     </p:spTree>
     <p:extLst>
       <p:ext uri="{BB962C8B-B14F-4D97-AF65-F5344CB8AC3E}">
-        <p14:creationId xmlns:p14="http://schemas.microsoft.com/office/powerpoint/2010/main" val="1579135088"/>
+        <p14:creationId xmlns:p14="http://schemas.microsoft.com/office/powerpoint/2010/main" val="1142975960"/>
       </p:ext>
     </p:extLst>
   </p:cSld>
@@ -9691,17 +9910,18 @@
           <a:lstStyle/>
           <a:p>
             <a:r>
+              <a:rPr lang="de-DE" dirty="0" err="1"/>
+              <a:t>Recap</a:t>
+            </a:r>
+            <a:endParaRPr lang="de-DE" dirty="0"/>
+          </a:p>
+          <a:p>
+            <a:endParaRPr lang="de-DE" dirty="0"/>
+          </a:p>
+          <a:p>
+            <a:r>
               <a:rPr lang="de-DE" dirty="0"/>
-              <a:t>Grundlagen</a:t>
-            </a:r>
-          </a:p>
-          <a:p>
-            <a:endParaRPr lang="de-DE" dirty="0"/>
-          </a:p>
-          <a:p>
-            <a:r>
-              <a:rPr lang="de-DE" dirty="0"/>
-              <a:t>Beispiele aus der Praxis</a:t>
+              <a:t>Grundlagen und Beispiele aus der Praxis</a:t>
             </a:r>
           </a:p>
           <a:p>
@@ -9759,6 +9979,212 @@
           <p:cNvPr id="2" name="Titel 1">
             <a:extLst>
               <a:ext uri="{FF2B5EF4-FFF2-40B4-BE49-F238E27FC236}">
+                <a16:creationId xmlns:a16="http://schemas.microsoft.com/office/drawing/2014/main" id="{63E74088-BB91-574B-9695-A0121785026E}"/>
+              </a:ext>
+            </a:extLst>
+          </p:cNvPr>
+          <p:cNvSpPr>
+            <a:spLocks noGrp="1"/>
+          </p:cNvSpPr>
+          <p:nvPr>
+            <p:ph type="title"/>
+          </p:nvPr>
+        </p:nvSpPr>
+        <p:spPr/>
+        <p:txBody>
+          <a:bodyPr/>
+          <a:lstStyle/>
+          <a:p>
+            <a:r>
+              <a:rPr lang="de-DE" dirty="0" err="1"/>
+              <a:t>Misc</a:t>
+            </a:r>
+            <a:endParaRPr lang="de-DE" dirty="0"/>
+          </a:p>
+        </p:txBody>
+      </p:sp>
+      <p:sp>
+        <p:nvSpPr>
+          <p:cNvPr id="3" name="Inhaltsplatzhalter 2">
+            <a:extLst>
+              <a:ext uri="{FF2B5EF4-FFF2-40B4-BE49-F238E27FC236}">
+                <a16:creationId xmlns:a16="http://schemas.microsoft.com/office/drawing/2014/main" id="{0EEB0F87-B7B4-B946-A3AA-B4CFBE864340}"/>
+              </a:ext>
+            </a:extLst>
+          </p:cNvPr>
+          <p:cNvSpPr>
+            <a:spLocks noGrp="1"/>
+          </p:cNvSpPr>
+          <p:nvPr>
+            <p:ph idx="1"/>
+          </p:nvPr>
+        </p:nvSpPr>
+        <p:spPr/>
+        <p:txBody>
+          <a:bodyPr>
+            <a:normAutofit fontScale="77500" lnSpcReduction="20000"/>
+          </a:bodyPr>
+          <a:lstStyle/>
+          <a:p>
+            <a:r>
+              <a:rPr lang="de-DE" b="1" dirty="0"/>
+              <a:t>Materialien zum Talk - NEU</a:t>
+            </a:r>
+          </a:p>
+          <a:p>
+            <a:r>
+              <a:rPr lang="de-DE" dirty="0">
+                <a:hlinkClick r:id="rId3"/>
+              </a:rPr>
+              <a:t>https://github.com/deepshore/deeptalk</a:t>
+            </a:r>
+            <a:endParaRPr lang="de-DE" dirty="0"/>
+          </a:p>
+          <a:p>
+            <a:endParaRPr lang="de-DE" dirty="0"/>
+          </a:p>
+          <a:p>
+            <a:r>
+              <a:rPr lang="de-DE" b="1" dirty="0"/>
+              <a:t>Weiterführendes</a:t>
+            </a:r>
+          </a:p>
+          <a:p>
+            <a:r>
+              <a:rPr lang="de-DE" dirty="0" err="1"/>
+              <a:t>Postgres</a:t>
+            </a:r>
+            <a:r>
+              <a:rPr lang="de-DE" dirty="0"/>
+              <a:t>: </a:t>
+            </a:r>
+            <a:r>
+              <a:rPr lang="de-DE" dirty="0">
+                <a:hlinkClick r:id="rId4"/>
+              </a:rPr>
+              <a:t>https://www.postgresql.org/</a:t>
+            </a:r>
+            <a:endParaRPr lang="de-DE" dirty="0"/>
+          </a:p>
+          <a:p>
+            <a:r>
+              <a:rPr lang="de-DE" dirty="0" err="1"/>
+              <a:t>Grafana</a:t>
+            </a:r>
+            <a:r>
+              <a:rPr lang="de-DE" dirty="0"/>
+              <a:t>: </a:t>
+            </a:r>
+            <a:r>
+              <a:rPr lang="de-DE" dirty="0">
+                <a:sym typeface="Wingdings" pitchFamily="2" charset="2"/>
+                <a:hlinkClick r:id="rId5"/>
+              </a:rPr>
+              <a:t>https://grafana.com/docs/grafana/latest/administration/provisioning/</a:t>
+            </a:r>
+            <a:endParaRPr lang="de-DE" dirty="0">
+              <a:sym typeface="Wingdings" pitchFamily="2" charset="2"/>
+            </a:endParaRPr>
+          </a:p>
+          <a:p>
+            <a:r>
+              <a:rPr lang="de-DE" dirty="0" err="1"/>
+              <a:t>Kubernetes</a:t>
+            </a:r>
+            <a:r>
+              <a:rPr lang="de-DE" dirty="0"/>
+              <a:t>: </a:t>
+            </a:r>
+            <a:r>
+              <a:rPr lang="de-DE" dirty="0">
+                <a:hlinkClick r:id="rId6"/>
+              </a:rPr>
+              <a:t>https://kubernetes.io/docs/home/</a:t>
+            </a:r>
+            <a:endParaRPr lang="de-DE" dirty="0"/>
+          </a:p>
+          <a:p>
+            <a:endParaRPr lang="de-DE" dirty="0"/>
+          </a:p>
+          <a:p>
+            <a:r>
+              <a:rPr lang="de-DE" b="1" dirty="0"/>
+              <a:t>Feedback , Anregungen, Themenvorschläge</a:t>
+            </a:r>
+          </a:p>
+          <a:p>
+            <a:r>
+              <a:rPr lang="de-DE" dirty="0">
+                <a:hlinkClick r:id="rId7"/>
+              </a:rPr>
+              <a:t>florian.boldt@deepshore.de</a:t>
+            </a:r>
+            <a:endParaRPr lang="de-DE" dirty="0"/>
+          </a:p>
+          <a:p>
+            <a:r>
+              <a:rPr lang="de-DE" dirty="0">
+                <a:hlinkClick r:id="rId8"/>
+              </a:rPr>
+              <a:t>malte.groth@deepshore.de</a:t>
+            </a:r>
+            <a:endParaRPr lang="de-DE" dirty="0"/>
+          </a:p>
+          <a:p>
+            <a:r>
+              <a:rPr lang="de-DE" dirty="0">
+                <a:hlinkClick r:id="rId9"/>
+              </a:rPr>
+              <a:t>frederic.born@deepshore.de</a:t>
+            </a:r>
+            <a:endParaRPr lang="de-DE" dirty="0"/>
+          </a:p>
+          <a:p>
+            <a:endParaRPr lang="de-DE" dirty="0"/>
+          </a:p>
+          <a:p>
+            <a:endParaRPr lang="de-DE" dirty="0"/>
+          </a:p>
+          <a:p>
+            <a:endParaRPr lang="de-DE" dirty="0"/>
+          </a:p>
+        </p:txBody>
+      </p:sp>
+    </p:spTree>
+    <p:extLst>
+      <p:ext uri="{BB962C8B-B14F-4D97-AF65-F5344CB8AC3E}">
+        <p14:creationId xmlns:p14="http://schemas.microsoft.com/office/powerpoint/2010/main" val="1579135088"/>
+      </p:ext>
+    </p:extLst>
+  </p:cSld>
+  <p:clrMapOvr>
+    <a:masterClrMapping/>
+  </p:clrMapOvr>
+</p:sld>
+</file>
+
+<file path=ppt/slides/slide21.xml><?xml version="1.0" encoding="utf-8"?>
+<p:sld xmlns:a="http://schemas.openxmlformats.org/drawingml/2006/main" xmlns:r="http://schemas.openxmlformats.org/officeDocument/2006/relationships" xmlns:p="http://schemas.openxmlformats.org/presentationml/2006/main">
+  <p:cSld>
+    <p:spTree>
+      <p:nvGrpSpPr>
+        <p:cNvPr id="1" name=""/>
+        <p:cNvGrpSpPr/>
+        <p:nvPr/>
+      </p:nvGrpSpPr>
+      <p:grpSpPr>
+        <a:xfrm>
+          <a:off x="0" y="0"/>
+          <a:ext cx="0" cy="0"/>
+          <a:chOff x="0" y="0"/>
+          <a:chExt cx="0" cy="0"/>
+        </a:xfrm>
+      </p:grpSpPr>
+      <p:sp>
+        <p:nvSpPr>
+          <p:cNvPr id="2" name="Titel 1">
+            <a:extLst>
+              <a:ext uri="{FF2B5EF4-FFF2-40B4-BE49-F238E27FC236}">
                 <a16:creationId xmlns:a16="http://schemas.microsoft.com/office/drawing/2014/main" id="{693F10F7-6A72-7443-9D29-766F88D4FE7E}"/>
               </a:ext>
             </a:extLst>
@@ -9800,8 +10226,26 @@
         </p:nvSpPr>
         <p:spPr/>
         <p:txBody>
-          <a:bodyPr/>
+          <a:bodyPr>
+            <a:normAutofit/>
+          </a:bodyPr>
           <a:lstStyle/>
+          <a:p>
+            <a:pPr marL="360">
+              <a:spcBef>
+                <a:spcPts val="799"/>
+              </a:spcBef>
+            </a:pPr>
+            <a:r>
+              <a:rPr lang="de-DE" b="1" spc="-1" dirty="0">
+                <a:solidFill>
+                  <a:srgbClr val="000000"/>
+                </a:solidFill>
+                <a:latin typeface="Verdana"/>
+              </a:rPr>
+              <a:t>Problem</a:t>
+            </a:r>
+          </a:p>
           <a:p>
             <a:pPr marL="360">
               <a:spcBef>
@@ -9815,7 +10259,7 @@
                 </a:solidFill>
                 <a:latin typeface="Verdana"/>
               </a:rPr>
-              <a:t>Thema des nächsten </a:t>
+              <a:t>Daten sollen erhalten bleiben – </a:t>
             </a:r>
             <a:r>
               <a:rPr lang="de-DE" spc="-1" dirty="0" err="1">
@@ -9824,7 +10268,7 @@
                 </a:solidFill>
                 <a:latin typeface="Verdana"/>
               </a:rPr>
-              <a:t>Deeptalks</a:t>
+              <a:t>Pods</a:t>
             </a:r>
             <a:r>
               <a:rPr lang="de-DE" spc="-1" dirty="0">
@@ -9833,7 +10277,33 @@
                 </a:solidFill>
                 <a:latin typeface="Verdana"/>
               </a:rPr>
-              <a:t>: Persistenz in </a:t>
+              <a:t> sind aber flüchtig</a:t>
+            </a:r>
+          </a:p>
+          <a:p>
+            <a:pPr marL="360">
+              <a:spcBef>
+                <a:spcPts val="799"/>
+              </a:spcBef>
+            </a:pPr>
+            <a:r>
+              <a:rPr lang="de-DE" spc="-1" dirty="0">
+                <a:solidFill>
+                  <a:srgbClr val="000000"/>
+                </a:solidFill>
+                <a:latin typeface="Verdana"/>
+                <a:sym typeface="Wingdings" pitchFamily="2" charset="2"/>
+              </a:rPr>
+              <a:t> Thema: </a:t>
+            </a:r>
+            <a:r>
+              <a:rPr lang="de-DE" spc="-1" dirty="0">
+                <a:solidFill>
+                  <a:srgbClr val="000000"/>
+                </a:solidFill>
+                <a:latin typeface="Verdana"/>
+              </a:rPr>
+              <a:t>Persistenz in </a:t>
             </a:r>
             <a:r>
               <a:rPr lang="de-DE" spc="-1" dirty="0" err="1">
@@ -9919,7 +10389,38 @@
                 </a:solidFill>
                 <a:latin typeface="Verdana"/>
               </a:rPr>
-              <a:t>Datenbanken	</a:t>
+              <a:t>Datenbanken</a:t>
+            </a:r>
+          </a:p>
+          <a:p>
+            <a:pPr marL="286110" indent="-285750">
+              <a:spcBef>
+                <a:spcPts val="799"/>
+              </a:spcBef>
+              <a:buFont typeface="Arial" panose="020B0604020202020204" pitchFamily="34" charset="0"/>
+              <a:buChar char="•"/>
+            </a:pPr>
+            <a:endParaRPr lang="de-DE" spc="-1" dirty="0">
+              <a:solidFill>
+                <a:srgbClr val="000000"/>
+              </a:solidFill>
+              <a:latin typeface="Verdana"/>
+            </a:endParaRPr>
+          </a:p>
+          <a:p>
+            <a:pPr marL="360">
+              <a:spcBef>
+                <a:spcPts val="799"/>
+              </a:spcBef>
+            </a:pPr>
+            <a:r>
+              <a:rPr lang="de-DE" spc="-1" dirty="0">
+                <a:solidFill>
+                  <a:srgbClr val="000000"/>
+                </a:solidFill>
+                <a:latin typeface="Verdana"/>
+              </a:rPr>
+              <a:t>	</a:t>
             </a:r>
           </a:p>
           <a:p>
@@ -9976,7 +10477,7 @@
 </p:sld>
 </file>
 
-<file path=ppt/slides/slide21.xml><?xml version="1.0" encoding="utf-8"?>
+<file path=ppt/slides/slide22.xml><?xml version="1.0" encoding="utf-8"?>
 <p:sld xmlns:a="http://schemas.openxmlformats.org/drawingml/2006/main" xmlns:r="http://schemas.openxmlformats.org/officeDocument/2006/relationships" xmlns:p="http://schemas.openxmlformats.org/presentationml/2006/main">
   <p:cSld>
     <p:spTree>
@@ -10273,7 +10774,18 @@
           <a:p>
             <a:r>
               <a:rPr lang="de-DE" dirty="0"/>
-              <a:t>Grundlagen</a:t>
+              <a:t>Beispiel I:</a:t>
+            </a:r>
+            <a:br>
+              <a:rPr lang="de-DE" dirty="0"/>
+            </a:br>
+            <a:r>
+              <a:rPr lang="de-DE" dirty="0" err="1"/>
+              <a:t>Postgres</a:t>
+            </a:r>
+            <a:r>
+              <a:rPr lang="de-DE" dirty="0"/>
+              <a:t> konfigurieren</a:t>
             </a:r>
           </a:p>
         </p:txBody>
